--- a/참빛.pptx
+++ b/참빛.pptx
@@ -2,7 +2,7 @@
 <file path=ppt/presentation.xml><?xml version="1.0" encoding="utf-8"?>
 <p:presentation xmlns:r="http://schemas.openxmlformats.org/officeDocument/2006/relationships" xmlns:c="http://schemas.openxmlformats.org/drawingml/2006/chart" xmlns:a="http://schemas.openxmlformats.org/drawingml/2006/main" xmlns:dgm="http://schemas.openxmlformats.org/drawingml/2006/diagram" xmlns:dsp="http://schemas.microsoft.com/office/drawing/2008/diagram" xmlns:p="http://schemas.openxmlformats.org/presentationml/2006/main" saveSubsetFonts="1">
   <p:sldMasterIdLst>
-    <p:sldMasterId id="2147483689" r:id="rId1"/>
+    <p:sldMasterId id="2147483678" r:id="rId1"/>
   </p:sldMasterIdLst>
   <p:notesMasterIdLst>
     <p:notesMasterId r:id="rId2"/>
@@ -28,6 +28,7 @@
     <p:sldId id="270" r:id="rId18"/>
     <p:sldId id="271" r:id="rId19"/>
     <p:sldId id="272" r:id="rId20"/>
+    <p:sldId id="273" r:id="rId21"/>
   </p:sldIdLst>
   <p:sldSz cx="12192000" cy="6858000"/>
   <p:notesSz cx="6858000" cy="9144000"/>
@@ -748,7 +749,7 @@
               <a:pPr lvl="0">
                 <a:defRPr/>
               </a:pPr>
-              <a:t>2020-06-17</a:t>
+              <a:t>2020-06-20</a:t>
             </a:fld>
             <a:endParaRPr lang="ko-KR" altLang="en-US"/>
           </a:p>
@@ -934,7 +935,7 @@
               <a:pPr lvl="0">
                 <a:defRPr/>
               </a:pPr>
-              <a:t>2020-06-17</a:t>
+              <a:t>2020-06-20</a:t>
             </a:fld>
             <a:endParaRPr lang="ko-KR" altLang="en-US"/>
           </a:p>
@@ -5111,6 +5112,1195 @@
           <a:chExt cx="0" cy="0"/>
         </a:xfrm>
       </p:grpSpPr>
+      <p:grpSp>
+        <p:nvGrpSpPr>
+          <p:cNvPr id="12" name="그룹 11"/>
+          <p:cNvGrpSpPr/>
+          <p:nvPr/>
+        </p:nvGrpSpPr>
+        <p:grpSpPr>
+          <a:xfrm rot="0">
+            <a:off x="464457" y="391886"/>
+            <a:ext cx="11350172" cy="6466115"/>
+            <a:chOff x="464457" y="391886"/>
+            <a:chExt cx="11350172" cy="6466115"/>
+          </a:xfrm>
+        </p:grpSpPr>
+        <p:sp>
+          <p:nvSpPr>
+            <p:cNvPr id="5" name="양쪽 모서리가 둥근 사각형 4"/>
+            <p:cNvSpPr/>
+            <p:nvPr/>
+          </p:nvSpPr>
+          <p:spPr>
+            <a:xfrm>
+              <a:off x="464457" y="391886"/>
+              <a:ext cx="11350172" cy="6466114"/>
+            </a:xfrm>
+            <a:prstGeom prst="round2SameRect">
+              <a:avLst>
+                <a:gd name="adj1" fmla="val 5121"/>
+                <a:gd name="adj2" fmla="val 0"/>
+              </a:avLst>
+            </a:prstGeom>
+            <a:solidFill>
+              <a:srgbClr val="132742"/>
+            </a:solidFill>
+            <a:ln w="22225">
+              <a:solidFill>
+                <a:srgbClr val="ffb5b6"/>
+              </a:solidFill>
+            </a:ln>
+          </p:spPr>
+          <p:style>
+            <a:lnRef idx="2">
+              <a:schemeClr val="accent1">
+                <a:shade val="50000"/>
+              </a:schemeClr>
+            </a:lnRef>
+            <a:fillRef idx="1">
+              <a:schemeClr val="accent1"/>
+            </a:fillRef>
+            <a:effectRef idx="0">
+              <a:schemeClr val="accent1"/>
+            </a:effectRef>
+            <a:fontRef idx="minor">
+              <a:schemeClr val="lt1"/>
+            </a:fontRef>
+          </p:style>
+          <p:txBody>
+            <a:bodyPr anchor="t"/>
+            <a:lstStyle/>
+            <a:p>
+              <a:pPr lvl="2" latinLnBrk="0">
+                <a:lnSpc>
+                  <a:spcPct val="150000"/>
+                </a:lnSpc>
+                <a:defRPr/>
+              </a:pPr>
+              <a:r>
+                <a:rPr lang="en-US" altLang="ko-KR" sz="2400" kern="0">
+                  <a:solidFill>
+                    <a:srgbClr val="ffb5b6"/>
+                  </a:solidFill>
+                  <a:latin typeface="나눔스퀘어라운드 ExtraBold"/>
+                  <a:ea typeface="나눔스퀘어라운드 ExtraBold"/>
+                </a:rPr>
+                <a:t>POSSIBILITY</a:t>
+              </a:r>
+              <a:endParaRPr lang="en-US" altLang="ko-KR" sz="2400" b="1" i="1" kern="0">
+                <a:solidFill>
+                  <a:prstClr val="white"/>
+                </a:solidFill>
+              </a:endParaRPr>
+            </a:p>
+          </p:txBody>
+        </p:sp>
+        <p:sp>
+          <p:nvSpPr>
+            <p:cNvPr id="6" name="양쪽 모서리가 둥근 사각형 5"/>
+            <p:cNvSpPr/>
+            <p:nvPr/>
+          </p:nvSpPr>
+          <p:spPr>
+            <a:xfrm>
+              <a:off x="464457" y="1320801"/>
+              <a:ext cx="11350172" cy="5537200"/>
+            </a:xfrm>
+            <a:prstGeom prst="round2SameRect">
+              <a:avLst>
+                <a:gd name="adj1" fmla="val 6572"/>
+                <a:gd name="adj2" fmla="val 0"/>
+              </a:avLst>
+            </a:prstGeom>
+            <a:solidFill>
+              <a:schemeClr val="bg1"/>
+            </a:solidFill>
+            <a:ln w="22225">
+              <a:solidFill>
+                <a:schemeClr val="bg1"/>
+              </a:solidFill>
+            </a:ln>
+          </p:spPr>
+          <p:style>
+            <a:lnRef idx="2">
+              <a:schemeClr val="accent1">
+                <a:shade val="50000"/>
+              </a:schemeClr>
+            </a:lnRef>
+            <a:fillRef idx="1">
+              <a:schemeClr val="accent1"/>
+            </a:fillRef>
+            <a:effectRef idx="0">
+              <a:schemeClr val="accent1"/>
+            </a:effectRef>
+            <a:fontRef idx="minor">
+              <a:schemeClr val="lt1"/>
+            </a:fontRef>
+          </p:style>
+          <p:txBody>
+            <a:bodyPr anchor="ctr"/>
+            <a:lstStyle/>
+            <a:p>
+              <a:pPr algn="ctr">
+                <a:defRPr/>
+              </a:pPr>
+              <a:endParaRPr lang="ko-KR" altLang="en-US">
+                <a:solidFill>
+                  <a:prstClr val="white"/>
+                </a:solidFill>
+              </a:endParaRPr>
+            </a:p>
+          </p:txBody>
+        </p:sp>
+        <p:sp>
+          <p:nvSpPr>
+            <p:cNvPr id="7" name="자유형 6"/>
+            <p:cNvSpPr/>
+            <p:nvPr/>
+          </p:nvSpPr>
+          <p:spPr>
+            <a:xfrm>
+              <a:off x="909660" y="749801"/>
+              <a:ext cx="112689" cy="197593"/>
+            </a:xfrm>
+            <a:custGeom>
+              <a:avLst/>
+              <a:gdLst>
+                <a:gd name="connsiteX0" fmla="*/ 80683 w 89647"/>
+                <a:gd name="connsiteY0" fmla="*/ 0 h 161365"/>
+                <a:gd name="connsiteX1" fmla="*/ 0 w 89647"/>
+                <a:gd name="connsiteY1" fmla="*/ 89647 h 161365"/>
+                <a:gd name="connsiteX2" fmla="*/ 89647 w 89647"/>
+                <a:gd name="connsiteY2" fmla="*/ 161365 h 161365"/>
+                <a:gd name="connsiteX0" fmla="*/ 80683 w 89647"/>
+                <a:gd name="connsiteY0" fmla="*/ 0 h 161365"/>
+                <a:gd name="connsiteX1" fmla="*/ 0 w 89647"/>
+                <a:gd name="connsiteY1" fmla="*/ 80122 h 161365"/>
+                <a:gd name="connsiteX2" fmla="*/ 89647 w 89647"/>
+                <a:gd name="connsiteY2" fmla="*/ 161365 h 161365"/>
+                <a:gd name="connsiteX0" fmla="*/ 80683 w 89647"/>
+                <a:gd name="connsiteY0" fmla="*/ 0 h 161365"/>
+                <a:gd name="connsiteX1" fmla="*/ 0 w 89647"/>
+                <a:gd name="connsiteY1" fmla="*/ 89647 h 161365"/>
+                <a:gd name="connsiteX2" fmla="*/ 89647 w 89647"/>
+                <a:gd name="connsiteY2" fmla="*/ 161365 h 161365"/>
+                <a:gd name="connsiteX0" fmla="*/ 83064 w 92028"/>
+                <a:gd name="connsiteY0" fmla="*/ 0 h 161365"/>
+                <a:gd name="connsiteX1" fmla="*/ 0 w 92028"/>
+                <a:gd name="connsiteY1" fmla="*/ 87266 h 161365"/>
+                <a:gd name="connsiteX2" fmla="*/ 92028 w 92028"/>
+                <a:gd name="connsiteY2" fmla="*/ 161365 h 161365"/>
+              </a:gdLst>
+              <a:cxnLst>
+                <a:cxn ang="0">
+                  <a:pos x="connsiteX0" y="connsiteY0"/>
+                </a:cxn>
+                <a:cxn ang="0">
+                  <a:pos x="connsiteX1" y="connsiteY1"/>
+                </a:cxn>
+                <a:cxn ang="0">
+                  <a:pos x="connsiteX2" y="connsiteY2"/>
+                </a:cxn>
+              </a:cxnLst>
+              <a:rect l="l" t="t" r="r" b="b"/>
+              <a:pathLst>
+                <a:path w="92028" h="161365">
+                  <a:moveTo>
+                    <a:pt x="83064" y="0"/>
+                  </a:moveTo>
+                  <a:lnTo>
+                    <a:pt x="0" y="87266"/>
+                  </a:lnTo>
+                  <a:lnTo>
+                    <a:pt x="92028" y="161365"/>
+                  </a:lnTo>
+                </a:path>
+              </a:pathLst>
+            </a:custGeom>
+            <a:noFill/>
+            <a:ln w="31750" cap="rnd">
+              <a:solidFill>
+                <a:srgbClr val="ffb5b6"/>
+              </a:solidFill>
+            </a:ln>
+          </p:spPr>
+          <p:style>
+            <a:lnRef idx="2">
+              <a:schemeClr val="accent1">
+                <a:shade val="50000"/>
+              </a:schemeClr>
+            </a:lnRef>
+            <a:fillRef idx="1">
+              <a:schemeClr val="accent1"/>
+            </a:fillRef>
+            <a:effectRef idx="0">
+              <a:schemeClr val="accent1"/>
+            </a:effectRef>
+            <a:fontRef idx="minor">
+              <a:schemeClr val="lt1"/>
+            </a:fontRef>
+          </p:style>
+          <p:txBody>
+            <a:bodyPr anchor="ctr"/>
+            <a:lstStyle/>
+            <a:p>
+              <a:pPr algn="ctr">
+                <a:defRPr/>
+              </a:pPr>
+              <a:endParaRPr lang="ko-KR" altLang="en-US">
+                <a:solidFill>
+                  <a:prstClr val="white"/>
+                </a:solidFill>
+              </a:endParaRPr>
+            </a:p>
+          </p:txBody>
+        </p:sp>
+        <p:sp>
+          <p:nvSpPr>
+            <p:cNvPr id="8" name="타원 7"/>
+            <p:cNvSpPr/>
+            <p:nvPr/>
+          </p:nvSpPr>
+          <p:spPr>
+            <a:xfrm>
+              <a:off x="11112062" y="742754"/>
+              <a:ext cx="72000" cy="72000"/>
+            </a:xfrm>
+            <a:prstGeom prst="ellipse">
+              <a:avLst/>
+            </a:prstGeom>
+            <a:solidFill>
+              <a:srgbClr val="ffb5b6"/>
+            </a:solidFill>
+            <a:ln>
+              <a:noFill/>
+            </a:ln>
+          </p:spPr>
+          <p:style>
+            <a:lnRef idx="2">
+              <a:schemeClr val="accent1">
+                <a:shade val="50000"/>
+              </a:schemeClr>
+            </a:lnRef>
+            <a:fillRef idx="1">
+              <a:schemeClr val="accent1"/>
+            </a:fillRef>
+            <a:effectRef idx="0">
+              <a:schemeClr val="accent1"/>
+            </a:effectRef>
+            <a:fontRef idx="minor">
+              <a:schemeClr val="lt1"/>
+            </a:fontRef>
+          </p:style>
+          <p:txBody>
+            <a:bodyPr anchor="ctr"/>
+            <a:lstStyle/>
+            <a:p>
+              <a:pPr algn="ctr">
+                <a:defRPr/>
+              </a:pPr>
+              <a:endParaRPr lang="ko-KR" altLang="en-US">
+                <a:solidFill>
+                  <a:prstClr val="white"/>
+                </a:solidFill>
+              </a:endParaRPr>
+            </a:p>
+          </p:txBody>
+        </p:sp>
+        <p:sp>
+          <p:nvSpPr>
+            <p:cNvPr id="9" name="타원 8"/>
+            <p:cNvSpPr/>
+            <p:nvPr/>
+          </p:nvSpPr>
+          <p:spPr>
+            <a:xfrm>
+              <a:off x="11252555" y="742754"/>
+              <a:ext cx="72000" cy="72000"/>
+            </a:xfrm>
+            <a:prstGeom prst="ellipse">
+              <a:avLst/>
+            </a:prstGeom>
+            <a:solidFill>
+              <a:srgbClr val="ffb5b6"/>
+            </a:solidFill>
+            <a:ln>
+              <a:noFill/>
+            </a:ln>
+          </p:spPr>
+          <p:style>
+            <a:lnRef idx="2">
+              <a:schemeClr val="accent1">
+                <a:shade val="50000"/>
+              </a:schemeClr>
+            </a:lnRef>
+            <a:fillRef idx="1">
+              <a:schemeClr val="accent1"/>
+            </a:fillRef>
+            <a:effectRef idx="0">
+              <a:schemeClr val="accent1"/>
+            </a:effectRef>
+            <a:fontRef idx="minor">
+              <a:schemeClr val="lt1"/>
+            </a:fontRef>
+          </p:style>
+          <p:txBody>
+            <a:bodyPr anchor="ctr"/>
+            <a:lstStyle/>
+            <a:p>
+              <a:pPr algn="ctr">
+                <a:defRPr/>
+              </a:pPr>
+              <a:endParaRPr lang="ko-KR" altLang="en-US">
+                <a:solidFill>
+                  <a:prstClr val="white"/>
+                </a:solidFill>
+              </a:endParaRPr>
+            </a:p>
+          </p:txBody>
+        </p:sp>
+        <p:sp>
+          <p:nvSpPr>
+            <p:cNvPr id="10" name="타원 9"/>
+            <p:cNvSpPr/>
+            <p:nvPr/>
+          </p:nvSpPr>
+          <p:spPr>
+            <a:xfrm>
+              <a:off x="11112062" y="873684"/>
+              <a:ext cx="72000" cy="72000"/>
+            </a:xfrm>
+            <a:prstGeom prst="ellipse">
+              <a:avLst/>
+            </a:prstGeom>
+            <a:solidFill>
+              <a:srgbClr val="ffb5b6"/>
+            </a:solidFill>
+            <a:ln>
+              <a:noFill/>
+            </a:ln>
+          </p:spPr>
+          <p:style>
+            <a:lnRef idx="2">
+              <a:schemeClr val="accent1">
+                <a:shade val="50000"/>
+              </a:schemeClr>
+            </a:lnRef>
+            <a:fillRef idx="1">
+              <a:schemeClr val="accent1"/>
+            </a:fillRef>
+            <a:effectRef idx="0">
+              <a:schemeClr val="accent1"/>
+            </a:effectRef>
+            <a:fontRef idx="minor">
+              <a:schemeClr val="lt1"/>
+            </a:fontRef>
+          </p:style>
+          <p:txBody>
+            <a:bodyPr anchor="ctr"/>
+            <a:lstStyle/>
+            <a:p>
+              <a:pPr algn="ctr">
+                <a:defRPr/>
+              </a:pPr>
+              <a:endParaRPr lang="ko-KR" altLang="en-US">
+                <a:solidFill>
+                  <a:prstClr val="white"/>
+                </a:solidFill>
+              </a:endParaRPr>
+            </a:p>
+          </p:txBody>
+        </p:sp>
+        <p:sp>
+          <p:nvSpPr>
+            <p:cNvPr id="11" name="타원 10"/>
+            <p:cNvSpPr/>
+            <p:nvPr/>
+          </p:nvSpPr>
+          <p:spPr>
+            <a:xfrm>
+              <a:off x="11252555" y="873684"/>
+              <a:ext cx="72000" cy="72000"/>
+            </a:xfrm>
+            <a:prstGeom prst="ellipse">
+              <a:avLst/>
+            </a:prstGeom>
+            <a:solidFill>
+              <a:srgbClr val="ffb5b6"/>
+            </a:solidFill>
+            <a:ln>
+              <a:noFill/>
+            </a:ln>
+          </p:spPr>
+          <p:style>
+            <a:lnRef idx="2">
+              <a:schemeClr val="accent1">
+                <a:shade val="50000"/>
+              </a:schemeClr>
+            </a:lnRef>
+            <a:fillRef idx="1">
+              <a:schemeClr val="accent1"/>
+            </a:fillRef>
+            <a:effectRef idx="0">
+              <a:schemeClr val="accent1"/>
+            </a:effectRef>
+            <a:fontRef idx="minor">
+              <a:schemeClr val="lt1"/>
+            </a:fontRef>
+          </p:style>
+          <p:txBody>
+            <a:bodyPr anchor="ctr"/>
+            <a:lstStyle/>
+            <a:p>
+              <a:pPr algn="ctr">
+                <a:defRPr/>
+              </a:pPr>
+              <a:endParaRPr lang="ko-KR" altLang="en-US">
+                <a:solidFill>
+                  <a:prstClr val="white"/>
+                </a:solidFill>
+              </a:endParaRPr>
+            </a:p>
+          </p:txBody>
+        </p:sp>
+      </p:grpSp>
+      <p:sp>
+        <p:nvSpPr>
+          <p:cNvPr id="63" name="자유형 62"/>
+          <p:cNvSpPr/>
+          <p:nvPr/>
+        </p:nvSpPr>
+        <p:spPr>
+          <a:xfrm rot="5400000" flipH="1">
+            <a:off x="3985730" y="1764630"/>
+            <a:ext cx="2189213" cy="2906447"/>
+          </a:xfrm>
+          <a:custGeom>
+            <a:avLst/>
+            <a:gdLst>
+              <a:gd name="connsiteX0" fmla="*/ 2189213 w 2189213"/>
+              <a:gd name="connsiteY0" fmla="*/ 547303 h 2906447"/>
+              <a:gd name="connsiteX1" fmla="*/ 1641910 w 2189213"/>
+              <a:gd name="connsiteY1" fmla="*/ 0 h 2906447"/>
+              <a:gd name="connsiteX2" fmla="*/ 1641910 w 2189213"/>
+              <a:gd name="connsiteY2" fmla="*/ 273652 h 2906447"/>
+              <a:gd name="connsiteX3" fmla="*/ 957781 w 2189213"/>
+              <a:gd name="connsiteY3" fmla="*/ 273651 h 2906447"/>
+              <a:gd name="connsiteX4" fmla="*/ 0 w 2189213"/>
+              <a:gd name="connsiteY4" fmla="*/ 1231432 h 2906447"/>
+              <a:gd name="connsiteX5" fmla="*/ 0 w 2189213"/>
+              <a:gd name="connsiteY5" fmla="*/ 2906447 h 2906447"/>
+              <a:gd name="connsiteX6" fmla="*/ 547303 w 2189213"/>
+              <a:gd name="connsiteY6" fmla="*/ 2359144 h 2906447"/>
+              <a:gd name="connsiteX7" fmla="*/ 547304 w 2189213"/>
+              <a:gd name="connsiteY7" fmla="*/ 1231432 h 2906447"/>
+              <a:gd name="connsiteX8" fmla="*/ 957781 w 2189213"/>
+              <a:gd name="connsiteY8" fmla="*/ 820955 h 2906447"/>
+              <a:gd name="connsiteX9" fmla="*/ 1641910 w 2189213"/>
+              <a:gd name="connsiteY9" fmla="*/ 820955 h 2906447"/>
+              <a:gd name="connsiteX10" fmla="*/ 1641910 w 2189213"/>
+              <a:gd name="connsiteY10" fmla="*/ 1094607 h 2906447"/>
+            </a:gdLst>
+            <a:cxnLst>
+              <a:cxn ang="0">
+                <a:pos x="connsiteX0" y="connsiteY0"/>
+              </a:cxn>
+              <a:cxn ang="0">
+                <a:pos x="connsiteX1" y="connsiteY1"/>
+              </a:cxn>
+              <a:cxn ang="0">
+                <a:pos x="connsiteX2" y="connsiteY2"/>
+              </a:cxn>
+              <a:cxn ang="0">
+                <a:pos x="connsiteX3" y="connsiteY3"/>
+              </a:cxn>
+              <a:cxn ang="0">
+                <a:pos x="connsiteX4" y="connsiteY4"/>
+              </a:cxn>
+              <a:cxn ang="0">
+                <a:pos x="connsiteX5" y="connsiteY5"/>
+              </a:cxn>
+              <a:cxn ang="0">
+                <a:pos x="connsiteX6" y="connsiteY6"/>
+              </a:cxn>
+              <a:cxn ang="0">
+                <a:pos x="connsiteX7" y="connsiteY7"/>
+              </a:cxn>
+              <a:cxn ang="0">
+                <a:pos x="connsiteX8" y="connsiteY8"/>
+              </a:cxn>
+              <a:cxn ang="0">
+                <a:pos x="connsiteX9" y="connsiteY9"/>
+              </a:cxn>
+              <a:cxn ang="0">
+                <a:pos x="connsiteX10" y="connsiteY10"/>
+              </a:cxn>
+            </a:cxnLst>
+            <a:rect l="l" t="t" r="r" b="b"/>
+            <a:pathLst>
+              <a:path w="2189213" h="2906447">
+                <a:moveTo>
+                  <a:pt x="2189213" y="547303"/>
+                </a:moveTo>
+                <a:lnTo>
+                  <a:pt x="1641910" y="0"/>
+                </a:lnTo>
+                <a:lnTo>
+                  <a:pt x="1641910" y="273652"/>
+                </a:lnTo>
+                <a:lnTo>
+                  <a:pt x="957781" y="273651"/>
+                </a:lnTo>
+                <a:cubicBezTo>
+                  <a:pt x="428813" y="273651"/>
+                  <a:pt x="0" y="702464"/>
+                  <a:pt x="0" y="1231432"/>
+                </a:cubicBezTo>
+                <a:lnTo>
+                  <a:pt x="0" y="2906447"/>
+                </a:lnTo>
+                <a:lnTo>
+                  <a:pt x="547303" y="2359144"/>
+                </a:lnTo>
+                <a:lnTo>
+                  <a:pt x="547304" y="1231432"/>
+                </a:lnTo>
+                <a:cubicBezTo>
+                  <a:pt x="547304" y="1004732"/>
+                  <a:pt x="731081" y="820955"/>
+                  <a:pt x="957781" y="820955"/>
+                </a:cubicBezTo>
+                <a:lnTo>
+                  <a:pt x="1641910" y="820955"/>
+                </a:lnTo>
+                <a:lnTo>
+                  <a:pt x="1641910" y="1094607"/>
+                </a:lnTo>
+                <a:close/>
+              </a:path>
+            </a:pathLst>
+          </a:custGeom>
+          <a:solidFill>
+            <a:srgbClr val="132742"/>
+          </a:solidFill>
+          <a:ln>
+            <a:noFill/>
+          </a:ln>
+        </p:spPr>
+        <p:style>
+          <a:lnRef idx="2">
+            <a:schemeClr val="accent1">
+              <a:shade val="50000"/>
+            </a:schemeClr>
+          </a:lnRef>
+          <a:fillRef idx="1">
+            <a:schemeClr val="accent1"/>
+          </a:fillRef>
+          <a:effectRef idx="0">
+            <a:schemeClr val="accent1"/>
+          </a:effectRef>
+          <a:fontRef idx="minor">
+            <a:schemeClr val="lt1"/>
+          </a:fontRef>
+        </p:style>
+        <p:txBody>
+          <a:bodyPr anchor="ctr"/>
+          <a:lstStyle/>
+          <a:p>
+            <a:pPr algn="ctr">
+              <a:defRPr/>
+            </a:pPr>
+            <a:endParaRPr lang="ko-KR" altLang="en-US">
+              <a:solidFill>
+                <a:prstClr val="black"/>
+              </a:solidFill>
+            </a:endParaRPr>
+          </a:p>
+        </p:txBody>
+      </p:sp>
+      <p:cxnSp>
+        <p:nvCxnSpPr>
+          <p:cNvPr id="64" name="직선 연결선 63"/>
+          <p:cNvCxnSpPr>
+            <a:stCxn id="63" idx="5"/>
+          </p:cNvCxnSpPr>
+          <p:nvPr/>
+        </p:nvCxnSpPr>
+        <p:spPr>
+          <a:xfrm flipH="1">
+            <a:off x="464151" y="4312460"/>
+            <a:ext cx="3162962" cy="0"/>
+          </a:xfrm>
+          <a:prstGeom prst="line">
+            <a:avLst/>
+          </a:prstGeom>
+          <a:ln>
+            <a:solidFill>
+              <a:srgbClr val="132742"/>
+            </a:solidFill>
+          </a:ln>
+        </p:spPr>
+        <p:style>
+          <a:lnRef idx="1">
+            <a:schemeClr val="accent1"/>
+          </a:lnRef>
+          <a:fillRef idx="0">
+            <a:schemeClr val="accent1"/>
+          </a:fillRef>
+          <a:effectRef idx="0">
+            <a:schemeClr val="accent1"/>
+          </a:effectRef>
+          <a:fontRef idx="minor">
+            <a:schemeClr val="tx1"/>
+          </a:fontRef>
+        </p:style>
+      </p:cxnSp>
+      <p:grpSp>
+        <p:nvGrpSpPr>
+          <p:cNvPr id="65" name="그룹 64"/>
+          <p:cNvGrpSpPr/>
+          <p:nvPr/>
+        </p:nvGrpSpPr>
+        <p:grpSpPr>
+          <a:xfrm rot="0" flipH="1" flipV="1">
+            <a:off x="5682028" y="3713785"/>
+            <a:ext cx="6131930" cy="2189213"/>
+            <a:chOff x="2738667" y="2461392"/>
+            <a:chExt cx="6131930" cy="2189213"/>
+          </a:xfrm>
+        </p:grpSpPr>
+        <p:sp>
+          <p:nvSpPr>
+            <p:cNvPr id="66" name="자유형 65"/>
+            <p:cNvSpPr/>
+            <p:nvPr/>
+          </p:nvSpPr>
+          <p:spPr>
+            <a:xfrm rot="5400000" flipH="1">
+              <a:off x="6322767" y="2102775"/>
+              <a:ext cx="2189213" cy="2906447"/>
+            </a:xfrm>
+            <a:custGeom>
+              <a:avLst/>
+              <a:gdLst>
+                <a:gd name="connsiteX0" fmla="*/ 2189213 w 2189213"/>
+                <a:gd name="connsiteY0" fmla="*/ 547303 h 2906447"/>
+                <a:gd name="connsiteX1" fmla="*/ 1641910 w 2189213"/>
+                <a:gd name="connsiteY1" fmla="*/ 0 h 2906447"/>
+                <a:gd name="connsiteX2" fmla="*/ 1641910 w 2189213"/>
+                <a:gd name="connsiteY2" fmla="*/ 273652 h 2906447"/>
+                <a:gd name="connsiteX3" fmla="*/ 957781 w 2189213"/>
+                <a:gd name="connsiteY3" fmla="*/ 273651 h 2906447"/>
+                <a:gd name="connsiteX4" fmla="*/ 0 w 2189213"/>
+                <a:gd name="connsiteY4" fmla="*/ 1231432 h 2906447"/>
+                <a:gd name="connsiteX5" fmla="*/ 0 w 2189213"/>
+                <a:gd name="connsiteY5" fmla="*/ 2906447 h 2906447"/>
+                <a:gd name="connsiteX6" fmla="*/ 547303 w 2189213"/>
+                <a:gd name="connsiteY6" fmla="*/ 2359144 h 2906447"/>
+                <a:gd name="connsiteX7" fmla="*/ 547304 w 2189213"/>
+                <a:gd name="connsiteY7" fmla="*/ 1231432 h 2906447"/>
+                <a:gd name="connsiteX8" fmla="*/ 957781 w 2189213"/>
+                <a:gd name="connsiteY8" fmla="*/ 820955 h 2906447"/>
+                <a:gd name="connsiteX9" fmla="*/ 1641910 w 2189213"/>
+                <a:gd name="connsiteY9" fmla="*/ 820955 h 2906447"/>
+                <a:gd name="connsiteX10" fmla="*/ 1641910 w 2189213"/>
+                <a:gd name="connsiteY10" fmla="*/ 1094607 h 2906447"/>
+              </a:gdLst>
+              <a:cxnLst>
+                <a:cxn ang="0">
+                  <a:pos x="connsiteX0" y="connsiteY0"/>
+                </a:cxn>
+                <a:cxn ang="0">
+                  <a:pos x="connsiteX1" y="connsiteY1"/>
+                </a:cxn>
+                <a:cxn ang="0">
+                  <a:pos x="connsiteX2" y="connsiteY2"/>
+                </a:cxn>
+                <a:cxn ang="0">
+                  <a:pos x="connsiteX3" y="connsiteY3"/>
+                </a:cxn>
+                <a:cxn ang="0">
+                  <a:pos x="connsiteX4" y="connsiteY4"/>
+                </a:cxn>
+                <a:cxn ang="0">
+                  <a:pos x="connsiteX5" y="connsiteY5"/>
+                </a:cxn>
+                <a:cxn ang="0">
+                  <a:pos x="connsiteX6" y="connsiteY6"/>
+                </a:cxn>
+                <a:cxn ang="0">
+                  <a:pos x="connsiteX7" y="connsiteY7"/>
+                </a:cxn>
+                <a:cxn ang="0">
+                  <a:pos x="connsiteX8" y="connsiteY8"/>
+                </a:cxn>
+                <a:cxn ang="0">
+                  <a:pos x="connsiteX9" y="connsiteY9"/>
+                </a:cxn>
+                <a:cxn ang="0">
+                  <a:pos x="connsiteX10" y="connsiteY10"/>
+                </a:cxn>
+              </a:cxnLst>
+              <a:rect l="l" t="t" r="r" b="b"/>
+              <a:pathLst>
+                <a:path w="2189213" h="2906447">
+                  <a:moveTo>
+                    <a:pt x="2189213" y="547303"/>
+                  </a:moveTo>
+                  <a:lnTo>
+                    <a:pt x="1641910" y="0"/>
+                  </a:lnTo>
+                  <a:lnTo>
+                    <a:pt x="1641910" y="273652"/>
+                  </a:lnTo>
+                  <a:lnTo>
+                    <a:pt x="957781" y="273651"/>
+                  </a:lnTo>
+                  <a:cubicBezTo>
+                    <a:pt x="428813" y="273651"/>
+                    <a:pt x="0" y="702464"/>
+                    <a:pt x="0" y="1231432"/>
+                  </a:cubicBezTo>
+                  <a:lnTo>
+                    <a:pt x="0" y="2906447"/>
+                  </a:lnTo>
+                  <a:lnTo>
+                    <a:pt x="547303" y="2359144"/>
+                  </a:lnTo>
+                  <a:lnTo>
+                    <a:pt x="547304" y="1231432"/>
+                  </a:lnTo>
+                  <a:cubicBezTo>
+                    <a:pt x="547304" y="1004732"/>
+                    <a:pt x="731081" y="820955"/>
+                    <a:pt x="957781" y="820955"/>
+                  </a:cubicBezTo>
+                  <a:lnTo>
+                    <a:pt x="1641910" y="820955"/>
+                  </a:lnTo>
+                  <a:lnTo>
+                    <a:pt x="1641910" y="1094607"/>
+                  </a:lnTo>
+                  <a:close/>
+                </a:path>
+              </a:pathLst>
+            </a:custGeom>
+            <a:solidFill>
+              <a:srgbClr val="ffb5b6"/>
+            </a:solidFill>
+            <a:ln>
+              <a:noFill/>
+            </a:ln>
+          </p:spPr>
+          <p:style>
+            <a:lnRef idx="2">
+              <a:schemeClr val="accent1">
+                <a:shade val="50000"/>
+              </a:schemeClr>
+            </a:lnRef>
+            <a:fillRef idx="1">
+              <a:schemeClr val="accent1"/>
+            </a:fillRef>
+            <a:effectRef idx="0">
+              <a:schemeClr val="accent1"/>
+            </a:effectRef>
+            <a:fontRef idx="minor">
+              <a:schemeClr val="lt1"/>
+            </a:fontRef>
+          </p:style>
+          <p:txBody>
+            <a:bodyPr anchor="ctr"/>
+            <a:lstStyle/>
+            <a:p>
+              <a:pPr algn="ctr">
+                <a:defRPr/>
+              </a:pPr>
+              <a:endParaRPr lang="ko-KR" altLang="en-US">
+                <a:solidFill>
+                  <a:prstClr val="black"/>
+                </a:solidFill>
+              </a:endParaRPr>
+            </a:p>
+          </p:txBody>
+        </p:sp>
+        <p:cxnSp>
+          <p:nvCxnSpPr>
+            <p:cNvPr id="67" name="직선 연결선 66"/>
+            <p:cNvCxnSpPr/>
+            <p:nvPr/>
+          </p:nvCxnSpPr>
+          <p:spPr>
+            <a:xfrm flipH="1">
+              <a:off x="2738667" y="4650605"/>
+              <a:ext cx="3225483" cy="0"/>
+            </a:xfrm>
+            <a:prstGeom prst="line">
+              <a:avLst/>
+            </a:prstGeom>
+            <a:ln>
+              <a:solidFill>
+                <a:srgbClr val="ffb5b6"/>
+              </a:solidFill>
+            </a:ln>
+          </p:spPr>
+          <p:style>
+            <a:lnRef idx="1">
+              <a:schemeClr val="accent1"/>
+            </a:lnRef>
+            <a:fillRef idx="0">
+              <a:schemeClr val="accent1"/>
+            </a:fillRef>
+            <a:effectRef idx="0">
+              <a:schemeClr val="accent1"/>
+            </a:effectRef>
+            <a:fontRef idx="minor">
+              <a:schemeClr val="tx1"/>
+            </a:fontRef>
+          </p:style>
+        </p:cxnSp>
+      </p:grpSp>
+      <p:sp>
+        <p:nvSpPr>
+          <p:cNvPr id="68" name="직사각형 67"/>
+          <p:cNvSpPr/>
+          <p:nvPr/>
+        </p:nvSpPr>
+        <p:spPr>
+          <a:xfrm>
+            <a:off x="8574216" y="2648868"/>
+            <a:ext cx="1627000" cy="902052"/>
+          </a:xfrm>
+          <a:prstGeom prst="rect">
+            <a:avLst/>
+          </a:prstGeom>
+        </p:spPr>
+        <p:txBody>
+          <a:bodyPr wrap="square">
+            <a:spAutoFit/>
+          </a:bodyPr>
+          <a:lstStyle/>
+          <a:p>
+            <a:pPr algn="ctr">
+              <a:defRPr/>
+            </a:pPr>
+            <a:r>
+              <a:rPr lang="en-US" altLang="ko-KR" sz="5400" b="1">
+                <a:solidFill>
+                  <a:srgbClr val="ffb5b6"/>
+                </a:solidFill>
+              </a:rPr>
+              <a:t>32</a:t>
+            </a:r>
+            <a:r>
+              <a:rPr lang="en-US" altLang="ko-KR" sz="2000">
+                <a:solidFill>
+                  <a:srgbClr val="ffb5b6"/>
+                </a:solidFill>
+              </a:rPr>
+              <a:t>%</a:t>
+            </a:r>
+            <a:endParaRPr lang="en-US" altLang="ko-KR" sz="1600" b="1">
+              <a:solidFill>
+                <a:srgbClr val="ffb5b6"/>
+              </a:solidFill>
+            </a:endParaRPr>
+          </a:p>
+        </p:txBody>
+      </p:sp>
+      <p:sp>
+        <p:nvSpPr>
+          <p:cNvPr id="69" name="직사각형 68"/>
+          <p:cNvSpPr/>
+          <p:nvPr/>
+        </p:nvSpPr>
+        <p:spPr>
+          <a:xfrm>
+            <a:off x="2280594" y="4479268"/>
+            <a:ext cx="1627000" cy="909977"/>
+          </a:xfrm>
+          <a:prstGeom prst="rect">
+            <a:avLst/>
+          </a:prstGeom>
+        </p:spPr>
+        <p:txBody>
+          <a:bodyPr wrap="square">
+            <a:spAutoFit/>
+          </a:bodyPr>
+          <a:lstStyle/>
+          <a:p>
+            <a:pPr algn="ctr">
+              <a:defRPr/>
+            </a:pPr>
+            <a:r>
+              <a:rPr lang="en-US" altLang="ko-KR" sz="5400" b="1">
+                <a:solidFill>
+                  <a:srgbClr val="132742"/>
+                </a:solidFill>
+              </a:rPr>
+              <a:t>75</a:t>
+            </a:r>
+            <a:r>
+              <a:rPr lang="en-US" altLang="ko-KR" sz="2000">
+                <a:solidFill>
+                  <a:srgbClr val="132742"/>
+                </a:solidFill>
+              </a:rPr>
+              <a:t>%</a:t>
+            </a:r>
+            <a:endParaRPr lang="en-US" altLang="ko-KR" sz="1600" b="1">
+              <a:solidFill>
+                <a:srgbClr val="132742"/>
+              </a:solidFill>
+            </a:endParaRPr>
+          </a:p>
+        </p:txBody>
+      </p:sp>
+      <p:sp>
+        <p:nvSpPr>
+          <p:cNvPr id="70" name="직사각형 69"/>
+          <p:cNvSpPr/>
+          <p:nvPr/>
+        </p:nvSpPr>
+        <p:spPr>
+          <a:xfrm>
+            <a:off x="8720821" y="3996960"/>
+            <a:ext cx="2960791" cy="1230360"/>
+          </a:xfrm>
+          <a:prstGeom prst="rect">
+            <a:avLst/>
+          </a:prstGeom>
+        </p:spPr>
+        <p:txBody>
+          <a:bodyPr wrap="square">
+            <a:spAutoFit/>
+          </a:bodyPr>
+          <a:lstStyle/>
+          <a:p>
+            <a:pPr>
+              <a:lnSpc>
+                <a:spcPct val="150000"/>
+              </a:lnSpc>
+              <a:defRPr/>
+            </a:pPr>
+            <a:r>
+              <a:rPr lang="en-US" altLang="ko-KR" sz="1600" b="1">
+                <a:solidFill>
+                  <a:srgbClr val="ffb5b6"/>
+                </a:solidFill>
+              </a:rPr>
+              <a:t>Factor of Failure</a:t>
+            </a:r>
+            <a:endParaRPr lang="en-US" altLang="ko-KR" sz="1600" b="1">
+              <a:solidFill>
+                <a:srgbClr val="ffb5b6"/>
+              </a:solidFill>
+            </a:endParaRPr>
+          </a:p>
+          <a:p>
+            <a:pPr>
+              <a:lnSpc>
+                <a:spcPct val="150000"/>
+              </a:lnSpc>
+              <a:defRPr/>
+            </a:pPr>
+            <a:r>
+              <a:rPr lang="ko-KR" altLang="en-US" sz="1400">
+                <a:solidFill>
+                  <a:prstClr val="black">
+                    <a:lumMod val="65000"/>
+                    <a:lumOff val="35000"/>
+                  </a:prstClr>
+                </a:solidFill>
+              </a:rPr>
+              <a:t>컨텐츠에 대한 내용을 적어요</a:t>
+            </a:r>
+            <a:endParaRPr lang="ko-KR" altLang="en-US" sz="1400">
+              <a:solidFill>
+                <a:prstClr val="black">
+                  <a:lumMod val="65000"/>
+                  <a:lumOff val="35000"/>
+                </a:prstClr>
+              </a:solidFill>
+            </a:endParaRPr>
+          </a:p>
+          <a:p>
+            <a:pPr>
+              <a:lnSpc>
+                <a:spcPct val="150000"/>
+              </a:lnSpc>
+              <a:defRPr/>
+            </a:pPr>
+            <a:r>
+              <a:rPr lang="ko-KR" altLang="en-US" sz="1000">
+                <a:solidFill>
+                  <a:prstClr val="black">
+                    <a:lumMod val="65000"/>
+                    <a:lumOff val="35000"/>
+                  </a:prstClr>
+                </a:solidFill>
+              </a:rPr>
+              <a:t>Enjoy your stylish business and campus life with BIZCAM </a:t>
+            </a:r>
+            <a:endParaRPr lang="ko-KR" altLang="en-US" sz="1000">
+              <a:solidFill>
+                <a:prstClr val="black">
+                  <a:lumMod val="65000"/>
+                  <a:lumOff val="35000"/>
+                </a:prstClr>
+              </a:solidFill>
+            </a:endParaRPr>
+          </a:p>
+        </p:txBody>
+      </p:sp>
+      <p:sp>
+        <p:nvSpPr>
+          <p:cNvPr id="71" name="직사각형 70"/>
+          <p:cNvSpPr/>
+          <p:nvPr/>
+        </p:nvSpPr>
+        <p:spPr>
+          <a:xfrm>
+            <a:off x="576805" y="2648868"/>
+            <a:ext cx="3130125" cy="1273527"/>
+          </a:xfrm>
+          <a:prstGeom prst="rect">
+            <a:avLst/>
+          </a:prstGeom>
+        </p:spPr>
+        <p:txBody>
+          <a:bodyPr wrap="square">
+            <a:spAutoFit/>
+          </a:bodyPr>
+          <a:lstStyle/>
+          <a:p>
+            <a:pPr algn="r">
+              <a:lnSpc>
+                <a:spcPct val="150000"/>
+              </a:lnSpc>
+              <a:defRPr/>
+            </a:pPr>
+            <a:r>
+              <a:rPr lang="en-US" altLang="ko-KR" b="1">
+                <a:solidFill>
+                  <a:srgbClr val="132742"/>
+                </a:solidFill>
+                <a:latin typeface="나눔스퀘어라운드 ExtraBold"/>
+                <a:ea typeface="나눔스퀘어라운드 ExtraBold"/>
+              </a:rPr>
+              <a:t>Factor of Success</a:t>
+            </a:r>
+            <a:endParaRPr lang="en-US" altLang="ko-KR" sz="1600" b="1">
+              <a:solidFill>
+                <a:srgbClr val="132742"/>
+              </a:solidFill>
+            </a:endParaRPr>
+          </a:p>
+          <a:p>
+            <a:pPr algn="r">
+              <a:lnSpc>
+                <a:spcPct val="150000"/>
+              </a:lnSpc>
+              <a:defRPr/>
+            </a:pPr>
+            <a:r>
+              <a:rPr lang="ko-KR" altLang="en-US" sz="1400">
+                <a:solidFill>
+                  <a:prstClr val="black">
+                    <a:lumMod val="65000"/>
+                    <a:lumOff val="35000"/>
+                  </a:prstClr>
+                </a:solidFill>
+                <a:latin typeface="나눔스퀘어라운드 Bold"/>
+                <a:ea typeface="나눔스퀘어라운드 Bold"/>
+              </a:rPr>
+              <a:t>컨텐츠에 대한 내용을 적어요</a:t>
+            </a:r>
+            <a:endParaRPr lang="ko-KR" altLang="en-US" sz="1400">
+              <a:solidFill>
+                <a:prstClr val="black">
+                  <a:lumMod val="65000"/>
+                  <a:lumOff val="35000"/>
+                </a:prstClr>
+              </a:solidFill>
+            </a:endParaRPr>
+          </a:p>
+          <a:p>
+            <a:pPr algn="r">
+              <a:lnSpc>
+                <a:spcPct val="150000"/>
+              </a:lnSpc>
+              <a:defRPr/>
+            </a:pPr>
+            <a:r>
+              <a:rPr lang="ko-KR" altLang="en-US" sz="1000">
+                <a:solidFill>
+                  <a:prstClr val="black">
+                    <a:lumMod val="65000"/>
+                    <a:lumOff val="35000"/>
+                  </a:prstClr>
+                </a:solidFill>
+              </a:rPr>
+              <a:t>Enjoy your stylish business and campus life with BIZCAM </a:t>
+            </a:r>
+            <a:endParaRPr lang="ko-KR" altLang="en-US" sz="1000">
+              <a:solidFill>
+                <a:prstClr val="black">
+                  <a:lumMod val="65000"/>
+                  <a:lumOff val="35000"/>
+                </a:prstClr>
+              </a:solidFill>
+            </a:endParaRPr>
+          </a:p>
+        </p:txBody>
+      </p:sp>
+    </p:spTree>
+  </p:cSld>
+  <p:clrMapOvr>
+    <a:masterClrMapping/>
+  </p:clrMapOvr>
+  <mc:AlternateContent xmlns:mc="http://schemas.openxmlformats.org/markup-compatibility/2006">
+    <mc:Choice xmlns:p14="http://schemas.microsoft.com/office/powerpoint/2010/main" Requires="p14">
+      <p:transition xmlns:mc="http://schemas.openxmlformats.org/markup-compatibility/2006" xmlns:p14="http://schemas.microsoft.com/office/powerpoint/2010/main" mc:Ignorable="p14" p14:dur="500"/>
+    </mc:Choice>
+    <mc:Fallback>
+      <p:transition/>
+    </mc:Fallback>
+  </mc:AlternateContent>
+  <p:timing>
+    <p:tnLst>
+      <p:par>
+        <p:cTn id="1" dur="indefinite" restart="never" nodeType="tmRoot"/>
+      </p:par>
+    </p:tnLst>
+  </p:timing>
+</p:sld>
+</file>
+
+<file path=ppt/slides/slide11.xml><?xml version="1.0" encoding="utf-8"?>
+<p:sld xmlns:r="http://schemas.openxmlformats.org/officeDocument/2006/relationships" xmlns:c="http://schemas.openxmlformats.org/drawingml/2006/chart" xmlns:a="http://schemas.openxmlformats.org/drawingml/2006/main" xmlns:dgm="http://schemas.openxmlformats.org/drawingml/2006/diagram" xmlns:dsp="http://schemas.microsoft.com/office/drawing/2008/diagram" xmlns:p="http://schemas.openxmlformats.org/presentationml/2006/main">
+  <p:cSld>
+    <p:bg>
+      <p:bgPr shadeToTitle="0">
+        <a:solidFill>
+          <a:srgbClr val="132742"/>
+        </a:solidFill>
+      </p:bgPr>
+    </p:bg>
+    <p:spTree>
+      <p:nvGrpSpPr>
+        <p:cNvPr id="1" name=""/>
+        <p:cNvGrpSpPr/>
+        <p:nvPr/>
+      </p:nvGrpSpPr>
+      <p:grpSpPr>
+        <a:xfrm>
+          <a:off x="0" y="0"/>
+          <a:ext cx="0" cy="0"/>
+          <a:chOff x="0" y="0"/>
+          <a:chExt cx="0" cy="0"/>
+        </a:xfrm>
+      </p:grpSpPr>
       <p:pic>
         <p:nvPicPr>
           <p:cNvPr id="38" name=""/>
@@ -5618,7 +6808,7 @@
 </p:sld>
 </file>
 
-<file path=ppt/slides/slide11.xml><?xml version="1.0" encoding="utf-8"?>
+<file path=ppt/slides/slide12.xml><?xml version="1.0" encoding="utf-8"?>
 <p:sld xmlns:r="http://schemas.openxmlformats.org/officeDocument/2006/relationships" xmlns:c="http://schemas.openxmlformats.org/drawingml/2006/chart" xmlns:a="http://schemas.openxmlformats.org/drawingml/2006/main" xmlns:dgm="http://schemas.openxmlformats.org/drawingml/2006/diagram" xmlns:dsp="http://schemas.microsoft.com/office/drawing/2008/diagram" xmlns:p="http://schemas.openxmlformats.org/presentationml/2006/main">
   <p:cSld>
     <p:bg>
@@ -7021,7 +8211,7 @@
 </p:sld>
 </file>
 
-<file path=ppt/slides/slide12.xml><?xml version="1.0" encoding="utf-8"?>
+<file path=ppt/slides/slide13.xml><?xml version="1.0" encoding="utf-8"?>
 <p:sld xmlns:r="http://schemas.openxmlformats.org/officeDocument/2006/relationships" xmlns:c="http://schemas.openxmlformats.org/drawingml/2006/chart" xmlns:a="http://schemas.openxmlformats.org/drawingml/2006/main" xmlns:dgm="http://schemas.openxmlformats.org/drawingml/2006/diagram" xmlns:dsp="http://schemas.microsoft.com/office/drawing/2008/diagram" xmlns:p="http://schemas.openxmlformats.org/presentationml/2006/main">
   <p:cSld>
     <p:bg>
@@ -12177,7 +13367,7 @@
 </p:sld>
 </file>
 
-<file path=ppt/slides/slide13.xml><?xml version="1.0" encoding="utf-8"?>
+<file path=ppt/slides/slide14.xml><?xml version="1.0" encoding="utf-8"?>
 <p:sld xmlns:r="http://schemas.openxmlformats.org/officeDocument/2006/relationships" xmlns:c="http://schemas.openxmlformats.org/drawingml/2006/chart" xmlns:a="http://schemas.openxmlformats.org/drawingml/2006/main" xmlns:dgm="http://schemas.openxmlformats.org/drawingml/2006/diagram" xmlns:dsp="http://schemas.microsoft.com/office/drawing/2008/diagram" xmlns:p="http://schemas.openxmlformats.org/presentationml/2006/main">
   <p:cSld>
     <p:bg>
@@ -22731,7 +23921,7 @@
 </p:sld>
 </file>
 
-<file path=ppt/slides/slide14.xml><?xml version="1.0" encoding="utf-8"?>
+<file path=ppt/slides/slide15.xml><?xml version="1.0" encoding="utf-8"?>
 <p:sld xmlns:r="http://schemas.openxmlformats.org/officeDocument/2006/relationships" xmlns:c="http://schemas.openxmlformats.org/drawingml/2006/chart" xmlns:a="http://schemas.openxmlformats.org/drawingml/2006/main" xmlns:dgm="http://schemas.openxmlformats.org/drawingml/2006/diagram" xmlns:dsp="http://schemas.microsoft.com/office/drawing/2008/diagram" xmlns:p="http://schemas.openxmlformats.org/presentationml/2006/main">
   <p:cSld>
     <p:bg>
@@ -23921,1864 +25111,6 @@
       </p:par>
     </p:tnLst>
   </p:timing>
-</p:sld>
-</file>
-
-<file path=ppt/slides/slide15.xml><?xml version="1.0" encoding="utf-8"?>
-<p:sld xmlns:r="http://schemas.openxmlformats.org/officeDocument/2006/relationships" xmlns:c="http://schemas.openxmlformats.org/drawingml/2006/chart" xmlns:a="http://schemas.openxmlformats.org/drawingml/2006/main" xmlns:dgm="http://schemas.openxmlformats.org/drawingml/2006/diagram" xmlns:dsp="http://schemas.microsoft.com/office/drawing/2008/diagram" xmlns:p="http://schemas.openxmlformats.org/presentationml/2006/main">
-  <p:cSld>
-    <p:bg>
-      <p:bgPr shadeToTitle="0">
-        <a:solidFill>
-          <a:srgbClr val="132742"/>
-        </a:solidFill>
-      </p:bgPr>
-    </p:bg>
-    <p:spTree>
-      <p:nvGrpSpPr>
-        <p:cNvPr id="1" name=""/>
-        <p:cNvGrpSpPr/>
-        <p:nvPr/>
-      </p:nvGrpSpPr>
-      <p:grpSpPr>
-        <a:xfrm>
-          <a:off x="0" y="0"/>
-          <a:ext cx="0" cy="0"/>
-          <a:chOff x="0" y="0"/>
-          <a:chExt cx="0" cy="0"/>
-        </a:xfrm>
-      </p:grpSpPr>
-      <p:grpSp>
-        <p:nvGrpSpPr>
-          <p:cNvPr id="12" name="그룹 11"/>
-          <p:cNvGrpSpPr/>
-          <p:nvPr/>
-        </p:nvGrpSpPr>
-        <p:grpSpPr>
-          <a:xfrm rot="0">
-            <a:off x="464457" y="391886"/>
-            <a:ext cx="11350172" cy="6466115"/>
-            <a:chOff x="464457" y="391886"/>
-            <a:chExt cx="11350172" cy="6466115"/>
-          </a:xfrm>
-        </p:grpSpPr>
-        <p:sp>
-          <p:nvSpPr>
-            <p:cNvPr id="5" name="양쪽 모서리가 둥근 사각형 4"/>
-            <p:cNvSpPr/>
-            <p:nvPr/>
-          </p:nvSpPr>
-          <p:spPr>
-            <a:xfrm>
-              <a:off x="464457" y="391886"/>
-              <a:ext cx="11350172" cy="6466114"/>
-            </a:xfrm>
-            <a:prstGeom prst="round2SameRect">
-              <a:avLst>
-                <a:gd name="adj1" fmla="val 5121"/>
-                <a:gd name="adj2" fmla="val 0"/>
-              </a:avLst>
-            </a:prstGeom>
-            <a:solidFill>
-              <a:srgbClr val="132742"/>
-            </a:solidFill>
-            <a:ln w="22225">
-              <a:solidFill>
-                <a:srgbClr val="fcd3d3"/>
-              </a:solidFill>
-            </a:ln>
-          </p:spPr>
-          <p:style>
-            <a:lnRef idx="2">
-              <a:schemeClr val="accent1">
-                <a:shade val="50000"/>
-              </a:schemeClr>
-            </a:lnRef>
-            <a:fillRef idx="1">
-              <a:schemeClr val="accent1"/>
-            </a:fillRef>
-            <a:effectRef idx="0">
-              <a:schemeClr val="accent1"/>
-            </a:effectRef>
-            <a:fontRef idx="minor">
-              <a:schemeClr val="lt1"/>
-            </a:fontRef>
-          </p:style>
-          <p:txBody>
-            <a:bodyPr anchor="t"/>
-            <a:lstStyle/>
-            <a:p>
-              <a:pPr lvl="2" latinLnBrk="0">
-                <a:lnSpc>
-                  <a:spcPct val="150000"/>
-                </a:lnSpc>
-                <a:defRPr/>
-              </a:pPr>
-              <a:r>
-                <a:rPr lang="en-US" altLang="ko-KR" sz="2400" b="1" i="1" kern="0">
-                  <a:solidFill>
-                    <a:srgbClr val="ffb5b6"/>
-                  </a:solidFill>
-                </a:rPr>
-                <a:t>PPT</a:t>
-              </a:r>
-              <a:r>
-                <a:rPr lang="en-US" altLang="ko-KR" sz="2400" b="1" i="1" kern="0">
-                  <a:solidFill>
-                    <a:prstClr val="white"/>
-                  </a:solidFill>
-                </a:rPr>
-                <a:t> PRESENTATION</a:t>
-              </a:r>
-              <a:endParaRPr lang="en-US" altLang="ko-KR" sz="2400" b="1" i="1" kern="0">
-                <a:solidFill>
-                  <a:prstClr val="white"/>
-                </a:solidFill>
-              </a:endParaRPr>
-            </a:p>
-          </p:txBody>
-        </p:sp>
-        <p:sp>
-          <p:nvSpPr>
-            <p:cNvPr id="6" name="양쪽 모서리가 둥근 사각형 5"/>
-            <p:cNvSpPr/>
-            <p:nvPr/>
-          </p:nvSpPr>
-          <p:spPr>
-            <a:xfrm>
-              <a:off x="464457" y="1320801"/>
-              <a:ext cx="11350172" cy="5537200"/>
-            </a:xfrm>
-            <a:prstGeom prst="round2SameRect">
-              <a:avLst>
-                <a:gd name="adj1" fmla="val 6572"/>
-                <a:gd name="adj2" fmla="val 0"/>
-              </a:avLst>
-            </a:prstGeom>
-            <a:solidFill>
-              <a:schemeClr val="bg1"/>
-            </a:solidFill>
-            <a:ln w="22225">
-              <a:solidFill>
-                <a:schemeClr val="bg1"/>
-              </a:solidFill>
-            </a:ln>
-          </p:spPr>
-          <p:style>
-            <a:lnRef idx="2">
-              <a:schemeClr val="accent1">
-                <a:shade val="50000"/>
-              </a:schemeClr>
-            </a:lnRef>
-            <a:fillRef idx="1">
-              <a:schemeClr val="accent1"/>
-            </a:fillRef>
-            <a:effectRef idx="0">
-              <a:schemeClr val="accent1"/>
-            </a:effectRef>
-            <a:fontRef idx="minor">
-              <a:schemeClr val="lt1"/>
-            </a:fontRef>
-          </p:style>
-          <p:txBody>
-            <a:bodyPr anchor="ctr"/>
-            <a:lstStyle/>
-            <a:p>
-              <a:pPr algn="ctr">
-                <a:defRPr/>
-              </a:pPr>
-              <a:endParaRPr lang="ko-KR" altLang="en-US">
-                <a:solidFill>
-                  <a:prstClr val="white"/>
-                </a:solidFill>
-              </a:endParaRPr>
-            </a:p>
-          </p:txBody>
-        </p:sp>
-        <p:sp>
-          <p:nvSpPr>
-            <p:cNvPr id="7" name="자유형 6"/>
-            <p:cNvSpPr/>
-            <p:nvPr/>
-          </p:nvSpPr>
-          <p:spPr>
-            <a:xfrm>
-              <a:off x="909660" y="749801"/>
-              <a:ext cx="112689" cy="197593"/>
-            </a:xfrm>
-            <a:custGeom>
-              <a:avLst/>
-              <a:gdLst>
-                <a:gd name="connsiteX0" fmla="*/ 80683 w 89647"/>
-                <a:gd name="connsiteY0" fmla="*/ 0 h 161365"/>
-                <a:gd name="connsiteX1" fmla="*/ 0 w 89647"/>
-                <a:gd name="connsiteY1" fmla="*/ 89647 h 161365"/>
-                <a:gd name="connsiteX2" fmla="*/ 89647 w 89647"/>
-                <a:gd name="connsiteY2" fmla="*/ 161365 h 161365"/>
-                <a:gd name="connsiteX0" fmla="*/ 80683 w 89647"/>
-                <a:gd name="connsiteY0" fmla="*/ 0 h 161365"/>
-                <a:gd name="connsiteX1" fmla="*/ 0 w 89647"/>
-                <a:gd name="connsiteY1" fmla="*/ 80122 h 161365"/>
-                <a:gd name="connsiteX2" fmla="*/ 89647 w 89647"/>
-                <a:gd name="connsiteY2" fmla="*/ 161365 h 161365"/>
-                <a:gd name="connsiteX0" fmla="*/ 80683 w 89647"/>
-                <a:gd name="connsiteY0" fmla="*/ 0 h 161365"/>
-                <a:gd name="connsiteX1" fmla="*/ 0 w 89647"/>
-                <a:gd name="connsiteY1" fmla="*/ 89647 h 161365"/>
-                <a:gd name="connsiteX2" fmla="*/ 89647 w 89647"/>
-                <a:gd name="connsiteY2" fmla="*/ 161365 h 161365"/>
-                <a:gd name="connsiteX0" fmla="*/ 83064 w 92028"/>
-                <a:gd name="connsiteY0" fmla="*/ 0 h 161365"/>
-                <a:gd name="connsiteX1" fmla="*/ 0 w 92028"/>
-                <a:gd name="connsiteY1" fmla="*/ 87266 h 161365"/>
-                <a:gd name="connsiteX2" fmla="*/ 92028 w 92028"/>
-                <a:gd name="connsiteY2" fmla="*/ 161365 h 161365"/>
-              </a:gdLst>
-              <a:cxnLst>
-                <a:cxn ang="0">
-                  <a:pos x="connsiteX0" y="connsiteY0"/>
-                </a:cxn>
-                <a:cxn ang="0">
-                  <a:pos x="connsiteX1" y="connsiteY1"/>
-                </a:cxn>
-                <a:cxn ang="0">
-                  <a:pos x="connsiteX2" y="connsiteY2"/>
-                </a:cxn>
-              </a:cxnLst>
-              <a:rect l="l" t="t" r="r" b="b"/>
-              <a:pathLst>
-                <a:path w="92028" h="161365">
-                  <a:moveTo>
-                    <a:pt x="83064" y="0"/>
-                  </a:moveTo>
-                  <a:lnTo>
-                    <a:pt x="0" y="87266"/>
-                  </a:lnTo>
-                  <a:lnTo>
-                    <a:pt x="92028" y="161365"/>
-                  </a:lnTo>
-                </a:path>
-              </a:pathLst>
-            </a:custGeom>
-            <a:noFill/>
-            <a:ln w="31750" cap="rnd">
-              <a:solidFill>
-                <a:srgbClr val="ffb5b6"/>
-              </a:solidFill>
-            </a:ln>
-          </p:spPr>
-          <p:style>
-            <a:lnRef idx="2">
-              <a:schemeClr val="accent1">
-                <a:shade val="50000"/>
-              </a:schemeClr>
-            </a:lnRef>
-            <a:fillRef idx="1">
-              <a:schemeClr val="accent1"/>
-            </a:fillRef>
-            <a:effectRef idx="0">
-              <a:schemeClr val="accent1"/>
-            </a:effectRef>
-            <a:fontRef idx="minor">
-              <a:schemeClr val="lt1"/>
-            </a:fontRef>
-          </p:style>
-          <p:txBody>
-            <a:bodyPr anchor="ctr"/>
-            <a:lstStyle/>
-            <a:p>
-              <a:pPr algn="ctr">
-                <a:defRPr/>
-              </a:pPr>
-              <a:endParaRPr lang="ko-KR" altLang="en-US">
-                <a:solidFill>
-                  <a:prstClr val="white"/>
-                </a:solidFill>
-              </a:endParaRPr>
-            </a:p>
-          </p:txBody>
-        </p:sp>
-        <p:sp>
-          <p:nvSpPr>
-            <p:cNvPr id="8" name="타원 7"/>
-            <p:cNvSpPr/>
-            <p:nvPr/>
-          </p:nvSpPr>
-          <p:spPr>
-            <a:xfrm>
-              <a:off x="11112062" y="742754"/>
-              <a:ext cx="72000" cy="72000"/>
-            </a:xfrm>
-            <a:prstGeom prst="ellipse">
-              <a:avLst/>
-            </a:prstGeom>
-            <a:solidFill>
-              <a:srgbClr val="ffb5b6"/>
-            </a:solidFill>
-            <a:ln>
-              <a:noFill/>
-            </a:ln>
-          </p:spPr>
-          <p:style>
-            <a:lnRef idx="2">
-              <a:schemeClr val="accent1">
-                <a:shade val="50000"/>
-              </a:schemeClr>
-            </a:lnRef>
-            <a:fillRef idx="1">
-              <a:schemeClr val="accent1"/>
-            </a:fillRef>
-            <a:effectRef idx="0">
-              <a:schemeClr val="accent1"/>
-            </a:effectRef>
-            <a:fontRef idx="minor">
-              <a:schemeClr val="lt1"/>
-            </a:fontRef>
-          </p:style>
-          <p:txBody>
-            <a:bodyPr anchor="ctr"/>
-            <a:lstStyle/>
-            <a:p>
-              <a:pPr algn="ctr">
-                <a:defRPr/>
-              </a:pPr>
-              <a:endParaRPr lang="ko-KR" altLang="en-US">
-                <a:solidFill>
-                  <a:prstClr val="white"/>
-                </a:solidFill>
-              </a:endParaRPr>
-            </a:p>
-          </p:txBody>
-        </p:sp>
-        <p:sp>
-          <p:nvSpPr>
-            <p:cNvPr id="9" name="타원 8"/>
-            <p:cNvSpPr/>
-            <p:nvPr/>
-          </p:nvSpPr>
-          <p:spPr>
-            <a:xfrm>
-              <a:off x="11252555" y="742754"/>
-              <a:ext cx="72000" cy="72000"/>
-            </a:xfrm>
-            <a:prstGeom prst="ellipse">
-              <a:avLst/>
-            </a:prstGeom>
-            <a:solidFill>
-              <a:srgbClr val="ffb5b6"/>
-            </a:solidFill>
-            <a:ln>
-              <a:noFill/>
-            </a:ln>
-          </p:spPr>
-          <p:style>
-            <a:lnRef idx="2">
-              <a:schemeClr val="accent1">
-                <a:shade val="50000"/>
-              </a:schemeClr>
-            </a:lnRef>
-            <a:fillRef idx="1">
-              <a:schemeClr val="accent1"/>
-            </a:fillRef>
-            <a:effectRef idx="0">
-              <a:schemeClr val="accent1"/>
-            </a:effectRef>
-            <a:fontRef idx="minor">
-              <a:schemeClr val="lt1"/>
-            </a:fontRef>
-          </p:style>
-          <p:txBody>
-            <a:bodyPr anchor="ctr"/>
-            <a:lstStyle/>
-            <a:p>
-              <a:pPr algn="ctr">
-                <a:defRPr/>
-              </a:pPr>
-              <a:endParaRPr lang="ko-KR" altLang="en-US">
-                <a:solidFill>
-                  <a:prstClr val="white"/>
-                </a:solidFill>
-              </a:endParaRPr>
-            </a:p>
-          </p:txBody>
-        </p:sp>
-        <p:sp>
-          <p:nvSpPr>
-            <p:cNvPr id="10" name="타원 9"/>
-            <p:cNvSpPr/>
-            <p:nvPr/>
-          </p:nvSpPr>
-          <p:spPr>
-            <a:xfrm>
-              <a:off x="11112062" y="873684"/>
-              <a:ext cx="72000" cy="72000"/>
-            </a:xfrm>
-            <a:prstGeom prst="ellipse">
-              <a:avLst/>
-            </a:prstGeom>
-            <a:solidFill>
-              <a:srgbClr val="ffb5b6"/>
-            </a:solidFill>
-            <a:ln>
-              <a:noFill/>
-            </a:ln>
-          </p:spPr>
-          <p:style>
-            <a:lnRef idx="2">
-              <a:schemeClr val="accent1">
-                <a:shade val="50000"/>
-              </a:schemeClr>
-            </a:lnRef>
-            <a:fillRef idx="1">
-              <a:schemeClr val="accent1"/>
-            </a:fillRef>
-            <a:effectRef idx="0">
-              <a:schemeClr val="accent1"/>
-            </a:effectRef>
-            <a:fontRef idx="minor">
-              <a:schemeClr val="lt1"/>
-            </a:fontRef>
-          </p:style>
-          <p:txBody>
-            <a:bodyPr anchor="ctr"/>
-            <a:lstStyle/>
-            <a:p>
-              <a:pPr algn="ctr">
-                <a:defRPr/>
-              </a:pPr>
-              <a:endParaRPr lang="ko-KR" altLang="en-US">
-                <a:solidFill>
-                  <a:prstClr val="white"/>
-                </a:solidFill>
-              </a:endParaRPr>
-            </a:p>
-          </p:txBody>
-        </p:sp>
-        <p:sp>
-          <p:nvSpPr>
-            <p:cNvPr id="11" name="타원 10"/>
-            <p:cNvSpPr/>
-            <p:nvPr/>
-          </p:nvSpPr>
-          <p:spPr>
-            <a:xfrm>
-              <a:off x="11252555" y="873684"/>
-              <a:ext cx="72000" cy="72000"/>
-            </a:xfrm>
-            <a:prstGeom prst="ellipse">
-              <a:avLst/>
-            </a:prstGeom>
-            <a:solidFill>
-              <a:srgbClr val="ffb5b6"/>
-            </a:solidFill>
-            <a:ln>
-              <a:noFill/>
-            </a:ln>
-          </p:spPr>
-          <p:style>
-            <a:lnRef idx="2">
-              <a:schemeClr val="accent1">
-                <a:shade val="50000"/>
-              </a:schemeClr>
-            </a:lnRef>
-            <a:fillRef idx="1">
-              <a:schemeClr val="accent1"/>
-            </a:fillRef>
-            <a:effectRef idx="0">
-              <a:schemeClr val="accent1"/>
-            </a:effectRef>
-            <a:fontRef idx="minor">
-              <a:schemeClr val="lt1"/>
-            </a:fontRef>
-          </p:style>
-          <p:txBody>
-            <a:bodyPr anchor="ctr"/>
-            <a:lstStyle/>
-            <a:p>
-              <a:pPr algn="ctr">
-                <a:defRPr/>
-              </a:pPr>
-              <a:endParaRPr lang="ko-KR" altLang="en-US">
-                <a:solidFill>
-                  <a:prstClr val="white"/>
-                </a:solidFill>
-              </a:endParaRPr>
-            </a:p>
-          </p:txBody>
-        </p:sp>
-      </p:grpSp>
-      <p:graphicFrame>
-        <p:nvGraphicFramePr>
-          <p:cNvPr id="21" name="차트 20"/>
-          <p:cNvGraphicFramePr/>
-          <p:nvPr/>
-        </p:nvGraphicFramePr>
-        <p:xfrm>
-          <a:off x="966004" y="2760008"/>
-          <a:ext cx="6243811" cy="2497792"/>
-        </p:xfrm>
-        <a:graphic>
-          <a:graphicData uri="http://schemas.openxmlformats.org/drawingml/2006/chart">
-            <c:chart r:id="rId2"/>
-          </a:graphicData>
-        </a:graphic>
-      </p:graphicFrame>
-      <p:sp>
-        <p:nvSpPr>
-          <p:cNvPr id="22" name="TextBox 21"/>
-          <p:cNvSpPr txBox="1"/>
-          <p:nvPr/>
-        </p:nvSpPr>
-        <p:spPr>
-          <a:xfrm>
-            <a:off x="1211087" y="5470739"/>
-            <a:ext cx="1138614" cy="718606"/>
-          </a:xfrm>
-          <a:prstGeom prst="rect">
-            <a:avLst/>
-          </a:prstGeom>
-          <a:noFill/>
-        </p:spPr>
-        <p:txBody>
-          <a:bodyPr wrap="square">
-            <a:spAutoFit/>
-          </a:bodyPr>
-          <a:lstStyle/>
-          <a:p>
-            <a:pPr algn="ctr">
-              <a:lnSpc>
-                <a:spcPct val="150000"/>
-              </a:lnSpc>
-              <a:defRPr/>
-            </a:pPr>
-            <a:r>
-              <a:rPr lang="en-US" altLang="ko-KR" sz="900">
-                <a:solidFill>
-                  <a:prstClr val="black">
-                    <a:lumMod val="65000"/>
-                    <a:lumOff val="35000"/>
-                  </a:prstClr>
-                </a:solidFill>
-              </a:rPr>
-              <a:t>CONTENTS A</a:t>
-            </a:r>
-            <a:endParaRPr lang="en-US" altLang="ko-KR" sz="900">
-              <a:solidFill>
-                <a:prstClr val="black">
-                  <a:lumMod val="65000"/>
-                  <a:lumOff val="35000"/>
-                </a:prstClr>
-              </a:solidFill>
-            </a:endParaRPr>
-          </a:p>
-          <a:p>
-            <a:pPr algn="ctr">
-              <a:defRPr/>
-            </a:pPr>
-            <a:r>
-              <a:rPr lang="en-US" altLang="ko-KR" sz="2800" b="1">
-                <a:solidFill>
-                  <a:prstClr val="black">
-                    <a:lumMod val="65000"/>
-                    <a:lumOff val="35000"/>
-                  </a:prstClr>
-                </a:solidFill>
-              </a:rPr>
-              <a:t>40</a:t>
-            </a:r>
-            <a:r>
-              <a:rPr lang="en-US" altLang="ko-KR" sz="1600" b="1">
-                <a:solidFill>
-                  <a:prstClr val="black">
-                    <a:lumMod val="65000"/>
-                    <a:lumOff val="35000"/>
-                  </a:prstClr>
-                </a:solidFill>
-              </a:rPr>
-              <a:t>%</a:t>
-            </a:r>
-            <a:endParaRPr lang="en-US" altLang="ko-KR" sz="1600" b="1">
-              <a:solidFill>
-                <a:prstClr val="black">
-                  <a:lumMod val="65000"/>
-                  <a:lumOff val="35000"/>
-                </a:prstClr>
-              </a:solidFill>
-            </a:endParaRPr>
-          </a:p>
-        </p:txBody>
-      </p:sp>
-      <p:sp>
-        <p:nvSpPr>
-          <p:cNvPr id="23" name="직사각형 22"/>
-          <p:cNvSpPr/>
-          <p:nvPr/>
-        </p:nvSpPr>
-        <p:spPr>
-          <a:xfrm>
-            <a:off x="1221635" y="2011818"/>
-            <a:ext cx="1117705" cy="415152"/>
-          </a:xfrm>
-          <a:prstGeom prst="rect">
-            <a:avLst/>
-          </a:prstGeom>
-        </p:spPr>
-        <p:txBody>
-          <a:bodyPr wrap="none">
-            <a:spAutoFit/>
-          </a:bodyPr>
-          <a:lstStyle/>
-          <a:p>
-            <a:pPr algn="ctr">
-              <a:lnSpc>
-                <a:spcPct val="150000"/>
-              </a:lnSpc>
-              <a:defRPr/>
-            </a:pPr>
-            <a:r>
-              <a:rPr lang="en-US" altLang="ko-KR" sz="1400" b="1">
-                <a:solidFill>
-                  <a:prstClr val="black">
-                    <a:lumMod val="65000"/>
-                    <a:lumOff val="35000"/>
-                  </a:prstClr>
-                </a:solidFill>
-              </a:rPr>
-              <a:t>CONTENTS</a:t>
-            </a:r>
-            <a:endParaRPr lang="en-US" altLang="ko-KR" sz="1400" b="1">
-              <a:solidFill>
-                <a:prstClr val="black">
-                  <a:lumMod val="65000"/>
-                  <a:lumOff val="35000"/>
-                </a:prstClr>
-              </a:solidFill>
-            </a:endParaRPr>
-          </a:p>
-        </p:txBody>
-      </p:sp>
-      <p:sp>
-        <p:nvSpPr>
-          <p:cNvPr id="24" name="TextBox 23"/>
-          <p:cNvSpPr txBox="1"/>
-          <p:nvPr/>
-        </p:nvSpPr>
-        <p:spPr>
-          <a:xfrm>
-            <a:off x="3527719" y="5470739"/>
-            <a:ext cx="1138614" cy="718606"/>
-          </a:xfrm>
-          <a:prstGeom prst="rect">
-            <a:avLst/>
-          </a:prstGeom>
-          <a:noFill/>
-        </p:spPr>
-        <p:txBody>
-          <a:bodyPr wrap="square">
-            <a:spAutoFit/>
-          </a:bodyPr>
-          <a:lstStyle/>
-          <a:p>
-            <a:pPr algn="ctr">
-              <a:lnSpc>
-                <a:spcPct val="150000"/>
-              </a:lnSpc>
-              <a:defRPr/>
-            </a:pPr>
-            <a:r>
-              <a:rPr lang="en-US" altLang="ko-KR" sz="900">
-                <a:solidFill>
-                  <a:prstClr val="black">
-                    <a:lumMod val="65000"/>
-                    <a:lumOff val="35000"/>
-                  </a:prstClr>
-                </a:solidFill>
-              </a:rPr>
-              <a:t>CONTENTS A</a:t>
-            </a:r>
-            <a:endParaRPr lang="en-US" altLang="ko-KR" sz="900">
-              <a:solidFill>
-                <a:prstClr val="black">
-                  <a:lumMod val="65000"/>
-                  <a:lumOff val="35000"/>
-                </a:prstClr>
-              </a:solidFill>
-            </a:endParaRPr>
-          </a:p>
-          <a:p>
-            <a:pPr algn="ctr">
-              <a:defRPr/>
-            </a:pPr>
-            <a:r>
-              <a:rPr lang="en-US" altLang="ko-KR" sz="2800" b="1">
-                <a:solidFill>
-                  <a:prstClr val="black">
-                    <a:lumMod val="65000"/>
-                    <a:lumOff val="35000"/>
-                  </a:prstClr>
-                </a:solidFill>
-              </a:rPr>
-              <a:t>40</a:t>
-            </a:r>
-            <a:r>
-              <a:rPr lang="en-US" altLang="ko-KR" sz="1600" b="1">
-                <a:solidFill>
-                  <a:prstClr val="black">
-                    <a:lumMod val="65000"/>
-                    <a:lumOff val="35000"/>
-                  </a:prstClr>
-                </a:solidFill>
-              </a:rPr>
-              <a:t>%</a:t>
-            </a:r>
-            <a:endParaRPr lang="en-US" altLang="ko-KR" sz="1600" b="1">
-              <a:solidFill>
-                <a:prstClr val="black">
-                  <a:lumMod val="65000"/>
-                  <a:lumOff val="35000"/>
-                </a:prstClr>
-              </a:solidFill>
-            </a:endParaRPr>
-          </a:p>
-        </p:txBody>
-      </p:sp>
-      <p:sp>
-        <p:nvSpPr>
-          <p:cNvPr id="25" name="TextBox 24"/>
-          <p:cNvSpPr txBox="1"/>
-          <p:nvPr/>
-        </p:nvSpPr>
-        <p:spPr>
-          <a:xfrm>
-            <a:off x="5425251" y="5470739"/>
-            <a:ext cx="1138614" cy="718606"/>
-          </a:xfrm>
-          <a:prstGeom prst="rect">
-            <a:avLst/>
-          </a:prstGeom>
-          <a:noFill/>
-        </p:spPr>
-        <p:txBody>
-          <a:bodyPr wrap="square">
-            <a:spAutoFit/>
-          </a:bodyPr>
-          <a:lstStyle/>
-          <a:p>
-            <a:pPr algn="ctr">
-              <a:lnSpc>
-                <a:spcPct val="150000"/>
-              </a:lnSpc>
-              <a:defRPr/>
-            </a:pPr>
-            <a:r>
-              <a:rPr lang="en-US" altLang="ko-KR" sz="900">
-                <a:solidFill>
-                  <a:prstClr val="black">
-                    <a:lumMod val="65000"/>
-                    <a:lumOff val="35000"/>
-                  </a:prstClr>
-                </a:solidFill>
-              </a:rPr>
-              <a:t>CONTENTS A</a:t>
-            </a:r>
-            <a:endParaRPr lang="en-US" altLang="ko-KR" sz="900">
-              <a:solidFill>
-                <a:prstClr val="black">
-                  <a:lumMod val="65000"/>
-                  <a:lumOff val="35000"/>
-                </a:prstClr>
-              </a:solidFill>
-            </a:endParaRPr>
-          </a:p>
-          <a:p>
-            <a:pPr algn="ctr">
-              <a:defRPr/>
-            </a:pPr>
-            <a:r>
-              <a:rPr lang="en-US" altLang="ko-KR" sz="2800" b="1">
-                <a:solidFill>
-                  <a:prstClr val="black">
-                    <a:lumMod val="65000"/>
-                    <a:lumOff val="35000"/>
-                  </a:prstClr>
-                </a:solidFill>
-              </a:rPr>
-              <a:t>40</a:t>
-            </a:r>
-            <a:r>
-              <a:rPr lang="en-US" altLang="ko-KR" sz="1600" b="1">
-                <a:solidFill>
-                  <a:prstClr val="black">
-                    <a:lumMod val="65000"/>
-                    <a:lumOff val="35000"/>
-                  </a:prstClr>
-                </a:solidFill>
-              </a:rPr>
-              <a:t>%</a:t>
-            </a:r>
-            <a:endParaRPr lang="en-US" altLang="ko-KR" sz="1600" b="1">
-              <a:solidFill>
-                <a:prstClr val="black">
-                  <a:lumMod val="65000"/>
-                  <a:lumOff val="35000"/>
-                </a:prstClr>
-              </a:solidFill>
-            </a:endParaRPr>
-          </a:p>
-        </p:txBody>
-      </p:sp>
-      <p:sp>
-        <p:nvSpPr>
-          <p:cNvPr id="26" name="모서리가 둥근 직사각형 25"/>
-          <p:cNvSpPr/>
-          <p:nvPr/>
-        </p:nvSpPr>
-        <p:spPr>
-          <a:xfrm>
-            <a:off x="3900347" y="2570342"/>
-            <a:ext cx="351725" cy="3631366"/>
-          </a:xfrm>
-          <a:prstGeom prst="roundRect">
-            <a:avLst>
-              <a:gd name="adj" fmla="val 50000"/>
-            </a:avLst>
-          </a:prstGeom>
-          <a:gradFill>
-            <a:gsLst>
-              <a:gs pos="0">
-                <a:srgbClr val="ffb5b6"/>
-              </a:gs>
-              <a:gs pos="100000">
-                <a:srgbClr val="ffb5b6">
-                  <a:alpha val="0"/>
-                </a:srgbClr>
-              </a:gs>
-            </a:gsLst>
-            <a:lin ang="5400000" scaled="1"/>
-          </a:gradFill>
-          <a:ln w="9525">
-            <a:noFill/>
-            <a:prstDash val="solid"/>
-          </a:ln>
-        </p:spPr>
-        <p:style>
-          <a:lnRef idx="2">
-            <a:schemeClr val="accent1">
-              <a:shade val="50000"/>
-            </a:schemeClr>
-          </a:lnRef>
-          <a:fillRef idx="1">
-            <a:schemeClr val="accent1"/>
-          </a:fillRef>
-          <a:effectRef idx="0">
-            <a:schemeClr val="accent1"/>
-          </a:effectRef>
-          <a:fontRef idx="minor">
-            <a:schemeClr val="lt1"/>
-          </a:fontRef>
-        </p:style>
-        <p:txBody>
-          <a:bodyPr anchor="ctr"/>
-          <a:lstStyle/>
-          <a:p>
-            <a:pPr>
-              <a:lnSpc>
-                <a:spcPct val="150000"/>
-              </a:lnSpc>
-              <a:defRPr/>
-            </a:pPr>
-            <a:endParaRPr lang="ko-KR" altLang="en-US" sz="800">
-              <a:solidFill>
-                <a:prstClr val="white">
-                  <a:lumMod val="75000"/>
-                </a:prstClr>
-              </a:solidFill>
-            </a:endParaRPr>
-          </a:p>
-        </p:txBody>
-      </p:sp>
-      <p:sp>
-        <p:nvSpPr>
-          <p:cNvPr id="28" name="모서리가 둥근 직사각형 27"/>
-          <p:cNvSpPr/>
-          <p:nvPr/>
-        </p:nvSpPr>
-        <p:spPr>
-          <a:xfrm>
-            <a:off x="1331833" y="2395228"/>
-            <a:ext cx="648000" cy="36000"/>
-          </a:xfrm>
-          <a:prstGeom prst="roundRect">
-            <a:avLst>
-              <a:gd name="adj" fmla="val 50000"/>
-            </a:avLst>
-          </a:prstGeom>
-          <a:solidFill>
-            <a:srgbClr val="ffb5b6"/>
-          </a:solidFill>
-          <a:ln w="22225">
-            <a:noFill/>
-          </a:ln>
-        </p:spPr>
-        <p:style>
-          <a:lnRef idx="2">
-            <a:schemeClr val="accent1">
-              <a:shade val="50000"/>
-            </a:schemeClr>
-          </a:lnRef>
-          <a:fillRef idx="1">
-            <a:schemeClr val="accent1"/>
-          </a:fillRef>
-          <a:effectRef idx="0">
-            <a:schemeClr val="accent1"/>
-          </a:effectRef>
-          <a:fontRef idx="minor">
-            <a:schemeClr val="lt1"/>
-          </a:fontRef>
-        </p:style>
-        <p:txBody>
-          <a:bodyPr anchor="ctr"/>
-          <a:lstStyle/>
-          <a:p>
-            <a:pPr algn="ctr">
-              <a:defRPr/>
-            </a:pPr>
-            <a:endParaRPr lang="en-US" altLang="ko-KR" sz="1200" b="1">
-              <a:solidFill>
-                <a:prstClr val="white"/>
-              </a:solidFill>
-            </a:endParaRPr>
-          </a:p>
-        </p:txBody>
-      </p:sp>
-      <p:sp>
-        <p:nvSpPr>
-          <p:cNvPr id="29" name="직사각형 28"/>
-          <p:cNvSpPr/>
-          <p:nvPr/>
-        </p:nvSpPr>
-        <p:spPr>
-          <a:xfrm>
-            <a:off x="7765310" y="2011818"/>
-            <a:ext cx="1117705" cy="415152"/>
-          </a:xfrm>
-          <a:prstGeom prst="rect">
-            <a:avLst/>
-          </a:prstGeom>
-        </p:spPr>
-        <p:txBody>
-          <a:bodyPr wrap="none">
-            <a:spAutoFit/>
-          </a:bodyPr>
-          <a:lstStyle/>
-          <a:p>
-            <a:pPr algn="ctr">
-              <a:lnSpc>
-                <a:spcPct val="150000"/>
-              </a:lnSpc>
-              <a:defRPr/>
-            </a:pPr>
-            <a:r>
-              <a:rPr lang="en-US" altLang="ko-KR" sz="1400" b="1">
-                <a:solidFill>
-                  <a:prstClr val="black">
-                    <a:lumMod val="65000"/>
-                    <a:lumOff val="35000"/>
-                  </a:prstClr>
-                </a:solidFill>
-              </a:rPr>
-              <a:t>CONTENTS</a:t>
-            </a:r>
-            <a:endParaRPr lang="en-US" altLang="ko-KR" sz="1400" b="1">
-              <a:solidFill>
-                <a:prstClr val="black">
-                  <a:lumMod val="65000"/>
-                  <a:lumOff val="35000"/>
-                </a:prstClr>
-              </a:solidFill>
-            </a:endParaRPr>
-          </a:p>
-        </p:txBody>
-      </p:sp>
-      <p:sp>
-        <p:nvSpPr>
-          <p:cNvPr id="30" name="모서리가 둥근 직사각형 29"/>
-          <p:cNvSpPr/>
-          <p:nvPr/>
-        </p:nvSpPr>
-        <p:spPr>
-          <a:xfrm>
-            <a:off x="7875508" y="2395228"/>
-            <a:ext cx="648000" cy="36000"/>
-          </a:xfrm>
-          <a:prstGeom prst="roundRect">
-            <a:avLst>
-              <a:gd name="adj" fmla="val 50000"/>
-            </a:avLst>
-          </a:prstGeom>
-          <a:solidFill>
-            <a:srgbClr val="ffb5b6"/>
-          </a:solidFill>
-          <a:ln w="22225">
-            <a:noFill/>
-          </a:ln>
-        </p:spPr>
-        <p:style>
-          <a:lnRef idx="2">
-            <a:schemeClr val="accent1">
-              <a:shade val="50000"/>
-            </a:schemeClr>
-          </a:lnRef>
-          <a:fillRef idx="1">
-            <a:schemeClr val="accent1"/>
-          </a:fillRef>
-          <a:effectRef idx="0">
-            <a:schemeClr val="accent1"/>
-          </a:effectRef>
-          <a:fontRef idx="minor">
-            <a:schemeClr val="lt1"/>
-          </a:fontRef>
-        </p:style>
-        <p:txBody>
-          <a:bodyPr anchor="ctr"/>
-          <a:lstStyle/>
-          <a:p>
-            <a:pPr algn="ctr">
-              <a:defRPr/>
-            </a:pPr>
-            <a:endParaRPr lang="en-US" altLang="ko-KR" sz="1200" b="1">
-              <a:solidFill>
-                <a:prstClr val="white"/>
-              </a:solidFill>
-            </a:endParaRPr>
-          </a:p>
-        </p:txBody>
-      </p:sp>
-      <p:sp>
-        <p:nvSpPr>
-          <p:cNvPr id="31" name="원호 30"/>
-          <p:cNvSpPr/>
-          <p:nvPr/>
-        </p:nvSpPr>
-        <p:spPr>
-          <a:xfrm>
-            <a:off x="8063895" y="2985421"/>
-            <a:ext cx="999674" cy="999674"/>
-          </a:xfrm>
-          <a:prstGeom prst="arc">
-            <a:avLst>
-              <a:gd name="adj1" fmla="val 15062241"/>
-              <a:gd name="adj2" fmla="val 10686441"/>
-            </a:avLst>
-          </a:prstGeom>
-          <a:noFill/>
-          <a:ln w="25400" cap="rnd">
-            <a:solidFill>
-              <a:srgbClr val="ffb5b6"/>
-            </a:solidFill>
-            <a:miter/>
-          </a:ln>
-          <a:effectLst/>
-        </p:spPr>
-        <p:style>
-          <a:lnRef idx="1">
-            <a:schemeClr val="accent1"/>
-          </a:lnRef>
-          <a:fillRef idx="0">
-            <a:schemeClr val="accent1"/>
-          </a:fillRef>
-          <a:effectRef idx="0">
-            <a:schemeClr val="accent1"/>
-          </a:effectRef>
-          <a:fontRef idx="minor">
-            <a:schemeClr val="tx1"/>
-          </a:fontRef>
-        </p:style>
-        <p:txBody>
-          <a:bodyPr anchor="ctr"/>
-          <a:lstStyle/>
-          <a:p>
-            <a:pPr algn="ctr">
-              <a:defRPr/>
-            </a:pPr>
-            <a:endParaRPr lang="ko-KR" altLang="en-US">
-              <a:solidFill>
-                <a:prstClr val="black">
-                  <a:lumMod val="65000"/>
-                  <a:lumOff val="35000"/>
-                </a:prstClr>
-              </a:solidFill>
-            </a:endParaRPr>
-          </a:p>
-        </p:txBody>
-      </p:sp>
-      <p:sp>
-        <p:nvSpPr>
-          <p:cNvPr id="32" name="원호 31"/>
-          <p:cNvSpPr/>
-          <p:nvPr/>
-        </p:nvSpPr>
-        <p:spPr>
-          <a:xfrm>
-            <a:off x="8091213" y="3012739"/>
-            <a:ext cx="945038" cy="945038"/>
-          </a:xfrm>
-          <a:prstGeom prst="arc">
-            <a:avLst>
-              <a:gd name="adj1" fmla="val 16200000"/>
-              <a:gd name="adj2" fmla="val 8777927"/>
-            </a:avLst>
-          </a:prstGeom>
-          <a:solidFill>
-            <a:srgbClr val="fbb9b9">
-              <a:alpha val="63000"/>
-            </a:srgbClr>
-          </a:solidFill>
-          <a:ln w="53975" cap="rnd">
-            <a:noFill/>
-            <a:miter/>
-          </a:ln>
-          <a:effectLst/>
-        </p:spPr>
-        <p:style>
-          <a:lnRef idx="1">
-            <a:schemeClr val="accent1"/>
-          </a:lnRef>
-          <a:fillRef idx="0">
-            <a:schemeClr val="accent1"/>
-          </a:fillRef>
-          <a:effectRef idx="0">
-            <a:schemeClr val="accent1"/>
-          </a:effectRef>
-          <a:fontRef idx="minor">
-            <a:schemeClr val="tx1"/>
-          </a:fontRef>
-        </p:style>
-        <p:txBody>
-          <a:bodyPr anchor="ctr"/>
-          <a:lstStyle/>
-          <a:p>
-            <a:pPr algn="ctr">
-              <a:defRPr/>
-            </a:pPr>
-            <a:endParaRPr lang="ko-KR" altLang="en-US">
-              <a:solidFill>
-                <a:prstClr val="black">
-                  <a:lumMod val="65000"/>
-                  <a:lumOff val="35000"/>
-                </a:prstClr>
-              </a:solidFill>
-            </a:endParaRPr>
-          </a:p>
-        </p:txBody>
-      </p:sp>
-      <p:sp>
-        <p:nvSpPr>
-          <p:cNvPr id="33" name="TextBox 32"/>
-          <p:cNvSpPr txBox="1"/>
-          <p:nvPr/>
-        </p:nvSpPr>
-        <p:spPr>
-          <a:xfrm>
-            <a:off x="7733583" y="2937275"/>
-            <a:ext cx="725856" cy="515526"/>
-          </a:xfrm>
-          <a:prstGeom prst="rect">
-            <a:avLst/>
-          </a:prstGeom>
-          <a:noFill/>
-        </p:spPr>
-        <p:txBody>
-          <a:bodyPr wrap="square" anchor="ctr">
-            <a:spAutoFit/>
-          </a:bodyPr>
-          <a:lstStyle/>
-          <a:p>
-            <a:pPr algn="ctr">
-              <a:defRPr/>
-            </a:pPr>
-            <a:r>
-              <a:rPr lang="en-US" altLang="ko-KR" sz="2000" b="1">
-                <a:solidFill>
-                  <a:prstClr val="black">
-                    <a:lumMod val="65000"/>
-                    <a:lumOff val="35000"/>
-                  </a:prstClr>
-                </a:solidFill>
-              </a:rPr>
-              <a:t>65</a:t>
-            </a:r>
-            <a:r>
-              <a:rPr lang="en-US" altLang="ko-KR" sz="1200" b="1">
-                <a:solidFill>
-                  <a:prstClr val="black">
-                    <a:lumMod val="65000"/>
-                    <a:lumOff val="35000"/>
-                  </a:prstClr>
-                </a:solidFill>
-              </a:rPr>
-              <a:t>%</a:t>
-            </a:r>
-            <a:endParaRPr lang="en-US" altLang="ko-KR" sz="1200" b="1">
-              <a:solidFill>
-                <a:prstClr val="black">
-                  <a:lumMod val="65000"/>
-                  <a:lumOff val="35000"/>
-                </a:prstClr>
-              </a:solidFill>
-            </a:endParaRPr>
-          </a:p>
-          <a:p>
-            <a:pPr algn="ctr">
-              <a:lnSpc>
-                <a:spcPct val="150000"/>
-              </a:lnSpc>
-              <a:defRPr/>
-            </a:pPr>
-            <a:r>
-              <a:rPr lang="en-US" altLang="ko-KR" sz="500">
-                <a:solidFill>
-                  <a:prstClr val="black">
-                    <a:lumMod val="65000"/>
-                    <a:lumOff val="35000"/>
-                  </a:prstClr>
-                </a:solidFill>
-              </a:rPr>
-              <a:t>CONTENTS A</a:t>
-            </a:r>
-            <a:endParaRPr lang="en-US" altLang="ko-KR" sz="500">
-              <a:solidFill>
-                <a:prstClr val="black">
-                  <a:lumMod val="65000"/>
-                  <a:lumOff val="35000"/>
-                </a:prstClr>
-              </a:solidFill>
-            </a:endParaRPr>
-          </a:p>
-        </p:txBody>
-      </p:sp>
-      <p:sp>
-        <p:nvSpPr>
-          <p:cNvPr id="34" name="원호 33"/>
-          <p:cNvSpPr/>
-          <p:nvPr/>
-        </p:nvSpPr>
-        <p:spPr>
-          <a:xfrm>
-            <a:off x="9861291" y="2985421"/>
-            <a:ext cx="999674" cy="999674"/>
-          </a:xfrm>
-          <a:prstGeom prst="arc">
-            <a:avLst>
-              <a:gd name="adj1" fmla="val 15062241"/>
-              <a:gd name="adj2" fmla="val 10686441"/>
-            </a:avLst>
-          </a:prstGeom>
-          <a:noFill/>
-          <a:ln w="25400" cap="rnd">
-            <a:solidFill>
-              <a:srgbClr val="ffb5b6"/>
-            </a:solidFill>
-            <a:miter/>
-          </a:ln>
-          <a:effectLst/>
-        </p:spPr>
-        <p:style>
-          <a:lnRef idx="1">
-            <a:schemeClr val="accent1"/>
-          </a:lnRef>
-          <a:fillRef idx="0">
-            <a:schemeClr val="accent1"/>
-          </a:fillRef>
-          <a:effectRef idx="0">
-            <a:schemeClr val="accent1"/>
-          </a:effectRef>
-          <a:fontRef idx="minor">
-            <a:schemeClr val="tx1"/>
-          </a:fontRef>
-        </p:style>
-        <p:txBody>
-          <a:bodyPr anchor="ctr"/>
-          <a:lstStyle/>
-          <a:p>
-            <a:pPr algn="ctr">
-              <a:defRPr/>
-            </a:pPr>
-            <a:endParaRPr lang="ko-KR" altLang="en-US">
-              <a:solidFill>
-                <a:prstClr val="black">
-                  <a:lumMod val="65000"/>
-                  <a:lumOff val="35000"/>
-                </a:prstClr>
-              </a:solidFill>
-            </a:endParaRPr>
-          </a:p>
-        </p:txBody>
-      </p:sp>
-      <p:sp>
-        <p:nvSpPr>
-          <p:cNvPr id="35" name="원호 34"/>
-          <p:cNvSpPr/>
-          <p:nvPr/>
-        </p:nvSpPr>
-        <p:spPr>
-          <a:xfrm>
-            <a:off x="9888609" y="3012739"/>
-            <a:ext cx="945038" cy="945038"/>
-          </a:xfrm>
-          <a:prstGeom prst="arc">
-            <a:avLst>
-              <a:gd name="adj1" fmla="val 16200000"/>
-              <a:gd name="adj2" fmla="val 8777927"/>
-            </a:avLst>
-          </a:prstGeom>
-          <a:solidFill>
-            <a:srgbClr val="fbb9b9">
-              <a:alpha val="63000"/>
-            </a:srgbClr>
-          </a:solidFill>
-          <a:ln w="53975" cap="rnd">
-            <a:noFill/>
-            <a:miter/>
-          </a:ln>
-          <a:effectLst/>
-        </p:spPr>
-        <p:style>
-          <a:lnRef idx="1">
-            <a:schemeClr val="accent1"/>
-          </a:lnRef>
-          <a:fillRef idx="0">
-            <a:schemeClr val="accent1"/>
-          </a:fillRef>
-          <a:effectRef idx="0">
-            <a:schemeClr val="accent1"/>
-          </a:effectRef>
-          <a:fontRef idx="minor">
-            <a:schemeClr val="tx1"/>
-          </a:fontRef>
-        </p:style>
-        <p:txBody>
-          <a:bodyPr anchor="ctr"/>
-          <a:lstStyle/>
-          <a:p>
-            <a:pPr algn="ctr">
-              <a:defRPr/>
-            </a:pPr>
-            <a:endParaRPr lang="ko-KR" altLang="en-US">
-              <a:solidFill>
-                <a:prstClr val="black">
-                  <a:lumMod val="65000"/>
-                  <a:lumOff val="35000"/>
-                </a:prstClr>
-              </a:solidFill>
-            </a:endParaRPr>
-          </a:p>
-        </p:txBody>
-      </p:sp>
-      <p:sp>
-        <p:nvSpPr>
-          <p:cNvPr id="36" name="TextBox 35"/>
-          <p:cNvSpPr txBox="1"/>
-          <p:nvPr/>
-        </p:nvSpPr>
-        <p:spPr>
-          <a:xfrm>
-            <a:off x="9530979" y="2937275"/>
-            <a:ext cx="725856" cy="515526"/>
-          </a:xfrm>
-          <a:prstGeom prst="rect">
-            <a:avLst/>
-          </a:prstGeom>
-          <a:noFill/>
-        </p:spPr>
-        <p:txBody>
-          <a:bodyPr wrap="square" anchor="ctr">
-            <a:spAutoFit/>
-          </a:bodyPr>
-          <a:lstStyle/>
-          <a:p>
-            <a:pPr algn="ctr">
-              <a:defRPr/>
-            </a:pPr>
-            <a:r>
-              <a:rPr lang="en-US" altLang="ko-KR" sz="2000" b="1">
-                <a:solidFill>
-                  <a:prstClr val="black">
-                    <a:lumMod val="65000"/>
-                    <a:lumOff val="35000"/>
-                  </a:prstClr>
-                </a:solidFill>
-              </a:rPr>
-              <a:t>65</a:t>
-            </a:r>
-            <a:r>
-              <a:rPr lang="en-US" altLang="ko-KR" sz="1200" b="1">
-                <a:solidFill>
-                  <a:prstClr val="black">
-                    <a:lumMod val="65000"/>
-                    <a:lumOff val="35000"/>
-                  </a:prstClr>
-                </a:solidFill>
-              </a:rPr>
-              <a:t>%</a:t>
-            </a:r>
-            <a:endParaRPr lang="en-US" altLang="ko-KR" sz="1200" b="1">
-              <a:solidFill>
-                <a:prstClr val="black">
-                  <a:lumMod val="65000"/>
-                  <a:lumOff val="35000"/>
-                </a:prstClr>
-              </a:solidFill>
-            </a:endParaRPr>
-          </a:p>
-          <a:p>
-            <a:pPr algn="ctr">
-              <a:lnSpc>
-                <a:spcPct val="150000"/>
-              </a:lnSpc>
-              <a:defRPr/>
-            </a:pPr>
-            <a:r>
-              <a:rPr lang="en-US" altLang="ko-KR" sz="500">
-                <a:solidFill>
-                  <a:prstClr val="black">
-                    <a:lumMod val="65000"/>
-                    <a:lumOff val="35000"/>
-                  </a:prstClr>
-                </a:solidFill>
-              </a:rPr>
-              <a:t>CONTENTS A</a:t>
-            </a:r>
-            <a:endParaRPr lang="en-US" altLang="ko-KR" sz="500">
-              <a:solidFill>
-                <a:prstClr val="black">
-                  <a:lumMod val="65000"/>
-                  <a:lumOff val="35000"/>
-                </a:prstClr>
-              </a:solidFill>
-            </a:endParaRPr>
-          </a:p>
-        </p:txBody>
-      </p:sp>
-      <p:sp>
-        <p:nvSpPr>
-          <p:cNvPr id="37" name="원호 36"/>
-          <p:cNvSpPr/>
-          <p:nvPr/>
-        </p:nvSpPr>
-        <p:spPr>
-          <a:xfrm>
-            <a:off x="8063895" y="4757071"/>
-            <a:ext cx="999674" cy="999674"/>
-          </a:xfrm>
-          <a:prstGeom prst="arc">
-            <a:avLst>
-              <a:gd name="adj1" fmla="val 15062241"/>
-              <a:gd name="adj2" fmla="val 10686441"/>
-            </a:avLst>
-          </a:prstGeom>
-          <a:noFill/>
-          <a:ln w="25400" cap="rnd">
-            <a:solidFill>
-              <a:srgbClr val="ffb5b6"/>
-            </a:solidFill>
-            <a:miter/>
-          </a:ln>
-          <a:effectLst/>
-        </p:spPr>
-        <p:style>
-          <a:lnRef idx="1">
-            <a:schemeClr val="accent1"/>
-          </a:lnRef>
-          <a:fillRef idx="0">
-            <a:schemeClr val="accent1"/>
-          </a:fillRef>
-          <a:effectRef idx="0">
-            <a:schemeClr val="accent1"/>
-          </a:effectRef>
-          <a:fontRef idx="minor">
-            <a:schemeClr val="tx1"/>
-          </a:fontRef>
-        </p:style>
-        <p:txBody>
-          <a:bodyPr anchor="ctr"/>
-          <a:lstStyle/>
-          <a:p>
-            <a:pPr algn="ctr">
-              <a:defRPr/>
-            </a:pPr>
-            <a:endParaRPr lang="ko-KR" altLang="en-US">
-              <a:solidFill>
-                <a:prstClr val="black">
-                  <a:lumMod val="65000"/>
-                  <a:lumOff val="35000"/>
-                </a:prstClr>
-              </a:solidFill>
-            </a:endParaRPr>
-          </a:p>
-        </p:txBody>
-      </p:sp>
-      <p:sp>
-        <p:nvSpPr>
-          <p:cNvPr id="38" name="원호 37"/>
-          <p:cNvSpPr/>
-          <p:nvPr/>
-        </p:nvSpPr>
-        <p:spPr>
-          <a:xfrm>
-            <a:off x="8091213" y="4784389"/>
-            <a:ext cx="945038" cy="945038"/>
-          </a:xfrm>
-          <a:prstGeom prst="arc">
-            <a:avLst>
-              <a:gd name="adj1" fmla="val 16200000"/>
-              <a:gd name="adj2" fmla="val 8777927"/>
-            </a:avLst>
-          </a:prstGeom>
-          <a:solidFill>
-            <a:srgbClr val="fbb9b9">
-              <a:alpha val="63000"/>
-            </a:srgbClr>
-          </a:solidFill>
-          <a:ln w="53975" cap="rnd">
-            <a:noFill/>
-            <a:miter/>
-          </a:ln>
-          <a:effectLst/>
-        </p:spPr>
-        <p:style>
-          <a:lnRef idx="1">
-            <a:schemeClr val="accent1"/>
-          </a:lnRef>
-          <a:fillRef idx="0">
-            <a:schemeClr val="accent1"/>
-          </a:fillRef>
-          <a:effectRef idx="0">
-            <a:schemeClr val="accent1"/>
-          </a:effectRef>
-          <a:fontRef idx="minor">
-            <a:schemeClr val="tx1"/>
-          </a:fontRef>
-        </p:style>
-        <p:txBody>
-          <a:bodyPr anchor="ctr"/>
-          <a:lstStyle/>
-          <a:p>
-            <a:pPr algn="ctr">
-              <a:defRPr/>
-            </a:pPr>
-            <a:endParaRPr lang="ko-KR" altLang="en-US">
-              <a:solidFill>
-                <a:prstClr val="black">
-                  <a:lumMod val="65000"/>
-                  <a:lumOff val="35000"/>
-                </a:prstClr>
-              </a:solidFill>
-            </a:endParaRPr>
-          </a:p>
-        </p:txBody>
-      </p:sp>
-      <p:sp>
-        <p:nvSpPr>
-          <p:cNvPr id="39" name="TextBox 38"/>
-          <p:cNvSpPr txBox="1"/>
-          <p:nvPr/>
-        </p:nvSpPr>
-        <p:spPr>
-          <a:xfrm>
-            <a:off x="7733583" y="4708925"/>
-            <a:ext cx="725856" cy="515526"/>
-          </a:xfrm>
-          <a:prstGeom prst="rect">
-            <a:avLst/>
-          </a:prstGeom>
-          <a:noFill/>
-        </p:spPr>
-        <p:txBody>
-          <a:bodyPr wrap="square" anchor="ctr">
-            <a:spAutoFit/>
-          </a:bodyPr>
-          <a:lstStyle/>
-          <a:p>
-            <a:pPr algn="ctr">
-              <a:defRPr/>
-            </a:pPr>
-            <a:r>
-              <a:rPr lang="en-US" altLang="ko-KR" sz="2000" b="1">
-                <a:solidFill>
-                  <a:prstClr val="black">
-                    <a:lumMod val="65000"/>
-                    <a:lumOff val="35000"/>
-                  </a:prstClr>
-                </a:solidFill>
-              </a:rPr>
-              <a:t>65</a:t>
-            </a:r>
-            <a:r>
-              <a:rPr lang="en-US" altLang="ko-KR" sz="1200" b="1">
-                <a:solidFill>
-                  <a:prstClr val="black">
-                    <a:lumMod val="65000"/>
-                    <a:lumOff val="35000"/>
-                  </a:prstClr>
-                </a:solidFill>
-              </a:rPr>
-              <a:t>%</a:t>
-            </a:r>
-            <a:endParaRPr lang="en-US" altLang="ko-KR" sz="1200" b="1">
-              <a:solidFill>
-                <a:prstClr val="black">
-                  <a:lumMod val="65000"/>
-                  <a:lumOff val="35000"/>
-                </a:prstClr>
-              </a:solidFill>
-            </a:endParaRPr>
-          </a:p>
-          <a:p>
-            <a:pPr algn="ctr">
-              <a:lnSpc>
-                <a:spcPct val="150000"/>
-              </a:lnSpc>
-              <a:defRPr/>
-            </a:pPr>
-            <a:r>
-              <a:rPr lang="en-US" altLang="ko-KR" sz="500">
-                <a:solidFill>
-                  <a:prstClr val="black">
-                    <a:lumMod val="65000"/>
-                    <a:lumOff val="35000"/>
-                  </a:prstClr>
-                </a:solidFill>
-              </a:rPr>
-              <a:t>CONTENTS A</a:t>
-            </a:r>
-            <a:endParaRPr lang="en-US" altLang="ko-KR" sz="500">
-              <a:solidFill>
-                <a:prstClr val="black">
-                  <a:lumMod val="65000"/>
-                  <a:lumOff val="35000"/>
-                </a:prstClr>
-              </a:solidFill>
-            </a:endParaRPr>
-          </a:p>
-        </p:txBody>
-      </p:sp>
-      <p:sp>
-        <p:nvSpPr>
-          <p:cNvPr id="40" name="원호 39"/>
-          <p:cNvSpPr/>
-          <p:nvPr/>
-        </p:nvSpPr>
-        <p:spPr>
-          <a:xfrm>
-            <a:off x="9861291" y="4757071"/>
-            <a:ext cx="999674" cy="999674"/>
-          </a:xfrm>
-          <a:prstGeom prst="arc">
-            <a:avLst>
-              <a:gd name="adj1" fmla="val 15062241"/>
-              <a:gd name="adj2" fmla="val 10686441"/>
-            </a:avLst>
-          </a:prstGeom>
-          <a:noFill/>
-          <a:ln w="25400" cap="rnd">
-            <a:solidFill>
-              <a:srgbClr val="ffb5b6"/>
-            </a:solidFill>
-            <a:miter/>
-          </a:ln>
-          <a:effectLst/>
-        </p:spPr>
-        <p:style>
-          <a:lnRef idx="1">
-            <a:schemeClr val="accent1"/>
-          </a:lnRef>
-          <a:fillRef idx="0">
-            <a:schemeClr val="accent1"/>
-          </a:fillRef>
-          <a:effectRef idx="0">
-            <a:schemeClr val="accent1"/>
-          </a:effectRef>
-          <a:fontRef idx="minor">
-            <a:schemeClr val="tx1"/>
-          </a:fontRef>
-        </p:style>
-        <p:txBody>
-          <a:bodyPr anchor="ctr"/>
-          <a:lstStyle/>
-          <a:p>
-            <a:pPr algn="ctr">
-              <a:defRPr/>
-            </a:pPr>
-            <a:endParaRPr lang="ko-KR" altLang="en-US">
-              <a:solidFill>
-                <a:prstClr val="black">
-                  <a:lumMod val="65000"/>
-                  <a:lumOff val="35000"/>
-                </a:prstClr>
-              </a:solidFill>
-            </a:endParaRPr>
-          </a:p>
-        </p:txBody>
-      </p:sp>
-      <p:sp>
-        <p:nvSpPr>
-          <p:cNvPr id="41" name="원호 40"/>
-          <p:cNvSpPr/>
-          <p:nvPr/>
-        </p:nvSpPr>
-        <p:spPr>
-          <a:xfrm>
-            <a:off x="9888609" y="4784389"/>
-            <a:ext cx="945038" cy="945038"/>
-          </a:xfrm>
-          <a:prstGeom prst="arc">
-            <a:avLst>
-              <a:gd name="adj1" fmla="val 16200000"/>
-              <a:gd name="adj2" fmla="val 8777927"/>
-            </a:avLst>
-          </a:prstGeom>
-          <a:solidFill>
-            <a:srgbClr val="fbb9b9">
-              <a:alpha val="63000"/>
-            </a:srgbClr>
-          </a:solidFill>
-          <a:ln w="53975" cap="rnd">
-            <a:noFill/>
-            <a:miter/>
-          </a:ln>
-          <a:effectLst/>
-        </p:spPr>
-        <p:style>
-          <a:lnRef idx="1">
-            <a:schemeClr val="accent1"/>
-          </a:lnRef>
-          <a:fillRef idx="0">
-            <a:schemeClr val="accent1"/>
-          </a:fillRef>
-          <a:effectRef idx="0">
-            <a:schemeClr val="accent1"/>
-          </a:effectRef>
-          <a:fontRef idx="minor">
-            <a:schemeClr val="tx1"/>
-          </a:fontRef>
-        </p:style>
-        <p:txBody>
-          <a:bodyPr anchor="ctr"/>
-          <a:lstStyle/>
-          <a:p>
-            <a:pPr algn="ctr">
-              <a:defRPr/>
-            </a:pPr>
-            <a:endParaRPr lang="ko-KR" altLang="en-US">
-              <a:solidFill>
-                <a:prstClr val="black">
-                  <a:lumMod val="65000"/>
-                  <a:lumOff val="35000"/>
-                </a:prstClr>
-              </a:solidFill>
-            </a:endParaRPr>
-          </a:p>
-        </p:txBody>
-      </p:sp>
-      <p:sp>
-        <p:nvSpPr>
-          <p:cNvPr id="42" name="TextBox 41"/>
-          <p:cNvSpPr txBox="1"/>
-          <p:nvPr/>
-        </p:nvSpPr>
-        <p:spPr>
-          <a:xfrm>
-            <a:off x="9530979" y="4708925"/>
-            <a:ext cx="725856" cy="515526"/>
-          </a:xfrm>
-          <a:prstGeom prst="rect">
-            <a:avLst/>
-          </a:prstGeom>
-          <a:noFill/>
-        </p:spPr>
-        <p:txBody>
-          <a:bodyPr wrap="square" anchor="ctr">
-            <a:spAutoFit/>
-          </a:bodyPr>
-          <a:lstStyle/>
-          <a:p>
-            <a:pPr algn="ctr">
-              <a:defRPr/>
-            </a:pPr>
-            <a:r>
-              <a:rPr lang="en-US" altLang="ko-KR" sz="2000" b="1">
-                <a:solidFill>
-                  <a:prstClr val="black">
-                    <a:lumMod val="65000"/>
-                    <a:lumOff val="35000"/>
-                  </a:prstClr>
-                </a:solidFill>
-              </a:rPr>
-              <a:t>65</a:t>
-            </a:r>
-            <a:r>
-              <a:rPr lang="en-US" altLang="ko-KR" sz="1200" b="1">
-                <a:solidFill>
-                  <a:prstClr val="black">
-                    <a:lumMod val="65000"/>
-                    <a:lumOff val="35000"/>
-                  </a:prstClr>
-                </a:solidFill>
-              </a:rPr>
-              <a:t>%</a:t>
-            </a:r>
-            <a:endParaRPr lang="en-US" altLang="ko-KR" sz="1200" b="1">
-              <a:solidFill>
-                <a:prstClr val="black">
-                  <a:lumMod val="65000"/>
-                  <a:lumOff val="35000"/>
-                </a:prstClr>
-              </a:solidFill>
-            </a:endParaRPr>
-          </a:p>
-          <a:p>
-            <a:pPr algn="ctr">
-              <a:lnSpc>
-                <a:spcPct val="150000"/>
-              </a:lnSpc>
-              <a:defRPr/>
-            </a:pPr>
-            <a:r>
-              <a:rPr lang="en-US" altLang="ko-KR" sz="500">
-                <a:solidFill>
-                  <a:prstClr val="black">
-                    <a:lumMod val="65000"/>
-                    <a:lumOff val="35000"/>
-                  </a:prstClr>
-                </a:solidFill>
-              </a:rPr>
-              <a:t>CONTENTS A</a:t>
-            </a:r>
-            <a:endParaRPr lang="en-US" altLang="ko-KR" sz="500">
-              <a:solidFill>
-                <a:prstClr val="black">
-                  <a:lumMod val="65000"/>
-                  <a:lumOff val="35000"/>
-                </a:prstClr>
-              </a:solidFill>
-            </a:endParaRPr>
-          </a:p>
-        </p:txBody>
-      </p:sp>
-    </p:spTree>
-  </p:cSld>
-  <p:clrMapOvr>
-    <a:masterClrMapping/>
-  </p:clrMapOvr>
-  <mc:AlternateContent xmlns:mc="http://schemas.openxmlformats.org/markup-compatibility/2006">
-    <mc:Choice xmlns:p14="http://schemas.microsoft.com/office/powerpoint/2010/main" Requires="p14">
-      <p:transition xmlns:mc="http://schemas.openxmlformats.org/markup-compatibility/2006" xmlns:p14="http://schemas.microsoft.com/office/powerpoint/2010/main" mc:Ignorable="p14" p14:dur="500"/>
-    </mc:Choice>
-    <mc:Fallback>
-      <p:transition/>
-    </mc:Fallback>
-  </mc:AlternateContent>
 </p:sld>
 </file>
 
@@ -27641,6 +26973,1864 @@
 </file>
 
 <file path=ppt/slides/slide17.xml><?xml version="1.0" encoding="utf-8"?>
+<p:sld xmlns:r="http://schemas.openxmlformats.org/officeDocument/2006/relationships" xmlns:c="http://schemas.openxmlformats.org/drawingml/2006/chart" xmlns:a="http://schemas.openxmlformats.org/drawingml/2006/main" xmlns:dgm="http://schemas.openxmlformats.org/drawingml/2006/diagram" xmlns:dsp="http://schemas.microsoft.com/office/drawing/2008/diagram" xmlns:p="http://schemas.openxmlformats.org/presentationml/2006/main">
+  <p:cSld>
+    <p:bg>
+      <p:bgPr shadeToTitle="0">
+        <a:solidFill>
+          <a:srgbClr val="132742"/>
+        </a:solidFill>
+      </p:bgPr>
+    </p:bg>
+    <p:spTree>
+      <p:nvGrpSpPr>
+        <p:cNvPr id="1" name=""/>
+        <p:cNvGrpSpPr/>
+        <p:nvPr/>
+      </p:nvGrpSpPr>
+      <p:grpSpPr>
+        <a:xfrm>
+          <a:off x="0" y="0"/>
+          <a:ext cx="0" cy="0"/>
+          <a:chOff x="0" y="0"/>
+          <a:chExt cx="0" cy="0"/>
+        </a:xfrm>
+      </p:grpSpPr>
+      <p:grpSp>
+        <p:nvGrpSpPr>
+          <p:cNvPr id="12" name="그룹 11"/>
+          <p:cNvGrpSpPr/>
+          <p:nvPr/>
+        </p:nvGrpSpPr>
+        <p:grpSpPr>
+          <a:xfrm rot="0">
+            <a:off x="464457" y="391886"/>
+            <a:ext cx="11350172" cy="6466115"/>
+            <a:chOff x="464457" y="391886"/>
+            <a:chExt cx="11350172" cy="6466115"/>
+          </a:xfrm>
+        </p:grpSpPr>
+        <p:sp>
+          <p:nvSpPr>
+            <p:cNvPr id="5" name="양쪽 모서리가 둥근 사각형 4"/>
+            <p:cNvSpPr/>
+            <p:nvPr/>
+          </p:nvSpPr>
+          <p:spPr>
+            <a:xfrm>
+              <a:off x="464457" y="391886"/>
+              <a:ext cx="11350172" cy="6466114"/>
+            </a:xfrm>
+            <a:prstGeom prst="round2SameRect">
+              <a:avLst>
+                <a:gd name="adj1" fmla="val 5121"/>
+                <a:gd name="adj2" fmla="val 0"/>
+              </a:avLst>
+            </a:prstGeom>
+            <a:solidFill>
+              <a:srgbClr val="132742"/>
+            </a:solidFill>
+            <a:ln w="22225">
+              <a:solidFill>
+                <a:srgbClr val="fcd3d3"/>
+              </a:solidFill>
+            </a:ln>
+          </p:spPr>
+          <p:style>
+            <a:lnRef idx="2">
+              <a:schemeClr val="accent1">
+                <a:shade val="50000"/>
+              </a:schemeClr>
+            </a:lnRef>
+            <a:fillRef idx="1">
+              <a:schemeClr val="accent1"/>
+            </a:fillRef>
+            <a:effectRef idx="0">
+              <a:schemeClr val="accent1"/>
+            </a:effectRef>
+            <a:fontRef idx="minor">
+              <a:schemeClr val="lt1"/>
+            </a:fontRef>
+          </p:style>
+          <p:txBody>
+            <a:bodyPr anchor="t"/>
+            <a:lstStyle/>
+            <a:p>
+              <a:pPr lvl="2" latinLnBrk="0">
+                <a:lnSpc>
+                  <a:spcPct val="150000"/>
+                </a:lnSpc>
+                <a:defRPr/>
+              </a:pPr>
+              <a:r>
+                <a:rPr lang="en-US" altLang="ko-KR" sz="2400" b="1" i="1" kern="0">
+                  <a:solidFill>
+                    <a:srgbClr val="ffb5b6"/>
+                  </a:solidFill>
+                </a:rPr>
+                <a:t>PPT</a:t>
+              </a:r>
+              <a:r>
+                <a:rPr lang="en-US" altLang="ko-KR" sz="2400" b="1" i="1" kern="0">
+                  <a:solidFill>
+                    <a:prstClr val="white"/>
+                  </a:solidFill>
+                </a:rPr>
+                <a:t> PRESENTATION</a:t>
+              </a:r>
+              <a:endParaRPr lang="en-US" altLang="ko-KR" sz="2400" b="1" i="1" kern="0">
+                <a:solidFill>
+                  <a:prstClr val="white"/>
+                </a:solidFill>
+              </a:endParaRPr>
+            </a:p>
+          </p:txBody>
+        </p:sp>
+        <p:sp>
+          <p:nvSpPr>
+            <p:cNvPr id="6" name="양쪽 모서리가 둥근 사각형 5"/>
+            <p:cNvSpPr/>
+            <p:nvPr/>
+          </p:nvSpPr>
+          <p:spPr>
+            <a:xfrm>
+              <a:off x="464457" y="1320801"/>
+              <a:ext cx="11350172" cy="5537200"/>
+            </a:xfrm>
+            <a:prstGeom prst="round2SameRect">
+              <a:avLst>
+                <a:gd name="adj1" fmla="val 6572"/>
+                <a:gd name="adj2" fmla="val 0"/>
+              </a:avLst>
+            </a:prstGeom>
+            <a:solidFill>
+              <a:schemeClr val="bg1"/>
+            </a:solidFill>
+            <a:ln w="22225">
+              <a:solidFill>
+                <a:schemeClr val="bg1"/>
+              </a:solidFill>
+            </a:ln>
+          </p:spPr>
+          <p:style>
+            <a:lnRef idx="2">
+              <a:schemeClr val="accent1">
+                <a:shade val="50000"/>
+              </a:schemeClr>
+            </a:lnRef>
+            <a:fillRef idx="1">
+              <a:schemeClr val="accent1"/>
+            </a:fillRef>
+            <a:effectRef idx="0">
+              <a:schemeClr val="accent1"/>
+            </a:effectRef>
+            <a:fontRef idx="minor">
+              <a:schemeClr val="lt1"/>
+            </a:fontRef>
+          </p:style>
+          <p:txBody>
+            <a:bodyPr anchor="ctr"/>
+            <a:lstStyle/>
+            <a:p>
+              <a:pPr algn="ctr">
+                <a:defRPr/>
+              </a:pPr>
+              <a:endParaRPr lang="ko-KR" altLang="en-US">
+                <a:solidFill>
+                  <a:prstClr val="white"/>
+                </a:solidFill>
+              </a:endParaRPr>
+            </a:p>
+          </p:txBody>
+        </p:sp>
+        <p:sp>
+          <p:nvSpPr>
+            <p:cNvPr id="7" name="자유형 6"/>
+            <p:cNvSpPr/>
+            <p:nvPr/>
+          </p:nvSpPr>
+          <p:spPr>
+            <a:xfrm>
+              <a:off x="909660" y="749801"/>
+              <a:ext cx="112689" cy="197593"/>
+            </a:xfrm>
+            <a:custGeom>
+              <a:avLst/>
+              <a:gdLst>
+                <a:gd name="connsiteX0" fmla="*/ 80683 w 89647"/>
+                <a:gd name="connsiteY0" fmla="*/ 0 h 161365"/>
+                <a:gd name="connsiteX1" fmla="*/ 0 w 89647"/>
+                <a:gd name="connsiteY1" fmla="*/ 89647 h 161365"/>
+                <a:gd name="connsiteX2" fmla="*/ 89647 w 89647"/>
+                <a:gd name="connsiteY2" fmla="*/ 161365 h 161365"/>
+                <a:gd name="connsiteX0" fmla="*/ 80683 w 89647"/>
+                <a:gd name="connsiteY0" fmla="*/ 0 h 161365"/>
+                <a:gd name="connsiteX1" fmla="*/ 0 w 89647"/>
+                <a:gd name="connsiteY1" fmla="*/ 80122 h 161365"/>
+                <a:gd name="connsiteX2" fmla="*/ 89647 w 89647"/>
+                <a:gd name="connsiteY2" fmla="*/ 161365 h 161365"/>
+                <a:gd name="connsiteX0" fmla="*/ 80683 w 89647"/>
+                <a:gd name="connsiteY0" fmla="*/ 0 h 161365"/>
+                <a:gd name="connsiteX1" fmla="*/ 0 w 89647"/>
+                <a:gd name="connsiteY1" fmla="*/ 89647 h 161365"/>
+                <a:gd name="connsiteX2" fmla="*/ 89647 w 89647"/>
+                <a:gd name="connsiteY2" fmla="*/ 161365 h 161365"/>
+                <a:gd name="connsiteX0" fmla="*/ 83064 w 92028"/>
+                <a:gd name="connsiteY0" fmla="*/ 0 h 161365"/>
+                <a:gd name="connsiteX1" fmla="*/ 0 w 92028"/>
+                <a:gd name="connsiteY1" fmla="*/ 87266 h 161365"/>
+                <a:gd name="connsiteX2" fmla="*/ 92028 w 92028"/>
+                <a:gd name="connsiteY2" fmla="*/ 161365 h 161365"/>
+              </a:gdLst>
+              <a:cxnLst>
+                <a:cxn ang="0">
+                  <a:pos x="connsiteX0" y="connsiteY0"/>
+                </a:cxn>
+                <a:cxn ang="0">
+                  <a:pos x="connsiteX1" y="connsiteY1"/>
+                </a:cxn>
+                <a:cxn ang="0">
+                  <a:pos x="connsiteX2" y="connsiteY2"/>
+                </a:cxn>
+              </a:cxnLst>
+              <a:rect l="l" t="t" r="r" b="b"/>
+              <a:pathLst>
+                <a:path w="92028" h="161365">
+                  <a:moveTo>
+                    <a:pt x="83064" y="0"/>
+                  </a:moveTo>
+                  <a:lnTo>
+                    <a:pt x="0" y="87266"/>
+                  </a:lnTo>
+                  <a:lnTo>
+                    <a:pt x="92028" y="161365"/>
+                  </a:lnTo>
+                </a:path>
+              </a:pathLst>
+            </a:custGeom>
+            <a:noFill/>
+            <a:ln w="31750" cap="rnd">
+              <a:solidFill>
+                <a:srgbClr val="ffb5b6"/>
+              </a:solidFill>
+            </a:ln>
+          </p:spPr>
+          <p:style>
+            <a:lnRef idx="2">
+              <a:schemeClr val="accent1">
+                <a:shade val="50000"/>
+              </a:schemeClr>
+            </a:lnRef>
+            <a:fillRef idx="1">
+              <a:schemeClr val="accent1"/>
+            </a:fillRef>
+            <a:effectRef idx="0">
+              <a:schemeClr val="accent1"/>
+            </a:effectRef>
+            <a:fontRef idx="minor">
+              <a:schemeClr val="lt1"/>
+            </a:fontRef>
+          </p:style>
+          <p:txBody>
+            <a:bodyPr anchor="ctr"/>
+            <a:lstStyle/>
+            <a:p>
+              <a:pPr algn="ctr">
+                <a:defRPr/>
+              </a:pPr>
+              <a:endParaRPr lang="ko-KR" altLang="en-US">
+                <a:solidFill>
+                  <a:prstClr val="white"/>
+                </a:solidFill>
+              </a:endParaRPr>
+            </a:p>
+          </p:txBody>
+        </p:sp>
+        <p:sp>
+          <p:nvSpPr>
+            <p:cNvPr id="8" name="타원 7"/>
+            <p:cNvSpPr/>
+            <p:nvPr/>
+          </p:nvSpPr>
+          <p:spPr>
+            <a:xfrm>
+              <a:off x="11112062" y="742754"/>
+              <a:ext cx="72000" cy="72000"/>
+            </a:xfrm>
+            <a:prstGeom prst="ellipse">
+              <a:avLst/>
+            </a:prstGeom>
+            <a:solidFill>
+              <a:srgbClr val="ffb5b6"/>
+            </a:solidFill>
+            <a:ln>
+              <a:noFill/>
+            </a:ln>
+          </p:spPr>
+          <p:style>
+            <a:lnRef idx="2">
+              <a:schemeClr val="accent1">
+                <a:shade val="50000"/>
+              </a:schemeClr>
+            </a:lnRef>
+            <a:fillRef idx="1">
+              <a:schemeClr val="accent1"/>
+            </a:fillRef>
+            <a:effectRef idx="0">
+              <a:schemeClr val="accent1"/>
+            </a:effectRef>
+            <a:fontRef idx="minor">
+              <a:schemeClr val="lt1"/>
+            </a:fontRef>
+          </p:style>
+          <p:txBody>
+            <a:bodyPr anchor="ctr"/>
+            <a:lstStyle/>
+            <a:p>
+              <a:pPr algn="ctr">
+                <a:defRPr/>
+              </a:pPr>
+              <a:endParaRPr lang="ko-KR" altLang="en-US">
+                <a:solidFill>
+                  <a:prstClr val="white"/>
+                </a:solidFill>
+              </a:endParaRPr>
+            </a:p>
+          </p:txBody>
+        </p:sp>
+        <p:sp>
+          <p:nvSpPr>
+            <p:cNvPr id="9" name="타원 8"/>
+            <p:cNvSpPr/>
+            <p:nvPr/>
+          </p:nvSpPr>
+          <p:spPr>
+            <a:xfrm>
+              <a:off x="11252555" y="742754"/>
+              <a:ext cx="72000" cy="72000"/>
+            </a:xfrm>
+            <a:prstGeom prst="ellipse">
+              <a:avLst/>
+            </a:prstGeom>
+            <a:solidFill>
+              <a:srgbClr val="ffb5b6"/>
+            </a:solidFill>
+            <a:ln>
+              <a:noFill/>
+            </a:ln>
+          </p:spPr>
+          <p:style>
+            <a:lnRef idx="2">
+              <a:schemeClr val="accent1">
+                <a:shade val="50000"/>
+              </a:schemeClr>
+            </a:lnRef>
+            <a:fillRef idx="1">
+              <a:schemeClr val="accent1"/>
+            </a:fillRef>
+            <a:effectRef idx="0">
+              <a:schemeClr val="accent1"/>
+            </a:effectRef>
+            <a:fontRef idx="minor">
+              <a:schemeClr val="lt1"/>
+            </a:fontRef>
+          </p:style>
+          <p:txBody>
+            <a:bodyPr anchor="ctr"/>
+            <a:lstStyle/>
+            <a:p>
+              <a:pPr algn="ctr">
+                <a:defRPr/>
+              </a:pPr>
+              <a:endParaRPr lang="ko-KR" altLang="en-US">
+                <a:solidFill>
+                  <a:prstClr val="white"/>
+                </a:solidFill>
+              </a:endParaRPr>
+            </a:p>
+          </p:txBody>
+        </p:sp>
+        <p:sp>
+          <p:nvSpPr>
+            <p:cNvPr id="10" name="타원 9"/>
+            <p:cNvSpPr/>
+            <p:nvPr/>
+          </p:nvSpPr>
+          <p:spPr>
+            <a:xfrm>
+              <a:off x="11112062" y="873684"/>
+              <a:ext cx="72000" cy="72000"/>
+            </a:xfrm>
+            <a:prstGeom prst="ellipse">
+              <a:avLst/>
+            </a:prstGeom>
+            <a:solidFill>
+              <a:srgbClr val="ffb5b6"/>
+            </a:solidFill>
+            <a:ln>
+              <a:noFill/>
+            </a:ln>
+          </p:spPr>
+          <p:style>
+            <a:lnRef idx="2">
+              <a:schemeClr val="accent1">
+                <a:shade val="50000"/>
+              </a:schemeClr>
+            </a:lnRef>
+            <a:fillRef idx="1">
+              <a:schemeClr val="accent1"/>
+            </a:fillRef>
+            <a:effectRef idx="0">
+              <a:schemeClr val="accent1"/>
+            </a:effectRef>
+            <a:fontRef idx="minor">
+              <a:schemeClr val="lt1"/>
+            </a:fontRef>
+          </p:style>
+          <p:txBody>
+            <a:bodyPr anchor="ctr"/>
+            <a:lstStyle/>
+            <a:p>
+              <a:pPr algn="ctr">
+                <a:defRPr/>
+              </a:pPr>
+              <a:endParaRPr lang="ko-KR" altLang="en-US">
+                <a:solidFill>
+                  <a:prstClr val="white"/>
+                </a:solidFill>
+              </a:endParaRPr>
+            </a:p>
+          </p:txBody>
+        </p:sp>
+        <p:sp>
+          <p:nvSpPr>
+            <p:cNvPr id="11" name="타원 10"/>
+            <p:cNvSpPr/>
+            <p:nvPr/>
+          </p:nvSpPr>
+          <p:spPr>
+            <a:xfrm>
+              <a:off x="11252555" y="873684"/>
+              <a:ext cx="72000" cy="72000"/>
+            </a:xfrm>
+            <a:prstGeom prst="ellipse">
+              <a:avLst/>
+            </a:prstGeom>
+            <a:solidFill>
+              <a:srgbClr val="ffb5b6"/>
+            </a:solidFill>
+            <a:ln>
+              <a:noFill/>
+            </a:ln>
+          </p:spPr>
+          <p:style>
+            <a:lnRef idx="2">
+              <a:schemeClr val="accent1">
+                <a:shade val="50000"/>
+              </a:schemeClr>
+            </a:lnRef>
+            <a:fillRef idx="1">
+              <a:schemeClr val="accent1"/>
+            </a:fillRef>
+            <a:effectRef idx="0">
+              <a:schemeClr val="accent1"/>
+            </a:effectRef>
+            <a:fontRef idx="minor">
+              <a:schemeClr val="lt1"/>
+            </a:fontRef>
+          </p:style>
+          <p:txBody>
+            <a:bodyPr anchor="ctr"/>
+            <a:lstStyle/>
+            <a:p>
+              <a:pPr algn="ctr">
+                <a:defRPr/>
+              </a:pPr>
+              <a:endParaRPr lang="ko-KR" altLang="en-US">
+                <a:solidFill>
+                  <a:prstClr val="white"/>
+                </a:solidFill>
+              </a:endParaRPr>
+            </a:p>
+          </p:txBody>
+        </p:sp>
+      </p:grpSp>
+      <p:graphicFrame>
+        <p:nvGraphicFramePr>
+          <p:cNvPr id="21" name="차트 20"/>
+          <p:cNvGraphicFramePr/>
+          <p:nvPr/>
+        </p:nvGraphicFramePr>
+        <p:xfrm>
+          <a:off x="966004" y="2760008"/>
+          <a:ext cx="6243811" cy="2497792"/>
+        </p:xfrm>
+        <a:graphic>
+          <a:graphicData uri="http://schemas.openxmlformats.org/drawingml/2006/chart">
+            <c:chart r:id="rId2"/>
+          </a:graphicData>
+        </a:graphic>
+      </p:graphicFrame>
+      <p:sp>
+        <p:nvSpPr>
+          <p:cNvPr id="22" name="TextBox 21"/>
+          <p:cNvSpPr txBox="1"/>
+          <p:nvPr/>
+        </p:nvSpPr>
+        <p:spPr>
+          <a:xfrm>
+            <a:off x="1211087" y="5470739"/>
+            <a:ext cx="1138614" cy="718606"/>
+          </a:xfrm>
+          <a:prstGeom prst="rect">
+            <a:avLst/>
+          </a:prstGeom>
+          <a:noFill/>
+        </p:spPr>
+        <p:txBody>
+          <a:bodyPr wrap="square">
+            <a:spAutoFit/>
+          </a:bodyPr>
+          <a:lstStyle/>
+          <a:p>
+            <a:pPr algn="ctr">
+              <a:lnSpc>
+                <a:spcPct val="150000"/>
+              </a:lnSpc>
+              <a:defRPr/>
+            </a:pPr>
+            <a:r>
+              <a:rPr lang="en-US" altLang="ko-KR" sz="900">
+                <a:solidFill>
+                  <a:prstClr val="black">
+                    <a:lumMod val="65000"/>
+                    <a:lumOff val="35000"/>
+                  </a:prstClr>
+                </a:solidFill>
+              </a:rPr>
+              <a:t>CONTENTS A</a:t>
+            </a:r>
+            <a:endParaRPr lang="en-US" altLang="ko-KR" sz="900">
+              <a:solidFill>
+                <a:prstClr val="black">
+                  <a:lumMod val="65000"/>
+                  <a:lumOff val="35000"/>
+                </a:prstClr>
+              </a:solidFill>
+            </a:endParaRPr>
+          </a:p>
+          <a:p>
+            <a:pPr algn="ctr">
+              <a:defRPr/>
+            </a:pPr>
+            <a:r>
+              <a:rPr lang="en-US" altLang="ko-KR" sz="2800" b="1">
+                <a:solidFill>
+                  <a:prstClr val="black">
+                    <a:lumMod val="65000"/>
+                    <a:lumOff val="35000"/>
+                  </a:prstClr>
+                </a:solidFill>
+              </a:rPr>
+              <a:t>40</a:t>
+            </a:r>
+            <a:r>
+              <a:rPr lang="en-US" altLang="ko-KR" sz="1600" b="1">
+                <a:solidFill>
+                  <a:prstClr val="black">
+                    <a:lumMod val="65000"/>
+                    <a:lumOff val="35000"/>
+                  </a:prstClr>
+                </a:solidFill>
+              </a:rPr>
+              <a:t>%</a:t>
+            </a:r>
+            <a:endParaRPr lang="en-US" altLang="ko-KR" sz="1600" b="1">
+              <a:solidFill>
+                <a:prstClr val="black">
+                  <a:lumMod val="65000"/>
+                  <a:lumOff val="35000"/>
+                </a:prstClr>
+              </a:solidFill>
+            </a:endParaRPr>
+          </a:p>
+        </p:txBody>
+      </p:sp>
+      <p:sp>
+        <p:nvSpPr>
+          <p:cNvPr id="23" name="직사각형 22"/>
+          <p:cNvSpPr/>
+          <p:nvPr/>
+        </p:nvSpPr>
+        <p:spPr>
+          <a:xfrm>
+            <a:off x="1221635" y="2011818"/>
+            <a:ext cx="1117705" cy="415152"/>
+          </a:xfrm>
+          <a:prstGeom prst="rect">
+            <a:avLst/>
+          </a:prstGeom>
+        </p:spPr>
+        <p:txBody>
+          <a:bodyPr wrap="none">
+            <a:spAutoFit/>
+          </a:bodyPr>
+          <a:lstStyle/>
+          <a:p>
+            <a:pPr algn="ctr">
+              <a:lnSpc>
+                <a:spcPct val="150000"/>
+              </a:lnSpc>
+              <a:defRPr/>
+            </a:pPr>
+            <a:r>
+              <a:rPr lang="en-US" altLang="ko-KR" sz="1400" b="1">
+                <a:solidFill>
+                  <a:prstClr val="black">
+                    <a:lumMod val="65000"/>
+                    <a:lumOff val="35000"/>
+                  </a:prstClr>
+                </a:solidFill>
+              </a:rPr>
+              <a:t>CONTENTS</a:t>
+            </a:r>
+            <a:endParaRPr lang="en-US" altLang="ko-KR" sz="1400" b="1">
+              <a:solidFill>
+                <a:prstClr val="black">
+                  <a:lumMod val="65000"/>
+                  <a:lumOff val="35000"/>
+                </a:prstClr>
+              </a:solidFill>
+            </a:endParaRPr>
+          </a:p>
+        </p:txBody>
+      </p:sp>
+      <p:sp>
+        <p:nvSpPr>
+          <p:cNvPr id="24" name="TextBox 23"/>
+          <p:cNvSpPr txBox="1"/>
+          <p:nvPr/>
+        </p:nvSpPr>
+        <p:spPr>
+          <a:xfrm>
+            <a:off x="3527719" y="5470739"/>
+            <a:ext cx="1138614" cy="718606"/>
+          </a:xfrm>
+          <a:prstGeom prst="rect">
+            <a:avLst/>
+          </a:prstGeom>
+          <a:noFill/>
+        </p:spPr>
+        <p:txBody>
+          <a:bodyPr wrap="square">
+            <a:spAutoFit/>
+          </a:bodyPr>
+          <a:lstStyle/>
+          <a:p>
+            <a:pPr algn="ctr">
+              <a:lnSpc>
+                <a:spcPct val="150000"/>
+              </a:lnSpc>
+              <a:defRPr/>
+            </a:pPr>
+            <a:r>
+              <a:rPr lang="en-US" altLang="ko-KR" sz="900">
+                <a:solidFill>
+                  <a:prstClr val="black">
+                    <a:lumMod val="65000"/>
+                    <a:lumOff val="35000"/>
+                  </a:prstClr>
+                </a:solidFill>
+              </a:rPr>
+              <a:t>CONTENTS A</a:t>
+            </a:r>
+            <a:endParaRPr lang="en-US" altLang="ko-KR" sz="900">
+              <a:solidFill>
+                <a:prstClr val="black">
+                  <a:lumMod val="65000"/>
+                  <a:lumOff val="35000"/>
+                </a:prstClr>
+              </a:solidFill>
+            </a:endParaRPr>
+          </a:p>
+          <a:p>
+            <a:pPr algn="ctr">
+              <a:defRPr/>
+            </a:pPr>
+            <a:r>
+              <a:rPr lang="en-US" altLang="ko-KR" sz="2800" b="1">
+                <a:solidFill>
+                  <a:prstClr val="black">
+                    <a:lumMod val="65000"/>
+                    <a:lumOff val="35000"/>
+                  </a:prstClr>
+                </a:solidFill>
+              </a:rPr>
+              <a:t>40</a:t>
+            </a:r>
+            <a:r>
+              <a:rPr lang="en-US" altLang="ko-KR" sz="1600" b="1">
+                <a:solidFill>
+                  <a:prstClr val="black">
+                    <a:lumMod val="65000"/>
+                    <a:lumOff val="35000"/>
+                  </a:prstClr>
+                </a:solidFill>
+              </a:rPr>
+              <a:t>%</a:t>
+            </a:r>
+            <a:endParaRPr lang="en-US" altLang="ko-KR" sz="1600" b="1">
+              <a:solidFill>
+                <a:prstClr val="black">
+                  <a:lumMod val="65000"/>
+                  <a:lumOff val="35000"/>
+                </a:prstClr>
+              </a:solidFill>
+            </a:endParaRPr>
+          </a:p>
+        </p:txBody>
+      </p:sp>
+      <p:sp>
+        <p:nvSpPr>
+          <p:cNvPr id="25" name="TextBox 24"/>
+          <p:cNvSpPr txBox="1"/>
+          <p:nvPr/>
+        </p:nvSpPr>
+        <p:spPr>
+          <a:xfrm>
+            <a:off x="5425251" y="5470739"/>
+            <a:ext cx="1138614" cy="718606"/>
+          </a:xfrm>
+          <a:prstGeom prst="rect">
+            <a:avLst/>
+          </a:prstGeom>
+          <a:noFill/>
+        </p:spPr>
+        <p:txBody>
+          <a:bodyPr wrap="square">
+            <a:spAutoFit/>
+          </a:bodyPr>
+          <a:lstStyle/>
+          <a:p>
+            <a:pPr algn="ctr">
+              <a:lnSpc>
+                <a:spcPct val="150000"/>
+              </a:lnSpc>
+              <a:defRPr/>
+            </a:pPr>
+            <a:r>
+              <a:rPr lang="en-US" altLang="ko-KR" sz="900">
+                <a:solidFill>
+                  <a:prstClr val="black">
+                    <a:lumMod val="65000"/>
+                    <a:lumOff val="35000"/>
+                  </a:prstClr>
+                </a:solidFill>
+              </a:rPr>
+              <a:t>CONTENTS A</a:t>
+            </a:r>
+            <a:endParaRPr lang="en-US" altLang="ko-KR" sz="900">
+              <a:solidFill>
+                <a:prstClr val="black">
+                  <a:lumMod val="65000"/>
+                  <a:lumOff val="35000"/>
+                </a:prstClr>
+              </a:solidFill>
+            </a:endParaRPr>
+          </a:p>
+          <a:p>
+            <a:pPr algn="ctr">
+              <a:defRPr/>
+            </a:pPr>
+            <a:r>
+              <a:rPr lang="en-US" altLang="ko-KR" sz="2800" b="1">
+                <a:solidFill>
+                  <a:prstClr val="black">
+                    <a:lumMod val="65000"/>
+                    <a:lumOff val="35000"/>
+                  </a:prstClr>
+                </a:solidFill>
+              </a:rPr>
+              <a:t>40</a:t>
+            </a:r>
+            <a:r>
+              <a:rPr lang="en-US" altLang="ko-KR" sz="1600" b="1">
+                <a:solidFill>
+                  <a:prstClr val="black">
+                    <a:lumMod val="65000"/>
+                    <a:lumOff val="35000"/>
+                  </a:prstClr>
+                </a:solidFill>
+              </a:rPr>
+              <a:t>%</a:t>
+            </a:r>
+            <a:endParaRPr lang="en-US" altLang="ko-KR" sz="1600" b="1">
+              <a:solidFill>
+                <a:prstClr val="black">
+                  <a:lumMod val="65000"/>
+                  <a:lumOff val="35000"/>
+                </a:prstClr>
+              </a:solidFill>
+            </a:endParaRPr>
+          </a:p>
+        </p:txBody>
+      </p:sp>
+      <p:sp>
+        <p:nvSpPr>
+          <p:cNvPr id="26" name="모서리가 둥근 직사각형 25"/>
+          <p:cNvSpPr/>
+          <p:nvPr/>
+        </p:nvSpPr>
+        <p:spPr>
+          <a:xfrm>
+            <a:off x="3900347" y="2570342"/>
+            <a:ext cx="351725" cy="3631366"/>
+          </a:xfrm>
+          <a:prstGeom prst="roundRect">
+            <a:avLst>
+              <a:gd name="adj" fmla="val 50000"/>
+            </a:avLst>
+          </a:prstGeom>
+          <a:gradFill>
+            <a:gsLst>
+              <a:gs pos="0">
+                <a:srgbClr val="ffb5b6"/>
+              </a:gs>
+              <a:gs pos="100000">
+                <a:srgbClr val="ffb5b6">
+                  <a:alpha val="0"/>
+                </a:srgbClr>
+              </a:gs>
+            </a:gsLst>
+            <a:lin ang="5400000" scaled="1"/>
+          </a:gradFill>
+          <a:ln w="9525">
+            <a:noFill/>
+            <a:prstDash val="solid"/>
+          </a:ln>
+        </p:spPr>
+        <p:style>
+          <a:lnRef idx="2">
+            <a:schemeClr val="accent1">
+              <a:shade val="50000"/>
+            </a:schemeClr>
+          </a:lnRef>
+          <a:fillRef idx="1">
+            <a:schemeClr val="accent1"/>
+          </a:fillRef>
+          <a:effectRef idx="0">
+            <a:schemeClr val="accent1"/>
+          </a:effectRef>
+          <a:fontRef idx="minor">
+            <a:schemeClr val="lt1"/>
+          </a:fontRef>
+        </p:style>
+        <p:txBody>
+          <a:bodyPr anchor="ctr"/>
+          <a:lstStyle/>
+          <a:p>
+            <a:pPr>
+              <a:lnSpc>
+                <a:spcPct val="150000"/>
+              </a:lnSpc>
+              <a:defRPr/>
+            </a:pPr>
+            <a:endParaRPr lang="ko-KR" altLang="en-US" sz="800">
+              <a:solidFill>
+                <a:prstClr val="white">
+                  <a:lumMod val="75000"/>
+                </a:prstClr>
+              </a:solidFill>
+            </a:endParaRPr>
+          </a:p>
+        </p:txBody>
+      </p:sp>
+      <p:sp>
+        <p:nvSpPr>
+          <p:cNvPr id="28" name="모서리가 둥근 직사각형 27"/>
+          <p:cNvSpPr/>
+          <p:nvPr/>
+        </p:nvSpPr>
+        <p:spPr>
+          <a:xfrm>
+            <a:off x="1331833" y="2395228"/>
+            <a:ext cx="648000" cy="36000"/>
+          </a:xfrm>
+          <a:prstGeom prst="roundRect">
+            <a:avLst>
+              <a:gd name="adj" fmla="val 50000"/>
+            </a:avLst>
+          </a:prstGeom>
+          <a:solidFill>
+            <a:srgbClr val="ffb5b6"/>
+          </a:solidFill>
+          <a:ln w="22225">
+            <a:noFill/>
+          </a:ln>
+        </p:spPr>
+        <p:style>
+          <a:lnRef idx="2">
+            <a:schemeClr val="accent1">
+              <a:shade val="50000"/>
+            </a:schemeClr>
+          </a:lnRef>
+          <a:fillRef idx="1">
+            <a:schemeClr val="accent1"/>
+          </a:fillRef>
+          <a:effectRef idx="0">
+            <a:schemeClr val="accent1"/>
+          </a:effectRef>
+          <a:fontRef idx="minor">
+            <a:schemeClr val="lt1"/>
+          </a:fontRef>
+        </p:style>
+        <p:txBody>
+          <a:bodyPr anchor="ctr"/>
+          <a:lstStyle/>
+          <a:p>
+            <a:pPr algn="ctr">
+              <a:defRPr/>
+            </a:pPr>
+            <a:endParaRPr lang="en-US" altLang="ko-KR" sz="1200" b="1">
+              <a:solidFill>
+                <a:prstClr val="white"/>
+              </a:solidFill>
+            </a:endParaRPr>
+          </a:p>
+        </p:txBody>
+      </p:sp>
+      <p:sp>
+        <p:nvSpPr>
+          <p:cNvPr id="29" name="직사각형 28"/>
+          <p:cNvSpPr/>
+          <p:nvPr/>
+        </p:nvSpPr>
+        <p:spPr>
+          <a:xfrm>
+            <a:off x="7765310" y="2011818"/>
+            <a:ext cx="1117705" cy="415152"/>
+          </a:xfrm>
+          <a:prstGeom prst="rect">
+            <a:avLst/>
+          </a:prstGeom>
+        </p:spPr>
+        <p:txBody>
+          <a:bodyPr wrap="none">
+            <a:spAutoFit/>
+          </a:bodyPr>
+          <a:lstStyle/>
+          <a:p>
+            <a:pPr algn="ctr">
+              <a:lnSpc>
+                <a:spcPct val="150000"/>
+              </a:lnSpc>
+              <a:defRPr/>
+            </a:pPr>
+            <a:r>
+              <a:rPr lang="en-US" altLang="ko-KR" sz="1400" b="1">
+                <a:solidFill>
+                  <a:prstClr val="black">
+                    <a:lumMod val="65000"/>
+                    <a:lumOff val="35000"/>
+                  </a:prstClr>
+                </a:solidFill>
+              </a:rPr>
+              <a:t>CONTENTS</a:t>
+            </a:r>
+            <a:endParaRPr lang="en-US" altLang="ko-KR" sz="1400" b="1">
+              <a:solidFill>
+                <a:prstClr val="black">
+                  <a:lumMod val="65000"/>
+                  <a:lumOff val="35000"/>
+                </a:prstClr>
+              </a:solidFill>
+            </a:endParaRPr>
+          </a:p>
+        </p:txBody>
+      </p:sp>
+      <p:sp>
+        <p:nvSpPr>
+          <p:cNvPr id="30" name="모서리가 둥근 직사각형 29"/>
+          <p:cNvSpPr/>
+          <p:nvPr/>
+        </p:nvSpPr>
+        <p:spPr>
+          <a:xfrm>
+            <a:off x="7875508" y="2395228"/>
+            <a:ext cx="648000" cy="36000"/>
+          </a:xfrm>
+          <a:prstGeom prst="roundRect">
+            <a:avLst>
+              <a:gd name="adj" fmla="val 50000"/>
+            </a:avLst>
+          </a:prstGeom>
+          <a:solidFill>
+            <a:srgbClr val="ffb5b6"/>
+          </a:solidFill>
+          <a:ln w="22225">
+            <a:noFill/>
+          </a:ln>
+        </p:spPr>
+        <p:style>
+          <a:lnRef idx="2">
+            <a:schemeClr val="accent1">
+              <a:shade val="50000"/>
+            </a:schemeClr>
+          </a:lnRef>
+          <a:fillRef idx="1">
+            <a:schemeClr val="accent1"/>
+          </a:fillRef>
+          <a:effectRef idx="0">
+            <a:schemeClr val="accent1"/>
+          </a:effectRef>
+          <a:fontRef idx="minor">
+            <a:schemeClr val="lt1"/>
+          </a:fontRef>
+        </p:style>
+        <p:txBody>
+          <a:bodyPr anchor="ctr"/>
+          <a:lstStyle/>
+          <a:p>
+            <a:pPr algn="ctr">
+              <a:defRPr/>
+            </a:pPr>
+            <a:endParaRPr lang="en-US" altLang="ko-KR" sz="1200" b="1">
+              <a:solidFill>
+                <a:prstClr val="white"/>
+              </a:solidFill>
+            </a:endParaRPr>
+          </a:p>
+        </p:txBody>
+      </p:sp>
+      <p:sp>
+        <p:nvSpPr>
+          <p:cNvPr id="31" name="원호 30"/>
+          <p:cNvSpPr/>
+          <p:nvPr/>
+        </p:nvSpPr>
+        <p:spPr>
+          <a:xfrm>
+            <a:off x="8063895" y="2985421"/>
+            <a:ext cx="999674" cy="999674"/>
+          </a:xfrm>
+          <a:prstGeom prst="arc">
+            <a:avLst>
+              <a:gd name="adj1" fmla="val 15062241"/>
+              <a:gd name="adj2" fmla="val 10686441"/>
+            </a:avLst>
+          </a:prstGeom>
+          <a:noFill/>
+          <a:ln w="25400" cap="rnd">
+            <a:solidFill>
+              <a:srgbClr val="ffb5b6"/>
+            </a:solidFill>
+            <a:miter/>
+          </a:ln>
+          <a:effectLst/>
+        </p:spPr>
+        <p:style>
+          <a:lnRef idx="1">
+            <a:schemeClr val="accent1"/>
+          </a:lnRef>
+          <a:fillRef idx="0">
+            <a:schemeClr val="accent1"/>
+          </a:fillRef>
+          <a:effectRef idx="0">
+            <a:schemeClr val="accent1"/>
+          </a:effectRef>
+          <a:fontRef idx="minor">
+            <a:schemeClr val="tx1"/>
+          </a:fontRef>
+        </p:style>
+        <p:txBody>
+          <a:bodyPr anchor="ctr"/>
+          <a:lstStyle/>
+          <a:p>
+            <a:pPr algn="ctr">
+              <a:defRPr/>
+            </a:pPr>
+            <a:endParaRPr lang="ko-KR" altLang="en-US">
+              <a:solidFill>
+                <a:prstClr val="black">
+                  <a:lumMod val="65000"/>
+                  <a:lumOff val="35000"/>
+                </a:prstClr>
+              </a:solidFill>
+            </a:endParaRPr>
+          </a:p>
+        </p:txBody>
+      </p:sp>
+      <p:sp>
+        <p:nvSpPr>
+          <p:cNvPr id="32" name="원호 31"/>
+          <p:cNvSpPr/>
+          <p:nvPr/>
+        </p:nvSpPr>
+        <p:spPr>
+          <a:xfrm>
+            <a:off x="8091213" y="3012739"/>
+            <a:ext cx="945038" cy="945038"/>
+          </a:xfrm>
+          <a:prstGeom prst="arc">
+            <a:avLst>
+              <a:gd name="adj1" fmla="val 16200000"/>
+              <a:gd name="adj2" fmla="val 8777927"/>
+            </a:avLst>
+          </a:prstGeom>
+          <a:solidFill>
+            <a:srgbClr val="fbb9b9">
+              <a:alpha val="63000"/>
+            </a:srgbClr>
+          </a:solidFill>
+          <a:ln w="53975" cap="rnd">
+            <a:noFill/>
+            <a:miter/>
+          </a:ln>
+          <a:effectLst/>
+        </p:spPr>
+        <p:style>
+          <a:lnRef idx="1">
+            <a:schemeClr val="accent1"/>
+          </a:lnRef>
+          <a:fillRef idx="0">
+            <a:schemeClr val="accent1"/>
+          </a:fillRef>
+          <a:effectRef idx="0">
+            <a:schemeClr val="accent1"/>
+          </a:effectRef>
+          <a:fontRef idx="minor">
+            <a:schemeClr val="tx1"/>
+          </a:fontRef>
+        </p:style>
+        <p:txBody>
+          <a:bodyPr anchor="ctr"/>
+          <a:lstStyle/>
+          <a:p>
+            <a:pPr algn="ctr">
+              <a:defRPr/>
+            </a:pPr>
+            <a:endParaRPr lang="ko-KR" altLang="en-US">
+              <a:solidFill>
+                <a:prstClr val="black">
+                  <a:lumMod val="65000"/>
+                  <a:lumOff val="35000"/>
+                </a:prstClr>
+              </a:solidFill>
+            </a:endParaRPr>
+          </a:p>
+        </p:txBody>
+      </p:sp>
+      <p:sp>
+        <p:nvSpPr>
+          <p:cNvPr id="33" name="TextBox 32"/>
+          <p:cNvSpPr txBox="1"/>
+          <p:nvPr/>
+        </p:nvSpPr>
+        <p:spPr>
+          <a:xfrm>
+            <a:off x="7733583" y="2937275"/>
+            <a:ext cx="725856" cy="515526"/>
+          </a:xfrm>
+          <a:prstGeom prst="rect">
+            <a:avLst/>
+          </a:prstGeom>
+          <a:noFill/>
+        </p:spPr>
+        <p:txBody>
+          <a:bodyPr wrap="square" anchor="ctr">
+            <a:spAutoFit/>
+          </a:bodyPr>
+          <a:lstStyle/>
+          <a:p>
+            <a:pPr algn="ctr">
+              <a:defRPr/>
+            </a:pPr>
+            <a:r>
+              <a:rPr lang="en-US" altLang="ko-KR" sz="2000" b="1">
+                <a:solidFill>
+                  <a:prstClr val="black">
+                    <a:lumMod val="65000"/>
+                    <a:lumOff val="35000"/>
+                  </a:prstClr>
+                </a:solidFill>
+              </a:rPr>
+              <a:t>65</a:t>
+            </a:r>
+            <a:r>
+              <a:rPr lang="en-US" altLang="ko-KR" sz="1200" b="1">
+                <a:solidFill>
+                  <a:prstClr val="black">
+                    <a:lumMod val="65000"/>
+                    <a:lumOff val="35000"/>
+                  </a:prstClr>
+                </a:solidFill>
+              </a:rPr>
+              <a:t>%</a:t>
+            </a:r>
+            <a:endParaRPr lang="en-US" altLang="ko-KR" sz="1200" b="1">
+              <a:solidFill>
+                <a:prstClr val="black">
+                  <a:lumMod val="65000"/>
+                  <a:lumOff val="35000"/>
+                </a:prstClr>
+              </a:solidFill>
+            </a:endParaRPr>
+          </a:p>
+          <a:p>
+            <a:pPr algn="ctr">
+              <a:lnSpc>
+                <a:spcPct val="150000"/>
+              </a:lnSpc>
+              <a:defRPr/>
+            </a:pPr>
+            <a:r>
+              <a:rPr lang="en-US" altLang="ko-KR" sz="500">
+                <a:solidFill>
+                  <a:prstClr val="black">
+                    <a:lumMod val="65000"/>
+                    <a:lumOff val="35000"/>
+                  </a:prstClr>
+                </a:solidFill>
+              </a:rPr>
+              <a:t>CONTENTS A</a:t>
+            </a:r>
+            <a:endParaRPr lang="en-US" altLang="ko-KR" sz="500">
+              <a:solidFill>
+                <a:prstClr val="black">
+                  <a:lumMod val="65000"/>
+                  <a:lumOff val="35000"/>
+                </a:prstClr>
+              </a:solidFill>
+            </a:endParaRPr>
+          </a:p>
+        </p:txBody>
+      </p:sp>
+      <p:sp>
+        <p:nvSpPr>
+          <p:cNvPr id="34" name="원호 33"/>
+          <p:cNvSpPr/>
+          <p:nvPr/>
+        </p:nvSpPr>
+        <p:spPr>
+          <a:xfrm>
+            <a:off x="9861291" y="2985421"/>
+            <a:ext cx="999674" cy="999674"/>
+          </a:xfrm>
+          <a:prstGeom prst="arc">
+            <a:avLst>
+              <a:gd name="adj1" fmla="val 15062241"/>
+              <a:gd name="adj2" fmla="val 10686441"/>
+            </a:avLst>
+          </a:prstGeom>
+          <a:noFill/>
+          <a:ln w="25400" cap="rnd">
+            <a:solidFill>
+              <a:srgbClr val="ffb5b6"/>
+            </a:solidFill>
+            <a:miter/>
+          </a:ln>
+          <a:effectLst/>
+        </p:spPr>
+        <p:style>
+          <a:lnRef idx="1">
+            <a:schemeClr val="accent1"/>
+          </a:lnRef>
+          <a:fillRef idx="0">
+            <a:schemeClr val="accent1"/>
+          </a:fillRef>
+          <a:effectRef idx="0">
+            <a:schemeClr val="accent1"/>
+          </a:effectRef>
+          <a:fontRef idx="minor">
+            <a:schemeClr val="tx1"/>
+          </a:fontRef>
+        </p:style>
+        <p:txBody>
+          <a:bodyPr anchor="ctr"/>
+          <a:lstStyle/>
+          <a:p>
+            <a:pPr algn="ctr">
+              <a:defRPr/>
+            </a:pPr>
+            <a:endParaRPr lang="ko-KR" altLang="en-US">
+              <a:solidFill>
+                <a:prstClr val="black">
+                  <a:lumMod val="65000"/>
+                  <a:lumOff val="35000"/>
+                </a:prstClr>
+              </a:solidFill>
+            </a:endParaRPr>
+          </a:p>
+        </p:txBody>
+      </p:sp>
+      <p:sp>
+        <p:nvSpPr>
+          <p:cNvPr id="35" name="원호 34"/>
+          <p:cNvSpPr/>
+          <p:nvPr/>
+        </p:nvSpPr>
+        <p:spPr>
+          <a:xfrm>
+            <a:off x="9888609" y="3012739"/>
+            <a:ext cx="945038" cy="945038"/>
+          </a:xfrm>
+          <a:prstGeom prst="arc">
+            <a:avLst>
+              <a:gd name="adj1" fmla="val 16200000"/>
+              <a:gd name="adj2" fmla="val 8777927"/>
+            </a:avLst>
+          </a:prstGeom>
+          <a:solidFill>
+            <a:srgbClr val="fbb9b9">
+              <a:alpha val="63000"/>
+            </a:srgbClr>
+          </a:solidFill>
+          <a:ln w="53975" cap="rnd">
+            <a:noFill/>
+            <a:miter/>
+          </a:ln>
+          <a:effectLst/>
+        </p:spPr>
+        <p:style>
+          <a:lnRef idx="1">
+            <a:schemeClr val="accent1"/>
+          </a:lnRef>
+          <a:fillRef idx="0">
+            <a:schemeClr val="accent1"/>
+          </a:fillRef>
+          <a:effectRef idx="0">
+            <a:schemeClr val="accent1"/>
+          </a:effectRef>
+          <a:fontRef idx="minor">
+            <a:schemeClr val="tx1"/>
+          </a:fontRef>
+        </p:style>
+        <p:txBody>
+          <a:bodyPr anchor="ctr"/>
+          <a:lstStyle/>
+          <a:p>
+            <a:pPr algn="ctr">
+              <a:defRPr/>
+            </a:pPr>
+            <a:endParaRPr lang="ko-KR" altLang="en-US">
+              <a:solidFill>
+                <a:prstClr val="black">
+                  <a:lumMod val="65000"/>
+                  <a:lumOff val="35000"/>
+                </a:prstClr>
+              </a:solidFill>
+            </a:endParaRPr>
+          </a:p>
+        </p:txBody>
+      </p:sp>
+      <p:sp>
+        <p:nvSpPr>
+          <p:cNvPr id="36" name="TextBox 35"/>
+          <p:cNvSpPr txBox="1"/>
+          <p:nvPr/>
+        </p:nvSpPr>
+        <p:spPr>
+          <a:xfrm>
+            <a:off x="9530979" y="2937275"/>
+            <a:ext cx="725856" cy="515526"/>
+          </a:xfrm>
+          <a:prstGeom prst="rect">
+            <a:avLst/>
+          </a:prstGeom>
+          <a:noFill/>
+        </p:spPr>
+        <p:txBody>
+          <a:bodyPr wrap="square" anchor="ctr">
+            <a:spAutoFit/>
+          </a:bodyPr>
+          <a:lstStyle/>
+          <a:p>
+            <a:pPr algn="ctr">
+              <a:defRPr/>
+            </a:pPr>
+            <a:r>
+              <a:rPr lang="en-US" altLang="ko-KR" sz="2000" b="1">
+                <a:solidFill>
+                  <a:prstClr val="black">
+                    <a:lumMod val="65000"/>
+                    <a:lumOff val="35000"/>
+                  </a:prstClr>
+                </a:solidFill>
+              </a:rPr>
+              <a:t>65</a:t>
+            </a:r>
+            <a:r>
+              <a:rPr lang="en-US" altLang="ko-KR" sz="1200" b="1">
+                <a:solidFill>
+                  <a:prstClr val="black">
+                    <a:lumMod val="65000"/>
+                    <a:lumOff val="35000"/>
+                  </a:prstClr>
+                </a:solidFill>
+              </a:rPr>
+              <a:t>%</a:t>
+            </a:r>
+            <a:endParaRPr lang="en-US" altLang="ko-KR" sz="1200" b="1">
+              <a:solidFill>
+                <a:prstClr val="black">
+                  <a:lumMod val="65000"/>
+                  <a:lumOff val="35000"/>
+                </a:prstClr>
+              </a:solidFill>
+            </a:endParaRPr>
+          </a:p>
+          <a:p>
+            <a:pPr algn="ctr">
+              <a:lnSpc>
+                <a:spcPct val="150000"/>
+              </a:lnSpc>
+              <a:defRPr/>
+            </a:pPr>
+            <a:r>
+              <a:rPr lang="en-US" altLang="ko-KR" sz="500">
+                <a:solidFill>
+                  <a:prstClr val="black">
+                    <a:lumMod val="65000"/>
+                    <a:lumOff val="35000"/>
+                  </a:prstClr>
+                </a:solidFill>
+              </a:rPr>
+              <a:t>CONTENTS A</a:t>
+            </a:r>
+            <a:endParaRPr lang="en-US" altLang="ko-KR" sz="500">
+              <a:solidFill>
+                <a:prstClr val="black">
+                  <a:lumMod val="65000"/>
+                  <a:lumOff val="35000"/>
+                </a:prstClr>
+              </a:solidFill>
+            </a:endParaRPr>
+          </a:p>
+        </p:txBody>
+      </p:sp>
+      <p:sp>
+        <p:nvSpPr>
+          <p:cNvPr id="37" name="원호 36"/>
+          <p:cNvSpPr/>
+          <p:nvPr/>
+        </p:nvSpPr>
+        <p:spPr>
+          <a:xfrm>
+            <a:off x="8063895" y="4757071"/>
+            <a:ext cx="999674" cy="999674"/>
+          </a:xfrm>
+          <a:prstGeom prst="arc">
+            <a:avLst>
+              <a:gd name="adj1" fmla="val 15062241"/>
+              <a:gd name="adj2" fmla="val 10686441"/>
+            </a:avLst>
+          </a:prstGeom>
+          <a:noFill/>
+          <a:ln w="25400" cap="rnd">
+            <a:solidFill>
+              <a:srgbClr val="ffb5b6"/>
+            </a:solidFill>
+            <a:miter/>
+          </a:ln>
+          <a:effectLst/>
+        </p:spPr>
+        <p:style>
+          <a:lnRef idx="1">
+            <a:schemeClr val="accent1"/>
+          </a:lnRef>
+          <a:fillRef idx="0">
+            <a:schemeClr val="accent1"/>
+          </a:fillRef>
+          <a:effectRef idx="0">
+            <a:schemeClr val="accent1"/>
+          </a:effectRef>
+          <a:fontRef idx="minor">
+            <a:schemeClr val="tx1"/>
+          </a:fontRef>
+        </p:style>
+        <p:txBody>
+          <a:bodyPr anchor="ctr"/>
+          <a:lstStyle/>
+          <a:p>
+            <a:pPr algn="ctr">
+              <a:defRPr/>
+            </a:pPr>
+            <a:endParaRPr lang="ko-KR" altLang="en-US">
+              <a:solidFill>
+                <a:prstClr val="black">
+                  <a:lumMod val="65000"/>
+                  <a:lumOff val="35000"/>
+                </a:prstClr>
+              </a:solidFill>
+            </a:endParaRPr>
+          </a:p>
+        </p:txBody>
+      </p:sp>
+      <p:sp>
+        <p:nvSpPr>
+          <p:cNvPr id="38" name="원호 37"/>
+          <p:cNvSpPr/>
+          <p:nvPr/>
+        </p:nvSpPr>
+        <p:spPr>
+          <a:xfrm>
+            <a:off x="8091213" y="4784389"/>
+            <a:ext cx="945038" cy="945038"/>
+          </a:xfrm>
+          <a:prstGeom prst="arc">
+            <a:avLst>
+              <a:gd name="adj1" fmla="val 16200000"/>
+              <a:gd name="adj2" fmla="val 8777927"/>
+            </a:avLst>
+          </a:prstGeom>
+          <a:solidFill>
+            <a:srgbClr val="fbb9b9">
+              <a:alpha val="63000"/>
+            </a:srgbClr>
+          </a:solidFill>
+          <a:ln w="53975" cap="rnd">
+            <a:noFill/>
+            <a:miter/>
+          </a:ln>
+          <a:effectLst/>
+        </p:spPr>
+        <p:style>
+          <a:lnRef idx="1">
+            <a:schemeClr val="accent1"/>
+          </a:lnRef>
+          <a:fillRef idx="0">
+            <a:schemeClr val="accent1"/>
+          </a:fillRef>
+          <a:effectRef idx="0">
+            <a:schemeClr val="accent1"/>
+          </a:effectRef>
+          <a:fontRef idx="minor">
+            <a:schemeClr val="tx1"/>
+          </a:fontRef>
+        </p:style>
+        <p:txBody>
+          <a:bodyPr anchor="ctr"/>
+          <a:lstStyle/>
+          <a:p>
+            <a:pPr algn="ctr">
+              <a:defRPr/>
+            </a:pPr>
+            <a:endParaRPr lang="ko-KR" altLang="en-US">
+              <a:solidFill>
+                <a:prstClr val="black">
+                  <a:lumMod val="65000"/>
+                  <a:lumOff val="35000"/>
+                </a:prstClr>
+              </a:solidFill>
+            </a:endParaRPr>
+          </a:p>
+        </p:txBody>
+      </p:sp>
+      <p:sp>
+        <p:nvSpPr>
+          <p:cNvPr id="39" name="TextBox 38"/>
+          <p:cNvSpPr txBox="1"/>
+          <p:nvPr/>
+        </p:nvSpPr>
+        <p:spPr>
+          <a:xfrm>
+            <a:off x="7733583" y="4708925"/>
+            <a:ext cx="725856" cy="515526"/>
+          </a:xfrm>
+          <a:prstGeom prst="rect">
+            <a:avLst/>
+          </a:prstGeom>
+          <a:noFill/>
+        </p:spPr>
+        <p:txBody>
+          <a:bodyPr wrap="square" anchor="ctr">
+            <a:spAutoFit/>
+          </a:bodyPr>
+          <a:lstStyle/>
+          <a:p>
+            <a:pPr algn="ctr">
+              <a:defRPr/>
+            </a:pPr>
+            <a:r>
+              <a:rPr lang="en-US" altLang="ko-KR" sz="2000" b="1">
+                <a:solidFill>
+                  <a:prstClr val="black">
+                    <a:lumMod val="65000"/>
+                    <a:lumOff val="35000"/>
+                  </a:prstClr>
+                </a:solidFill>
+              </a:rPr>
+              <a:t>65</a:t>
+            </a:r>
+            <a:r>
+              <a:rPr lang="en-US" altLang="ko-KR" sz="1200" b="1">
+                <a:solidFill>
+                  <a:prstClr val="black">
+                    <a:lumMod val="65000"/>
+                    <a:lumOff val="35000"/>
+                  </a:prstClr>
+                </a:solidFill>
+              </a:rPr>
+              <a:t>%</a:t>
+            </a:r>
+            <a:endParaRPr lang="en-US" altLang="ko-KR" sz="1200" b="1">
+              <a:solidFill>
+                <a:prstClr val="black">
+                  <a:lumMod val="65000"/>
+                  <a:lumOff val="35000"/>
+                </a:prstClr>
+              </a:solidFill>
+            </a:endParaRPr>
+          </a:p>
+          <a:p>
+            <a:pPr algn="ctr">
+              <a:lnSpc>
+                <a:spcPct val="150000"/>
+              </a:lnSpc>
+              <a:defRPr/>
+            </a:pPr>
+            <a:r>
+              <a:rPr lang="en-US" altLang="ko-KR" sz="500">
+                <a:solidFill>
+                  <a:prstClr val="black">
+                    <a:lumMod val="65000"/>
+                    <a:lumOff val="35000"/>
+                  </a:prstClr>
+                </a:solidFill>
+              </a:rPr>
+              <a:t>CONTENTS A</a:t>
+            </a:r>
+            <a:endParaRPr lang="en-US" altLang="ko-KR" sz="500">
+              <a:solidFill>
+                <a:prstClr val="black">
+                  <a:lumMod val="65000"/>
+                  <a:lumOff val="35000"/>
+                </a:prstClr>
+              </a:solidFill>
+            </a:endParaRPr>
+          </a:p>
+        </p:txBody>
+      </p:sp>
+      <p:sp>
+        <p:nvSpPr>
+          <p:cNvPr id="40" name="원호 39"/>
+          <p:cNvSpPr/>
+          <p:nvPr/>
+        </p:nvSpPr>
+        <p:spPr>
+          <a:xfrm>
+            <a:off x="9861291" y="4757071"/>
+            <a:ext cx="999674" cy="999674"/>
+          </a:xfrm>
+          <a:prstGeom prst="arc">
+            <a:avLst>
+              <a:gd name="adj1" fmla="val 15062241"/>
+              <a:gd name="adj2" fmla="val 10686441"/>
+            </a:avLst>
+          </a:prstGeom>
+          <a:noFill/>
+          <a:ln w="25400" cap="rnd">
+            <a:solidFill>
+              <a:srgbClr val="ffb5b6"/>
+            </a:solidFill>
+            <a:miter/>
+          </a:ln>
+          <a:effectLst/>
+        </p:spPr>
+        <p:style>
+          <a:lnRef idx="1">
+            <a:schemeClr val="accent1"/>
+          </a:lnRef>
+          <a:fillRef idx="0">
+            <a:schemeClr val="accent1"/>
+          </a:fillRef>
+          <a:effectRef idx="0">
+            <a:schemeClr val="accent1"/>
+          </a:effectRef>
+          <a:fontRef idx="minor">
+            <a:schemeClr val="tx1"/>
+          </a:fontRef>
+        </p:style>
+        <p:txBody>
+          <a:bodyPr anchor="ctr"/>
+          <a:lstStyle/>
+          <a:p>
+            <a:pPr algn="ctr">
+              <a:defRPr/>
+            </a:pPr>
+            <a:endParaRPr lang="ko-KR" altLang="en-US">
+              <a:solidFill>
+                <a:prstClr val="black">
+                  <a:lumMod val="65000"/>
+                  <a:lumOff val="35000"/>
+                </a:prstClr>
+              </a:solidFill>
+            </a:endParaRPr>
+          </a:p>
+        </p:txBody>
+      </p:sp>
+      <p:sp>
+        <p:nvSpPr>
+          <p:cNvPr id="41" name="원호 40"/>
+          <p:cNvSpPr/>
+          <p:nvPr/>
+        </p:nvSpPr>
+        <p:spPr>
+          <a:xfrm>
+            <a:off x="9888609" y="4784389"/>
+            <a:ext cx="945038" cy="945038"/>
+          </a:xfrm>
+          <a:prstGeom prst="arc">
+            <a:avLst>
+              <a:gd name="adj1" fmla="val 16200000"/>
+              <a:gd name="adj2" fmla="val 8777927"/>
+            </a:avLst>
+          </a:prstGeom>
+          <a:solidFill>
+            <a:srgbClr val="fbb9b9">
+              <a:alpha val="63000"/>
+            </a:srgbClr>
+          </a:solidFill>
+          <a:ln w="53975" cap="rnd">
+            <a:noFill/>
+            <a:miter/>
+          </a:ln>
+          <a:effectLst/>
+        </p:spPr>
+        <p:style>
+          <a:lnRef idx="1">
+            <a:schemeClr val="accent1"/>
+          </a:lnRef>
+          <a:fillRef idx="0">
+            <a:schemeClr val="accent1"/>
+          </a:fillRef>
+          <a:effectRef idx="0">
+            <a:schemeClr val="accent1"/>
+          </a:effectRef>
+          <a:fontRef idx="minor">
+            <a:schemeClr val="tx1"/>
+          </a:fontRef>
+        </p:style>
+        <p:txBody>
+          <a:bodyPr anchor="ctr"/>
+          <a:lstStyle/>
+          <a:p>
+            <a:pPr algn="ctr">
+              <a:defRPr/>
+            </a:pPr>
+            <a:endParaRPr lang="ko-KR" altLang="en-US">
+              <a:solidFill>
+                <a:prstClr val="black">
+                  <a:lumMod val="65000"/>
+                  <a:lumOff val="35000"/>
+                </a:prstClr>
+              </a:solidFill>
+            </a:endParaRPr>
+          </a:p>
+        </p:txBody>
+      </p:sp>
+      <p:sp>
+        <p:nvSpPr>
+          <p:cNvPr id="42" name="TextBox 41"/>
+          <p:cNvSpPr txBox="1"/>
+          <p:nvPr/>
+        </p:nvSpPr>
+        <p:spPr>
+          <a:xfrm>
+            <a:off x="9530979" y="4708925"/>
+            <a:ext cx="725856" cy="515526"/>
+          </a:xfrm>
+          <a:prstGeom prst="rect">
+            <a:avLst/>
+          </a:prstGeom>
+          <a:noFill/>
+        </p:spPr>
+        <p:txBody>
+          <a:bodyPr wrap="square" anchor="ctr">
+            <a:spAutoFit/>
+          </a:bodyPr>
+          <a:lstStyle/>
+          <a:p>
+            <a:pPr algn="ctr">
+              <a:defRPr/>
+            </a:pPr>
+            <a:r>
+              <a:rPr lang="en-US" altLang="ko-KR" sz="2000" b="1">
+                <a:solidFill>
+                  <a:prstClr val="black">
+                    <a:lumMod val="65000"/>
+                    <a:lumOff val="35000"/>
+                  </a:prstClr>
+                </a:solidFill>
+              </a:rPr>
+              <a:t>65</a:t>
+            </a:r>
+            <a:r>
+              <a:rPr lang="en-US" altLang="ko-KR" sz="1200" b="1">
+                <a:solidFill>
+                  <a:prstClr val="black">
+                    <a:lumMod val="65000"/>
+                    <a:lumOff val="35000"/>
+                  </a:prstClr>
+                </a:solidFill>
+              </a:rPr>
+              <a:t>%</a:t>
+            </a:r>
+            <a:endParaRPr lang="en-US" altLang="ko-KR" sz="1200" b="1">
+              <a:solidFill>
+                <a:prstClr val="black">
+                  <a:lumMod val="65000"/>
+                  <a:lumOff val="35000"/>
+                </a:prstClr>
+              </a:solidFill>
+            </a:endParaRPr>
+          </a:p>
+          <a:p>
+            <a:pPr algn="ctr">
+              <a:lnSpc>
+                <a:spcPct val="150000"/>
+              </a:lnSpc>
+              <a:defRPr/>
+            </a:pPr>
+            <a:r>
+              <a:rPr lang="en-US" altLang="ko-KR" sz="500">
+                <a:solidFill>
+                  <a:prstClr val="black">
+                    <a:lumMod val="65000"/>
+                    <a:lumOff val="35000"/>
+                  </a:prstClr>
+                </a:solidFill>
+              </a:rPr>
+              <a:t>CONTENTS A</a:t>
+            </a:r>
+            <a:endParaRPr lang="en-US" altLang="ko-KR" sz="500">
+              <a:solidFill>
+                <a:prstClr val="black">
+                  <a:lumMod val="65000"/>
+                  <a:lumOff val="35000"/>
+                </a:prstClr>
+              </a:solidFill>
+            </a:endParaRPr>
+          </a:p>
+        </p:txBody>
+      </p:sp>
+    </p:spTree>
+  </p:cSld>
+  <p:clrMapOvr>
+    <a:masterClrMapping/>
+  </p:clrMapOvr>
+  <mc:AlternateContent xmlns:mc="http://schemas.openxmlformats.org/markup-compatibility/2006">
+    <mc:Choice xmlns:p14="http://schemas.microsoft.com/office/powerpoint/2010/main" Requires="p14">
+      <p:transition xmlns:mc="http://schemas.openxmlformats.org/markup-compatibility/2006" xmlns:p14="http://schemas.microsoft.com/office/powerpoint/2010/main" mc:Ignorable="p14" p14:dur="500"/>
+    </mc:Choice>
+    <mc:Fallback>
+      <p:transition/>
+    </mc:Fallback>
+  </mc:AlternateContent>
+</p:sld>
+</file>
+
+<file path=ppt/slides/slide18.xml><?xml version="1.0" encoding="utf-8"?>
 <p:sld xmlns:a="http://schemas.openxmlformats.org/drawingml/2006/main" xmlns:r="http://schemas.openxmlformats.org/officeDocument/2006/relationships" xmlns:p="http://schemas.openxmlformats.org/presentationml/2006/main">
   <p:cSld>
     <p:spTree>
@@ -28839,7 +30029,13 @@
               </a:rPr>
               <a:t> 방대하지만 정돈되지 않은 데이터에 관하여</a:t>
             </a:r>
-            <a:endParaRPr lang="en-US" altLang="ko-KR" sz="1200"/>
+            <a:endParaRPr lang="ko-KR" altLang="en-US" sz="1200">
+              <a:solidFill>
+                <a:schemeClr val="accent3"/>
+              </a:solidFill>
+              <a:latin typeface="나눔스퀘어라운드 Bold"/>
+              <a:ea typeface="나눔스퀘어라운드 Bold"/>
+            </a:endParaRPr>
           </a:p>
           <a:p>
             <a:pPr>
@@ -28857,7 +30053,7 @@
         </p:nvSpPr>
         <p:spPr>
           <a:xfrm>
-            <a:off x="6248400" y="3653518"/>
+            <a:off x="6248400" y="3805918"/>
             <a:ext cx="5143500" cy="1404750"/>
           </a:xfrm>
           <a:prstGeom prst="rect">
@@ -29063,8 +30259,8 @@
         </p:nvSpPr>
         <p:spPr>
           <a:xfrm>
-            <a:off x="6248400" y="4967478"/>
-            <a:ext cx="5143500" cy="1403900"/>
+            <a:off x="6248400" y="5224653"/>
+            <a:ext cx="5143500" cy="1031367"/>
           </a:xfrm>
           <a:prstGeom prst="rect">
             <a:avLst/>
@@ -29101,69 +30297,7 @@
                 <a:latin typeface="나눔스퀘어라운드 Bold"/>
                 <a:ea typeface="나눔스퀘어라운드 Bold"/>
               </a:rPr>
-              <a:t>- Github</a:t>
-            </a:r>
-            <a:r>
-              <a:rPr lang="ko-KR" altLang="en-US" sz="1200">
-                <a:solidFill>
-                  <a:schemeClr val="accent3"/>
-                </a:solidFill>
-                <a:latin typeface="나눔스퀘어라운드 Bold"/>
-                <a:ea typeface="나눔스퀘어라운드 Bold"/>
-              </a:rPr>
-              <a:t>를 활용한 공동 작업</a:t>
-            </a:r>
-            <a:endParaRPr lang="ko-KR" altLang="en-US" sz="1200">
-              <a:solidFill>
-                <a:schemeClr val="accent3"/>
-              </a:solidFill>
-              <a:latin typeface="나눔스퀘어라운드 Bold"/>
-              <a:ea typeface="나눔스퀘어라운드 Bold"/>
-            </a:endParaRPr>
-          </a:p>
-          <a:p>
-            <a:pPr>
-              <a:defRPr/>
-            </a:pPr>
-            <a:r>
-              <a:rPr lang="ko-KR" altLang="en-US" sz="1200">
-                <a:solidFill>
-                  <a:schemeClr val="accent3"/>
-                </a:solidFill>
-                <a:latin typeface="나눔스퀘어라운드 Bold"/>
-                <a:ea typeface="나눔스퀘어라운드 Bold"/>
-              </a:rPr>
-              <a:t>	</a:t>
-            </a:r>
-            <a:r>
-              <a:rPr lang="en-US" altLang="ko-KR" sz="1200">
-                <a:solidFill>
-                  <a:schemeClr val="accent3"/>
-                </a:solidFill>
-                <a:latin typeface="나눔스퀘어라운드 Bold"/>
-                <a:ea typeface="나눔스퀘어라운드 Bold"/>
-              </a:rPr>
-              <a:t>-</a:t>
-            </a:r>
-            <a:r>
-              <a:rPr lang="ko-KR" altLang="en-US" sz="1200">
-                <a:solidFill>
-                  <a:schemeClr val="accent3"/>
-                </a:solidFill>
-                <a:latin typeface="나눔스퀘어라운드 Bold"/>
-                <a:ea typeface="나눔스퀘어라운드 Bold"/>
-              </a:rPr>
-              <a:t> 동적 </a:t>
-            </a:r>
-            <a:r>
-              <a:rPr lang="en-US" altLang="ko-KR" sz="1200">
-                <a:solidFill>
-                  <a:schemeClr val="accent3"/>
-                </a:solidFill>
-                <a:latin typeface="나눔스퀘어라운드 Bold"/>
-                <a:ea typeface="나눔스퀘어라운드 Bold"/>
-              </a:rPr>
-              <a:t>Crawler</a:t>
+              <a:t>- Modularized System</a:t>
             </a:r>
             <a:endParaRPr lang="en-US" altLang="ko-KR" sz="1200">
               <a:solidFill>
@@ -29177,68 +30311,6 @@
             <a:pPr>
               <a:defRPr/>
             </a:pPr>
-            <a:r>
-              <a:rPr lang="ko-KR" altLang="en-US" sz="1200">
-                <a:solidFill>
-                  <a:schemeClr val="accent3"/>
-                </a:solidFill>
-                <a:latin typeface="나눔스퀘어라운드 Bold"/>
-                <a:ea typeface="나눔스퀘어라운드 Bold"/>
-              </a:rPr>
-              <a:t>	</a:t>
-            </a:r>
-            <a:r>
-              <a:rPr lang="en-US" altLang="ko-KR" sz="1200">
-                <a:solidFill>
-                  <a:schemeClr val="accent3"/>
-                </a:solidFill>
-                <a:latin typeface="나눔스퀘어라운드 Bold"/>
-                <a:ea typeface="나눔스퀘어라운드 Bold"/>
-              </a:rPr>
-              <a:t>-</a:t>
-            </a:r>
-            <a:r>
-              <a:rPr lang="ko-KR" altLang="en-US" sz="1200">
-                <a:solidFill>
-                  <a:schemeClr val="accent3"/>
-                </a:solidFill>
-                <a:latin typeface="나눔스퀘어라운드 Bold"/>
-                <a:ea typeface="나눔스퀘어라운드 Bold"/>
-              </a:rPr>
-              <a:t> </a:t>
-            </a:r>
-            <a:r>
-              <a:rPr lang="en-US" altLang="ko-KR" sz="1200">
-                <a:solidFill>
-                  <a:schemeClr val="accent3"/>
-                </a:solidFill>
-                <a:latin typeface="나눔스퀘어라운드 Bold"/>
-                <a:ea typeface="나눔스퀘어라운드 Bold"/>
-              </a:rPr>
-              <a:t>Text Mining &amp; Machine, Deap  Learning</a:t>
-            </a:r>
-            <a:endParaRPr lang="en-US" altLang="ko-KR" sz="1200">
-              <a:solidFill>
-                <a:schemeClr val="accent3"/>
-              </a:solidFill>
-              <a:latin typeface="나눔스퀘어라운드 Bold"/>
-              <a:ea typeface="나눔스퀘어라운드 Bold"/>
-            </a:endParaRPr>
-          </a:p>
-          <a:p>
-            <a:pPr>
-              <a:defRPr/>
-            </a:pPr>
-            <a:r>
-              <a:rPr lang="en-US" altLang="ko-KR" sz="1200">
-                <a:solidFill>
-                  <a:schemeClr val="accent3"/>
-                </a:solidFill>
-                <a:latin typeface="나눔스퀘어라운드 Bold"/>
-                <a:ea typeface="나눔스퀘어라운드 Bold"/>
-              </a:rPr>
-              <a:t>	- Web Site &amp; Recommandation System</a:t>
-            </a:r>
             <a:endParaRPr lang="en-US" altLang="ko-KR" sz="1200">
               <a:solidFill>
                 <a:schemeClr val="accent3"/>
@@ -31100,7 +32172,7 @@
                 <a:latin typeface="나눔스퀘어라운드 Bold"/>
                 <a:ea typeface="나눔스퀘어라운드 Bold"/>
               </a:rPr>
-              <a:t>너무 많기에 읽기 힘든 리뷰들</a:t>
+              <a:t>너무 많아 읽기 힘든 리뷰들</a:t>
             </a:r>
             <a:r>
               <a:rPr lang="en-US" altLang="ko-KR" sz="2100">
@@ -31429,21 +32501,30 @@
                             </p:childTnLst>
                           </p:cTn>
                         </p:par>
+                      </p:childTnLst>
+                    </p:cTn>
+                  </p:par>
+                  <p:par>
+                    <p:cTn id="7" fill="hold">
+                      <p:stCondLst>
+                        <p:cond delay="indefinite"/>
+                      </p:stCondLst>
+                      <p:childTnLst>
                         <p:par>
-                          <p:cTn id="7" fill="hold">
+                          <p:cTn id="8" fill="hold">
                             <p:stCondLst>
-                              <p:cond delay="1"/>
+                              <p:cond delay="0"/>
                             </p:stCondLst>
                             <p:childTnLst>
                               <p:par>
-                                <p:cTn id="8" presetID="1" presetClass="entr" presetSubtype="0" fill="hold" grpId="1" nodeType="afterEffect">
+                                <p:cTn id="9" presetID="1" presetClass="entr" presetSubtype="0" fill="hold" grpId="1" nodeType="clickEffect">
                                   <p:stCondLst>
-                                    <p:cond delay="1000"/>
+                                    <p:cond delay="0"/>
                                   </p:stCondLst>
                                   <p:childTnLst>
                                     <p:set>
                                       <p:cBhvr>
-                                        <p:cTn id="9" dur="1" fill="hold">
+                                        <p:cTn id="10" dur="1" fill="hold">
                                           <p:stCondLst>
                                             <p:cond delay="0"/>
                                           </p:stCondLst>
@@ -31469,26 +32550,26 @@
                     </p:cTn>
                   </p:par>
                   <p:par>
-                    <p:cTn id="10" fill="hold">
+                    <p:cTn id="11" fill="hold">
                       <p:stCondLst>
                         <p:cond delay="indefinite"/>
                       </p:stCondLst>
                       <p:childTnLst>
                         <p:par>
-                          <p:cTn id="11" fill="hold">
+                          <p:cTn id="12" fill="hold">
                             <p:stCondLst>
                               <p:cond delay="0"/>
                             </p:stCondLst>
                             <p:childTnLst>
                               <p:par>
-                                <p:cTn id="12" presetID="22" presetClass="entr" presetSubtype="4" fill="hold" grpId="2" nodeType="clickEffect">
+                                <p:cTn id="13" presetID="22" presetClass="entr" presetSubtype="8" fill="hold" grpId="2" nodeType="clickEffect">
                                   <p:stCondLst>
                                     <p:cond delay="0"/>
                                   </p:stCondLst>
                                   <p:childTnLst>
                                     <p:set>
                                       <p:cBhvr>
-                                        <p:cTn id="13" dur="1" fill="hold">
+                                        <p:cTn id="14" dur="1" fill="hold">
                                           <p:stCondLst>
                                             <p:cond delay="0"/>
                                           </p:stCondLst>
@@ -31504,9 +32585,9 @@
                                         <p:strVal val="visible"/>
                                       </p:to>
                                     </p:set>
-                                    <p:animEffect transition="in" filter="wipe(down)">
+                                    <p:animEffect transition="in" filter="wipe(left)">
                                       <p:cBhvr>
-                                        <p:cTn id="14" dur="500"/>
+                                        <p:cTn id="15" dur="500"/>
                                         <p:tgtEl>
                                           <p:spTgt spid="81"/>
                                         </p:tgtEl>
@@ -31522,26 +32603,26 @@
                     </p:cTn>
                   </p:par>
                   <p:par>
-                    <p:cTn id="15" fill="hold">
+                    <p:cTn id="16" fill="hold">
                       <p:stCondLst>
                         <p:cond delay="indefinite"/>
                       </p:stCondLst>
                       <p:childTnLst>
                         <p:par>
-                          <p:cTn id="16" fill="hold">
+                          <p:cTn id="17" fill="hold">
                             <p:stCondLst>
                               <p:cond delay="0"/>
                             </p:stCondLst>
                             <p:childTnLst>
                               <p:par>
-                                <p:cTn id="17" presetID="1" presetClass="entr" presetSubtype="0" fill="hold" nodeType="clickEffect">
+                                <p:cTn id="18" presetID="1" presetClass="entr" presetSubtype="0" fill="hold" nodeType="clickEffect">
                                   <p:stCondLst>
                                     <p:cond delay="0"/>
                                   </p:stCondLst>
                                   <p:childTnLst>
                                     <p:set>
                                       <p:cBhvr>
-                                        <p:cTn id="18" dur="1" fill="hold">
+                                        <p:cTn id="19" dur="1" fill="hold">
                                           <p:stCondLst>
                                             <p:cond delay="0"/>
                                           </p:stCondLst>
@@ -31561,14 +32642,14 @@
                                 </p:cTn>
                               </p:par>
                               <p:par>
-                                <p:cTn id="19" presetID="1" presetClass="entr" presetSubtype="0" fill="hold" grpId="3" nodeType="withEffect">
+                                <p:cTn id="20" presetID="1" presetClass="entr" presetSubtype="0" fill="hold" grpId="3" nodeType="withEffect">
                                   <p:stCondLst>
                                     <p:cond delay="0"/>
                                   </p:stCondLst>
                                   <p:childTnLst>
                                     <p:set>
                                       <p:cBhvr>
-                                        <p:cTn id="20" dur="1" fill="hold">
+                                        <p:cTn id="21" dur="1" fill="hold">
                                           <p:stCondLst>
                                             <p:cond delay="0"/>
                                           </p:stCondLst>
@@ -31588,14 +32669,14 @@
                                 </p:cTn>
                               </p:par>
                               <p:par>
-                                <p:cTn id="21" presetID="1" presetClass="entr" presetSubtype="0" fill="hold" grpId="4" nodeType="withEffect">
+                                <p:cTn id="22" presetID="1" presetClass="entr" presetSubtype="0" fill="hold" grpId="4" nodeType="withEffect">
                                   <p:stCondLst>
                                     <p:cond delay="0"/>
                                   </p:stCondLst>
                                   <p:childTnLst>
                                     <p:set>
                                       <p:cBhvr>
-                                        <p:cTn id="22" dur="1" fill="hold">
+                                        <p:cTn id="23" dur="1" fill="hold">
                                           <p:stCondLst>
                                             <p:cond delay="0"/>
                                           </p:stCondLst>
@@ -31753,12 +32834,12 @@
                 <a:t>How to make TRAS </a:t>
               </a:r>
               <a:r>
-                <a:rPr lang="en-US" altLang="ko-KR" sz="1700" b="1" kern="0">
+                <a:rPr lang="en-US" altLang="ko-KR" sz="1600" b="1" kern="0">
                   <a:solidFill>
-                    <a:schemeClr val="lt1"/>
+                    <a:srgbClr val="f2f2f2"/>
                   </a:solidFill>
-                  <a:latin typeface="나눔스퀘어라운드 ExtraBold"/>
-                  <a:ea typeface="나눔스퀘어라운드 ExtraBold"/>
+                  <a:latin typeface="나눔스퀘어라운드 Regular"/>
+                  <a:ea typeface="나눔스퀘어라운드 Regular"/>
                 </a:rPr>
                 <a:t>GitHub</a:t>
               </a:r>
@@ -34285,16 +35366,9 @@
                 <a:latin typeface="나눔스퀘어라운드 Bold"/>
                 <a:ea typeface="나눔스퀘어라운드 Bold"/>
               </a:rPr>
-              <a:t>협업툴로 파이썬을 채택</a:t>
+              <a:t>협업툴로 파이썬을 채택하여 다양한 라이브러리 사용</a:t>
             </a:r>
-            <a:r>
-              <a:rPr lang="en-US" altLang="ko-KR">
-                <a:latin typeface="나눔스퀘어라운드 Bold"/>
-                <a:ea typeface="나눔스퀘어라운드 Bold"/>
-              </a:rPr>
-              <a:t>.....</a:t>
-            </a:r>
-            <a:endParaRPr lang="en-US" altLang="ko-KR">
+            <a:endParaRPr lang="ko-KR" altLang="en-US">
               <a:latin typeface="나눔스퀘어라운드 Bold"/>
               <a:ea typeface="나눔스퀘어라운드 Bold"/>
             </a:endParaRPr>
@@ -34385,9 +35459,9 @@
         <p:grpSpPr>
           <a:xfrm rot="0">
             <a:off x="464457" y="391886"/>
-            <a:ext cx="11350172" cy="6466115"/>
+            <a:ext cx="11350172" cy="6466114"/>
             <a:chOff x="464457" y="391886"/>
-            <a:chExt cx="11350172" cy="6466115"/>
+            <a:chExt cx="11350172" cy="6466114"/>
           </a:xfrm>
         </p:grpSpPr>
         <p:sp>
@@ -34453,12 +35527,12 @@
                 <a:t>How to make TRAS </a:t>
               </a:r>
               <a:r>
-                <a:rPr lang="en-US" altLang="ko-KR" sz="1700" b="1" kern="0">
+                <a:rPr lang="en-US" altLang="ko-KR" sz="1600" b="1" kern="0">
                   <a:solidFill>
-                    <a:schemeClr val="lt1"/>
+                    <a:srgbClr val="f2f2f2"/>
                   </a:solidFill>
-                  <a:latin typeface="나눔스퀘어라운드 ExtraBold"/>
-                  <a:ea typeface="나눔스퀘어라운드 ExtraBold"/>
+                  <a:latin typeface="나눔스퀘어라운드 Regular"/>
+                  <a:ea typeface="나눔스퀘어라운드 Regular"/>
                 </a:rPr>
                 <a:t>Crawler</a:t>
               </a:r>
@@ -34478,63 +35552,6 @@
                 </a:solidFill>
                 <a:latin typeface="나눔스퀘어라운드 ExtraBold"/>
                 <a:ea typeface="나눔스퀘어라운드 ExtraBold"/>
-              </a:endParaRPr>
-            </a:p>
-          </p:txBody>
-        </p:sp>
-        <p:sp>
-          <p:nvSpPr>
-            <p:cNvPr id="6" name="양쪽 모서리가 둥근 사각형 5"/>
-            <p:cNvSpPr/>
-            <p:nvPr/>
-          </p:nvSpPr>
-          <p:spPr>
-            <a:xfrm>
-              <a:off x="464457" y="1320801"/>
-              <a:ext cx="11350172" cy="5537200"/>
-            </a:xfrm>
-            <a:prstGeom prst="round2SameRect">
-              <a:avLst>
-                <a:gd name="adj1" fmla="val 6572"/>
-                <a:gd name="adj2" fmla="val 0"/>
-              </a:avLst>
-            </a:prstGeom>
-            <a:solidFill>
-              <a:schemeClr val="bg1"/>
-            </a:solidFill>
-            <a:ln w="22225">
-              <a:solidFill>
-                <a:schemeClr val="bg1"/>
-              </a:solidFill>
-            </a:ln>
-          </p:spPr>
-          <p:style>
-            <a:lnRef idx="2">
-              <a:schemeClr val="accent1">
-                <a:shade val="50000"/>
-              </a:schemeClr>
-            </a:lnRef>
-            <a:fillRef idx="1">
-              <a:schemeClr val="accent1"/>
-            </a:fillRef>
-            <a:effectRef idx="0">
-              <a:schemeClr val="accent1"/>
-            </a:effectRef>
-            <a:fontRef idx="minor">
-              <a:schemeClr val="lt1"/>
-            </a:fontRef>
-          </p:style>
-          <p:txBody>
-            <a:bodyPr anchor="ctr"/>
-            <a:lstStyle/>
-            <a:p>
-              <a:pPr algn="ctr">
-                <a:defRPr/>
-              </a:pPr>
-              <a:endParaRPr lang="ko-KR" altLang="en-US">
-                <a:solidFill>
-                  <a:prstClr val="white"/>
-                </a:solidFill>
               </a:endParaRPr>
             </a:p>
           </p:txBody>
@@ -34851,1862 +35868,6 @@
           </p:txBody>
         </p:sp>
       </p:grpSp>
-      <p:sp>
-        <p:nvSpPr>
-          <p:cNvPr id="44" name="Freeform 11"/>
-          <p:cNvSpPr>
-            <a:spLocks noEditPoints="1"/>
-          </p:cNvSpPr>
-          <p:nvPr/>
-        </p:nvSpPr>
-        <p:spPr>
-          <a:xfrm flipH="1">
-            <a:off x="2421365" y="2986152"/>
-            <a:ext cx="214826" cy="263746"/>
-          </a:xfrm>
-          <a:custGeom>
-            <a:avLst/>
-            <a:gdLst>
-              <a:gd name="T0" fmla="*/ 1930 w 2831"/>
-              <a:gd name="T1" fmla="*/ 2787 h 3472"/>
-              <a:gd name="T2" fmla="*/ 1791 w 2831"/>
-              <a:gd name="T3" fmla="*/ 2855 h 3472"/>
-              <a:gd name="T4" fmla="*/ 2114 w 2831"/>
-              <a:gd name="T5" fmla="*/ 3172 h 3472"/>
-              <a:gd name="T6" fmla="*/ 2628 w 2831"/>
-              <a:gd name="T7" fmla="*/ 2656 h 3472"/>
-              <a:gd name="T8" fmla="*/ 2538 w 2831"/>
-              <a:gd name="T9" fmla="*/ 2529 h 3472"/>
-              <a:gd name="T10" fmla="*/ 1440 w 2831"/>
-              <a:gd name="T11" fmla="*/ 2529 h 3472"/>
-              <a:gd name="T12" fmla="*/ 914 w 2831"/>
-              <a:gd name="T13" fmla="*/ 2569 h 3472"/>
-              <a:gd name="T14" fmla="*/ 928 w 2831"/>
-              <a:gd name="T15" fmla="*/ 2433 h 3472"/>
-              <a:gd name="T16" fmla="*/ 807 w 2831"/>
-              <a:gd name="T17" fmla="*/ 2382 h 3472"/>
-              <a:gd name="T18" fmla="*/ 439 w 2831"/>
-              <a:gd name="T19" fmla="*/ 2514 h 3472"/>
-              <a:gd name="T20" fmla="*/ 470 w 2831"/>
-              <a:gd name="T21" fmla="*/ 2433 h 3472"/>
-              <a:gd name="T22" fmla="*/ 2186 w 2831"/>
-              <a:gd name="T23" fmla="*/ 2182 h 3472"/>
-              <a:gd name="T24" fmla="*/ 2642 w 2831"/>
-              <a:gd name="T25" fmla="*/ 2371 h 3472"/>
-              <a:gd name="T26" fmla="*/ 2831 w 2831"/>
-              <a:gd name="T27" fmla="*/ 2827 h 3472"/>
-              <a:gd name="T28" fmla="*/ 2642 w 2831"/>
-              <a:gd name="T29" fmla="*/ 3283 h 3472"/>
-              <a:gd name="T30" fmla="*/ 2186 w 2831"/>
-              <a:gd name="T31" fmla="*/ 3472 h 3472"/>
-              <a:gd name="T32" fmla="*/ 1729 w 2831"/>
-              <a:gd name="T33" fmla="*/ 3283 h 3472"/>
-              <a:gd name="T34" fmla="*/ 1540 w 2831"/>
-              <a:gd name="T35" fmla="*/ 2827 h 3472"/>
-              <a:gd name="T36" fmla="*/ 1729 w 2831"/>
-              <a:gd name="T37" fmla="*/ 2371 h 3472"/>
-              <a:gd name="T38" fmla="*/ 2186 w 2831"/>
-              <a:gd name="T39" fmla="*/ 2182 h 3472"/>
-              <a:gd name="T40" fmla="*/ 1540 w 2831"/>
-              <a:gd name="T41" fmla="*/ 2083 h 3472"/>
-              <a:gd name="T42" fmla="*/ 914 w 2831"/>
-              <a:gd name="T43" fmla="*/ 2123 h 3472"/>
-              <a:gd name="T44" fmla="*/ 928 w 2831"/>
-              <a:gd name="T45" fmla="*/ 1986 h 3472"/>
-              <a:gd name="T46" fmla="*/ 807 w 2831"/>
-              <a:gd name="T47" fmla="*/ 1957 h 3472"/>
-              <a:gd name="T48" fmla="*/ 439 w 2831"/>
-              <a:gd name="T49" fmla="*/ 2088 h 3472"/>
-              <a:gd name="T50" fmla="*/ 470 w 2831"/>
-              <a:gd name="T51" fmla="*/ 2007 h 3472"/>
-              <a:gd name="T52" fmla="*/ 944 w 2831"/>
-              <a:gd name="T53" fmla="*/ 1588 h 3472"/>
-              <a:gd name="T54" fmla="*/ 1786 w 2831"/>
-              <a:gd name="T55" fmla="*/ 1702 h 3472"/>
-              <a:gd name="T56" fmla="*/ 904 w 2831"/>
-              <a:gd name="T57" fmla="*/ 1716 h 3472"/>
-              <a:gd name="T58" fmla="*/ 944 w 2831"/>
-              <a:gd name="T59" fmla="*/ 1588 h 3472"/>
-              <a:gd name="T60" fmla="*/ 800 w 2831"/>
-              <a:gd name="T61" fmla="*/ 1548 h 3472"/>
-              <a:gd name="T62" fmla="*/ 430 w 2831"/>
-              <a:gd name="T63" fmla="*/ 1656 h 3472"/>
-              <a:gd name="T64" fmla="*/ 484 w 2831"/>
-              <a:gd name="T65" fmla="*/ 1589 h 3472"/>
-              <a:gd name="T66" fmla="*/ 1738 w 2831"/>
-              <a:gd name="T67" fmla="*/ 1140 h 3472"/>
-              <a:gd name="T68" fmla="*/ 1778 w 2831"/>
-              <a:gd name="T69" fmla="*/ 1269 h 3472"/>
-              <a:gd name="T70" fmla="*/ 896 w 2831"/>
-              <a:gd name="T71" fmla="*/ 1255 h 3472"/>
-              <a:gd name="T72" fmla="*/ 769 w 2831"/>
-              <a:gd name="T73" fmla="*/ 1030 h 3472"/>
-              <a:gd name="T74" fmla="*/ 616 w 2831"/>
-              <a:gd name="T75" fmla="*/ 1312 h 3472"/>
-              <a:gd name="T76" fmla="*/ 423 w 2831"/>
-              <a:gd name="T77" fmla="*/ 1202 h 3472"/>
-              <a:gd name="T78" fmla="*/ 496 w 2831"/>
-              <a:gd name="T79" fmla="*/ 1154 h 3472"/>
-              <a:gd name="T80" fmla="*/ 548 w 2831"/>
-              <a:gd name="T81" fmla="*/ 372 h 3472"/>
-              <a:gd name="T82" fmla="*/ 681 w 2831"/>
-              <a:gd name="T83" fmla="*/ 618 h 3472"/>
-              <a:gd name="T84" fmla="*/ 1588 w 2831"/>
-              <a:gd name="T85" fmla="*/ 597 h 3472"/>
-              <a:gd name="T86" fmla="*/ 1683 w 2831"/>
-              <a:gd name="T87" fmla="*/ 347 h 3472"/>
-              <a:gd name="T88" fmla="*/ 2201 w 2831"/>
-              <a:gd name="T89" fmla="*/ 438 h 3472"/>
-              <a:gd name="T90" fmla="*/ 2118 w 2831"/>
-              <a:gd name="T91" fmla="*/ 2037 h 3472"/>
-              <a:gd name="T92" fmla="*/ 1412 w 2831"/>
-              <a:gd name="T93" fmla="*/ 3005 h 3472"/>
-              <a:gd name="T94" fmla="*/ 47 w 2831"/>
-              <a:gd name="T95" fmla="*/ 3054 h 3472"/>
-              <a:gd name="T96" fmla="*/ 21 w 2831"/>
-              <a:gd name="T97" fmla="*/ 455 h 3472"/>
-              <a:gd name="T98" fmla="*/ 1118 w 2831"/>
-              <a:gd name="T99" fmla="*/ 99 h 3472"/>
-              <a:gd name="T100" fmla="*/ 1053 w 2831"/>
-              <a:gd name="T101" fmla="*/ 211 h 3472"/>
-              <a:gd name="T102" fmla="*/ 1182 w 2831"/>
-              <a:gd name="T103" fmla="*/ 211 h 3472"/>
-              <a:gd name="T104" fmla="*/ 1118 w 2831"/>
-              <a:gd name="T105" fmla="*/ 99 h 3472"/>
-              <a:gd name="T106" fmla="*/ 1268 w 2831"/>
-              <a:gd name="T107" fmla="*/ 85 h 3472"/>
-              <a:gd name="T108" fmla="*/ 1328 w 2831"/>
-              <a:gd name="T109" fmla="*/ 238 h 3472"/>
-              <a:gd name="T110" fmla="*/ 1564 w 2831"/>
-              <a:gd name="T111" fmla="*/ 312 h 3472"/>
-              <a:gd name="T112" fmla="*/ 1547 w 2831"/>
-              <a:gd name="T113" fmla="*/ 503 h 3472"/>
-              <a:gd name="T114" fmla="*/ 711 w 2831"/>
-              <a:gd name="T115" fmla="*/ 521 h 3472"/>
-              <a:gd name="T116" fmla="*/ 657 w 2831"/>
-              <a:gd name="T117" fmla="*/ 338 h 3472"/>
-              <a:gd name="T118" fmla="*/ 889 w 2831"/>
-              <a:gd name="T119" fmla="*/ 245 h 3472"/>
-              <a:gd name="T120" fmla="*/ 954 w 2831"/>
-              <a:gd name="T121" fmla="*/ 112 h 3472"/>
-            </a:gdLst>
-            <a:cxnLst>
-              <a:cxn ang="0">
-                <a:pos x="T0" y="T1"/>
-              </a:cxn>
-              <a:cxn ang="0">
-                <a:pos x="T2" y="T3"/>
-              </a:cxn>
-              <a:cxn ang="0">
-                <a:pos x="T4" y="T5"/>
-              </a:cxn>
-              <a:cxn ang="0">
-                <a:pos x="T6" y="T7"/>
-              </a:cxn>
-              <a:cxn ang="0">
-                <a:pos x="T8" y="T9"/>
-              </a:cxn>
-              <a:cxn ang="0">
-                <a:pos x="T10" y="T11"/>
-              </a:cxn>
-              <a:cxn ang="0">
-                <a:pos x="T12" y="T13"/>
-              </a:cxn>
-              <a:cxn ang="0">
-                <a:pos x="T14" y="T15"/>
-              </a:cxn>
-              <a:cxn ang="0">
-                <a:pos x="T16" y="T17"/>
-              </a:cxn>
-              <a:cxn ang="0">
-                <a:pos x="T18" y="T19"/>
-              </a:cxn>
-              <a:cxn ang="0">
-                <a:pos x="T20" y="T21"/>
-              </a:cxn>
-              <a:cxn ang="0">
-                <a:pos x="T22" y="T23"/>
-              </a:cxn>
-              <a:cxn ang="0">
-                <a:pos x="T24" y="T25"/>
-              </a:cxn>
-              <a:cxn ang="0">
-                <a:pos x="T26" y="T27"/>
-              </a:cxn>
-              <a:cxn ang="0">
-                <a:pos x="T28" y="T29"/>
-              </a:cxn>
-              <a:cxn ang="0">
-                <a:pos x="T30" y="T31"/>
-              </a:cxn>
-              <a:cxn ang="0">
-                <a:pos x="T32" y="T33"/>
-              </a:cxn>
-              <a:cxn ang="0">
-                <a:pos x="T34" y="T35"/>
-              </a:cxn>
-              <a:cxn ang="0">
-                <a:pos x="T36" y="T37"/>
-              </a:cxn>
-              <a:cxn ang="0">
-                <a:pos x="T38" y="T39"/>
-              </a:cxn>
-              <a:cxn ang="0">
-                <a:pos x="T40" y="T41"/>
-              </a:cxn>
-              <a:cxn ang="0">
-                <a:pos x="T42" y="T43"/>
-              </a:cxn>
-              <a:cxn ang="0">
-                <a:pos x="T44" y="T45"/>
-              </a:cxn>
-              <a:cxn ang="0">
-                <a:pos x="T46" y="T47"/>
-              </a:cxn>
-              <a:cxn ang="0">
-                <a:pos x="T48" y="T49"/>
-              </a:cxn>
-              <a:cxn ang="0">
-                <a:pos x="T50" y="T51"/>
-              </a:cxn>
-              <a:cxn ang="0">
-                <a:pos x="T52" y="T53"/>
-              </a:cxn>
-              <a:cxn ang="0">
-                <a:pos x="T54" y="T55"/>
-              </a:cxn>
-              <a:cxn ang="0">
-                <a:pos x="T56" y="T57"/>
-              </a:cxn>
-              <a:cxn ang="0">
-                <a:pos x="T58" y="T59"/>
-              </a:cxn>
-              <a:cxn ang="0">
-                <a:pos x="T60" y="T61"/>
-              </a:cxn>
-              <a:cxn ang="0">
-                <a:pos x="T62" y="T63"/>
-              </a:cxn>
-              <a:cxn ang="0">
-                <a:pos x="T64" y="T65"/>
-              </a:cxn>
-              <a:cxn ang="0">
-                <a:pos x="T66" y="T67"/>
-              </a:cxn>
-              <a:cxn ang="0">
-                <a:pos x="T68" y="T69"/>
-              </a:cxn>
-              <a:cxn ang="0">
-                <a:pos x="T70" y="T71"/>
-              </a:cxn>
-              <a:cxn ang="0">
-                <a:pos x="T72" y="T73"/>
-              </a:cxn>
-              <a:cxn ang="0">
-                <a:pos x="T74" y="T75"/>
-              </a:cxn>
-              <a:cxn ang="0">
-                <a:pos x="T76" y="T77"/>
-              </a:cxn>
-              <a:cxn ang="0">
-                <a:pos x="T78" y="T79"/>
-              </a:cxn>
-              <a:cxn ang="0">
-                <a:pos x="T80" y="T81"/>
-              </a:cxn>
-              <a:cxn ang="0">
-                <a:pos x="T82" y="T83"/>
-              </a:cxn>
-              <a:cxn ang="0">
-                <a:pos x="T84" y="T85"/>
-              </a:cxn>
-              <a:cxn ang="0">
-                <a:pos x="T86" y="T87"/>
-              </a:cxn>
-              <a:cxn ang="0">
-                <a:pos x="T88" y="T89"/>
-              </a:cxn>
-              <a:cxn ang="0">
-                <a:pos x="T90" y="T91"/>
-              </a:cxn>
-              <a:cxn ang="0">
-                <a:pos x="T92" y="T93"/>
-              </a:cxn>
-              <a:cxn ang="0">
-                <a:pos x="T94" y="T95"/>
-              </a:cxn>
-              <a:cxn ang="0">
-                <a:pos x="T96" y="T97"/>
-              </a:cxn>
-              <a:cxn ang="0">
-                <a:pos x="T98" y="T99"/>
-              </a:cxn>
-              <a:cxn ang="0">
-                <a:pos x="T100" y="T101"/>
-              </a:cxn>
-              <a:cxn ang="0">
-                <a:pos x="T102" y="T103"/>
-              </a:cxn>
-              <a:cxn ang="0">
-                <a:pos x="T104" y="T105"/>
-              </a:cxn>
-              <a:cxn ang="0">
-                <a:pos x="T106" y="T107"/>
-              </a:cxn>
-              <a:cxn ang="0">
-                <a:pos x="T108" y="T109"/>
-              </a:cxn>
-              <a:cxn ang="0">
-                <a:pos x="T110" y="T111"/>
-              </a:cxn>
-              <a:cxn ang="0">
-                <a:pos x="T112" y="T113"/>
-              </a:cxn>
-              <a:cxn ang="0">
-                <a:pos x="T114" y="T115"/>
-              </a:cxn>
-              <a:cxn ang="0">
-                <a:pos x="T116" y="T117"/>
-              </a:cxn>
-              <a:cxn ang="0">
-                <a:pos x="T118" y="T119"/>
-              </a:cxn>
-              <a:cxn ang="0">
-                <a:pos x="T120" y="T121"/>
-              </a:cxn>
-            </a:cxnLst>
-            <a:rect l="0" t="0" r="r" b="b"/>
-            <a:pathLst>
-              <a:path w="2831" h="3472">
-                <a:moveTo>
-                  <a:pt x="2538" y="2529"/>
-                </a:moveTo>
-                <a:lnTo>
-                  <a:pt x="2517" y="2531"/>
-                </a:lnTo>
-                <a:lnTo>
-                  <a:pt x="2496" y="2537"/>
-                </a:lnTo>
-                <a:lnTo>
-                  <a:pt x="2476" y="2547"/>
-                </a:lnTo>
-                <a:lnTo>
-                  <a:pt x="2459" y="2563"/>
-                </a:lnTo>
-                <a:lnTo>
-                  <a:pt x="2124" y="2939"/>
-                </a:lnTo>
-                <a:lnTo>
-                  <a:pt x="1950" y="2800"/>
-                </a:lnTo>
-                <a:lnTo>
-                  <a:pt x="1930" y="2787"/>
-                </a:lnTo>
-                <a:lnTo>
-                  <a:pt x="1909" y="2780"/>
-                </a:lnTo>
-                <a:lnTo>
-                  <a:pt x="1888" y="2778"/>
-                </a:lnTo>
-                <a:lnTo>
-                  <a:pt x="1866" y="2780"/>
-                </a:lnTo>
-                <a:lnTo>
-                  <a:pt x="1845" y="2787"/>
-                </a:lnTo>
-                <a:lnTo>
-                  <a:pt x="1826" y="2799"/>
-                </a:lnTo>
-                <a:lnTo>
-                  <a:pt x="1810" y="2814"/>
-                </a:lnTo>
-                <a:lnTo>
-                  <a:pt x="1797" y="2834"/>
-                </a:lnTo>
-                <a:lnTo>
-                  <a:pt x="1791" y="2855"/>
-                </a:lnTo>
-                <a:lnTo>
-                  <a:pt x="1788" y="2876"/>
-                </a:lnTo>
-                <a:lnTo>
-                  <a:pt x="1791" y="2899"/>
-                </a:lnTo>
-                <a:lnTo>
-                  <a:pt x="1797" y="2920"/>
-                </a:lnTo>
-                <a:lnTo>
-                  <a:pt x="1809" y="2938"/>
-                </a:lnTo>
-                <a:lnTo>
-                  <a:pt x="1826" y="2954"/>
-                </a:lnTo>
-                <a:lnTo>
-                  <a:pt x="2073" y="3152"/>
-                </a:lnTo>
-                <a:lnTo>
-                  <a:pt x="2093" y="3165"/>
-                </a:lnTo>
-                <a:lnTo>
-                  <a:pt x="2114" y="3172"/>
-                </a:lnTo>
-                <a:lnTo>
-                  <a:pt x="2135" y="3174"/>
-                </a:lnTo>
-                <a:lnTo>
-                  <a:pt x="2156" y="3172"/>
-                </a:lnTo>
-                <a:lnTo>
-                  <a:pt x="2175" y="3166"/>
-                </a:lnTo>
-                <a:lnTo>
-                  <a:pt x="2194" y="3155"/>
-                </a:lnTo>
-                <a:lnTo>
-                  <a:pt x="2210" y="3142"/>
-                </a:lnTo>
-                <a:lnTo>
-                  <a:pt x="2607" y="2694"/>
-                </a:lnTo>
-                <a:lnTo>
-                  <a:pt x="2620" y="2676"/>
-                </a:lnTo>
-                <a:lnTo>
-                  <a:pt x="2628" y="2656"/>
-                </a:lnTo>
-                <a:lnTo>
-                  <a:pt x="2633" y="2633"/>
-                </a:lnTo>
-                <a:lnTo>
-                  <a:pt x="2631" y="2612"/>
-                </a:lnTo>
-                <a:lnTo>
-                  <a:pt x="2625" y="2591"/>
-                </a:lnTo>
-                <a:lnTo>
-                  <a:pt x="2615" y="2571"/>
-                </a:lnTo>
-                <a:lnTo>
-                  <a:pt x="2599" y="2555"/>
-                </a:lnTo>
-                <a:lnTo>
-                  <a:pt x="2580" y="2542"/>
-                </a:lnTo>
-                <a:lnTo>
-                  <a:pt x="2560" y="2534"/>
-                </a:lnTo>
-                <a:lnTo>
-                  <a:pt x="2538" y="2529"/>
-                </a:lnTo>
-                <a:close/>
-                <a:moveTo>
-                  <a:pt x="944" y="2430"/>
-                </a:moveTo>
-                <a:lnTo>
-                  <a:pt x="1391" y="2430"/>
-                </a:lnTo>
-                <a:lnTo>
-                  <a:pt x="1406" y="2433"/>
-                </a:lnTo>
-                <a:lnTo>
-                  <a:pt x="1420" y="2440"/>
-                </a:lnTo>
-                <a:lnTo>
-                  <a:pt x="1431" y="2450"/>
-                </a:lnTo>
-                <a:lnTo>
-                  <a:pt x="1438" y="2464"/>
-                </a:lnTo>
-                <a:lnTo>
-                  <a:pt x="1440" y="2480"/>
-                </a:lnTo>
-                <a:lnTo>
-                  <a:pt x="1440" y="2529"/>
-                </a:lnTo>
-                <a:lnTo>
-                  <a:pt x="1438" y="2545"/>
-                </a:lnTo>
-                <a:lnTo>
-                  <a:pt x="1431" y="2559"/>
-                </a:lnTo>
-                <a:lnTo>
-                  <a:pt x="1420" y="2569"/>
-                </a:lnTo>
-                <a:lnTo>
-                  <a:pt x="1406" y="2577"/>
-                </a:lnTo>
-                <a:lnTo>
-                  <a:pt x="1391" y="2579"/>
-                </a:lnTo>
-                <a:lnTo>
-                  <a:pt x="944" y="2579"/>
-                </a:lnTo>
-                <a:lnTo>
-                  <a:pt x="928" y="2577"/>
-                </a:lnTo>
-                <a:lnTo>
-                  <a:pt x="914" y="2569"/>
-                </a:lnTo>
-                <a:lnTo>
-                  <a:pt x="904" y="2559"/>
-                </a:lnTo>
-                <a:lnTo>
-                  <a:pt x="896" y="2545"/>
-                </a:lnTo>
-                <a:lnTo>
-                  <a:pt x="894" y="2529"/>
-                </a:lnTo>
-                <a:lnTo>
-                  <a:pt x="894" y="2480"/>
-                </a:lnTo>
-                <a:lnTo>
-                  <a:pt x="896" y="2464"/>
-                </a:lnTo>
-                <a:lnTo>
-                  <a:pt x="904" y="2450"/>
-                </a:lnTo>
-                <a:lnTo>
-                  <a:pt x="914" y="2440"/>
-                </a:lnTo>
-                <a:lnTo>
-                  <a:pt x="928" y="2433"/>
-                </a:lnTo>
-                <a:lnTo>
-                  <a:pt x="944" y="2430"/>
-                </a:lnTo>
-                <a:close/>
-                <a:moveTo>
-                  <a:pt x="769" y="2319"/>
-                </a:moveTo>
-                <a:lnTo>
-                  <a:pt x="783" y="2322"/>
-                </a:lnTo>
-                <a:lnTo>
-                  <a:pt x="795" y="2330"/>
-                </a:lnTo>
-                <a:lnTo>
-                  <a:pt x="805" y="2341"/>
-                </a:lnTo>
-                <a:lnTo>
-                  <a:pt x="810" y="2355"/>
-                </a:lnTo>
-                <a:lnTo>
-                  <a:pt x="810" y="2368"/>
-                </a:lnTo>
-                <a:lnTo>
-                  <a:pt x="807" y="2382"/>
-                </a:lnTo>
-                <a:lnTo>
-                  <a:pt x="800" y="2395"/>
-                </a:lnTo>
-                <a:lnTo>
-                  <a:pt x="616" y="2600"/>
-                </a:lnTo>
-                <a:lnTo>
-                  <a:pt x="606" y="2608"/>
-                </a:lnTo>
-                <a:lnTo>
-                  <a:pt x="594" y="2613"/>
-                </a:lnTo>
-                <a:lnTo>
-                  <a:pt x="581" y="2616"/>
-                </a:lnTo>
-                <a:lnTo>
-                  <a:pt x="567" y="2612"/>
-                </a:lnTo>
-                <a:lnTo>
-                  <a:pt x="553" y="2605"/>
-                </a:lnTo>
-                <a:lnTo>
-                  <a:pt x="439" y="2514"/>
-                </a:lnTo>
-                <a:lnTo>
-                  <a:pt x="430" y="2503"/>
-                </a:lnTo>
-                <a:lnTo>
-                  <a:pt x="423" y="2490"/>
-                </a:lnTo>
-                <a:lnTo>
-                  <a:pt x="422" y="2477"/>
-                </a:lnTo>
-                <a:lnTo>
-                  <a:pt x="425" y="2463"/>
-                </a:lnTo>
-                <a:lnTo>
-                  <a:pt x="432" y="2449"/>
-                </a:lnTo>
-                <a:lnTo>
-                  <a:pt x="442" y="2440"/>
-                </a:lnTo>
-                <a:lnTo>
-                  <a:pt x="456" y="2435"/>
-                </a:lnTo>
-                <a:lnTo>
-                  <a:pt x="470" y="2433"/>
-                </a:lnTo>
-                <a:lnTo>
-                  <a:pt x="484" y="2436"/>
-                </a:lnTo>
-                <a:lnTo>
-                  <a:pt x="496" y="2443"/>
-                </a:lnTo>
-                <a:lnTo>
-                  <a:pt x="576" y="2507"/>
-                </a:lnTo>
-                <a:lnTo>
-                  <a:pt x="731" y="2334"/>
-                </a:lnTo>
-                <a:lnTo>
-                  <a:pt x="742" y="2324"/>
-                </a:lnTo>
-                <a:lnTo>
-                  <a:pt x="755" y="2320"/>
-                </a:lnTo>
-                <a:lnTo>
-                  <a:pt x="769" y="2319"/>
-                </a:lnTo>
-                <a:close/>
-                <a:moveTo>
-                  <a:pt x="2186" y="2182"/>
-                </a:moveTo>
-                <a:lnTo>
-                  <a:pt x="2251" y="2185"/>
-                </a:lnTo>
-                <a:lnTo>
-                  <a:pt x="2316" y="2196"/>
-                </a:lnTo>
-                <a:lnTo>
-                  <a:pt x="2378" y="2212"/>
-                </a:lnTo>
-                <a:lnTo>
-                  <a:pt x="2437" y="2233"/>
-                </a:lnTo>
-                <a:lnTo>
-                  <a:pt x="2494" y="2260"/>
-                </a:lnTo>
-                <a:lnTo>
-                  <a:pt x="2546" y="2293"/>
-                </a:lnTo>
-                <a:lnTo>
-                  <a:pt x="2596" y="2329"/>
-                </a:lnTo>
-                <a:lnTo>
-                  <a:pt x="2642" y="2371"/>
-                </a:lnTo>
-                <a:lnTo>
-                  <a:pt x="2683" y="2417"/>
-                </a:lnTo>
-                <a:lnTo>
-                  <a:pt x="2721" y="2466"/>
-                </a:lnTo>
-                <a:lnTo>
-                  <a:pt x="2753" y="2520"/>
-                </a:lnTo>
-                <a:lnTo>
-                  <a:pt x="2780" y="2577"/>
-                </a:lnTo>
-                <a:lnTo>
-                  <a:pt x="2802" y="2636"/>
-                </a:lnTo>
-                <a:lnTo>
-                  <a:pt x="2818" y="2698"/>
-                </a:lnTo>
-                <a:lnTo>
-                  <a:pt x="2828" y="2761"/>
-                </a:lnTo>
-                <a:lnTo>
-                  <a:pt x="2831" y="2827"/>
-                </a:lnTo>
-                <a:lnTo>
-                  <a:pt x="2828" y="2893"/>
-                </a:lnTo>
-                <a:lnTo>
-                  <a:pt x="2818" y="2958"/>
-                </a:lnTo>
-                <a:lnTo>
-                  <a:pt x="2802" y="3019"/>
-                </a:lnTo>
-                <a:lnTo>
-                  <a:pt x="2780" y="3079"/>
-                </a:lnTo>
-                <a:lnTo>
-                  <a:pt x="2753" y="3134"/>
-                </a:lnTo>
-                <a:lnTo>
-                  <a:pt x="2721" y="3188"/>
-                </a:lnTo>
-                <a:lnTo>
-                  <a:pt x="2683" y="3237"/>
-                </a:lnTo>
-                <a:lnTo>
-                  <a:pt x="2642" y="3283"/>
-                </a:lnTo>
-                <a:lnTo>
-                  <a:pt x="2596" y="3325"/>
-                </a:lnTo>
-                <a:lnTo>
-                  <a:pt x="2546" y="3362"/>
-                </a:lnTo>
-                <a:lnTo>
-                  <a:pt x="2494" y="3394"/>
-                </a:lnTo>
-                <a:lnTo>
-                  <a:pt x="2437" y="3421"/>
-                </a:lnTo>
-                <a:lnTo>
-                  <a:pt x="2378" y="3443"/>
-                </a:lnTo>
-                <a:lnTo>
-                  <a:pt x="2316" y="3459"/>
-                </a:lnTo>
-                <a:lnTo>
-                  <a:pt x="2251" y="3469"/>
-                </a:lnTo>
-                <a:lnTo>
-                  <a:pt x="2186" y="3472"/>
-                </a:lnTo>
-                <a:lnTo>
-                  <a:pt x="2120" y="3469"/>
-                </a:lnTo>
-                <a:lnTo>
-                  <a:pt x="2055" y="3459"/>
-                </a:lnTo>
-                <a:lnTo>
-                  <a:pt x="1993" y="3443"/>
-                </a:lnTo>
-                <a:lnTo>
-                  <a:pt x="1934" y="3421"/>
-                </a:lnTo>
-                <a:lnTo>
-                  <a:pt x="1877" y="3394"/>
-                </a:lnTo>
-                <a:lnTo>
-                  <a:pt x="1825" y="3362"/>
-                </a:lnTo>
-                <a:lnTo>
-                  <a:pt x="1775" y="3325"/>
-                </a:lnTo>
-                <a:lnTo>
-                  <a:pt x="1729" y="3283"/>
-                </a:lnTo>
-                <a:lnTo>
-                  <a:pt x="1688" y="3237"/>
-                </a:lnTo>
-                <a:lnTo>
-                  <a:pt x="1650" y="3188"/>
-                </a:lnTo>
-                <a:lnTo>
-                  <a:pt x="1618" y="3134"/>
-                </a:lnTo>
-                <a:lnTo>
-                  <a:pt x="1591" y="3079"/>
-                </a:lnTo>
-                <a:lnTo>
-                  <a:pt x="1569" y="3019"/>
-                </a:lnTo>
-                <a:lnTo>
-                  <a:pt x="1553" y="2958"/>
-                </a:lnTo>
-                <a:lnTo>
-                  <a:pt x="1543" y="2893"/>
-                </a:lnTo>
-                <a:lnTo>
-                  <a:pt x="1540" y="2827"/>
-                </a:lnTo>
-                <a:lnTo>
-                  <a:pt x="1543" y="2761"/>
-                </a:lnTo>
-                <a:lnTo>
-                  <a:pt x="1553" y="2698"/>
-                </a:lnTo>
-                <a:lnTo>
-                  <a:pt x="1569" y="2636"/>
-                </a:lnTo>
-                <a:lnTo>
-                  <a:pt x="1591" y="2577"/>
-                </a:lnTo>
-                <a:lnTo>
-                  <a:pt x="1618" y="2520"/>
-                </a:lnTo>
-                <a:lnTo>
-                  <a:pt x="1650" y="2466"/>
-                </a:lnTo>
-                <a:lnTo>
-                  <a:pt x="1688" y="2417"/>
-                </a:lnTo>
-                <a:lnTo>
-                  <a:pt x="1729" y="2371"/>
-                </a:lnTo>
-                <a:lnTo>
-                  <a:pt x="1775" y="2329"/>
-                </a:lnTo>
-                <a:lnTo>
-                  <a:pt x="1825" y="2293"/>
-                </a:lnTo>
-                <a:lnTo>
-                  <a:pt x="1877" y="2260"/>
-                </a:lnTo>
-                <a:lnTo>
-                  <a:pt x="1934" y="2233"/>
-                </a:lnTo>
-                <a:lnTo>
-                  <a:pt x="1993" y="2212"/>
-                </a:lnTo>
-                <a:lnTo>
-                  <a:pt x="2055" y="2196"/>
-                </a:lnTo>
-                <a:lnTo>
-                  <a:pt x="2120" y="2185"/>
-                </a:lnTo>
-                <a:lnTo>
-                  <a:pt x="2186" y="2182"/>
-                </a:lnTo>
-                <a:close/>
-                <a:moveTo>
-                  <a:pt x="944" y="1984"/>
-                </a:moveTo>
-                <a:lnTo>
-                  <a:pt x="1491" y="1984"/>
-                </a:lnTo>
-                <a:lnTo>
-                  <a:pt x="1505" y="1986"/>
-                </a:lnTo>
-                <a:lnTo>
-                  <a:pt x="1519" y="1994"/>
-                </a:lnTo>
-                <a:lnTo>
-                  <a:pt x="1531" y="2004"/>
-                </a:lnTo>
-                <a:lnTo>
-                  <a:pt x="1537" y="2018"/>
-                </a:lnTo>
-                <a:lnTo>
-                  <a:pt x="1540" y="2034"/>
-                </a:lnTo>
-                <a:lnTo>
-                  <a:pt x="1540" y="2083"/>
-                </a:lnTo>
-                <a:lnTo>
-                  <a:pt x="1537" y="2099"/>
-                </a:lnTo>
-                <a:lnTo>
-                  <a:pt x="1531" y="2113"/>
-                </a:lnTo>
-                <a:lnTo>
-                  <a:pt x="1519" y="2123"/>
-                </a:lnTo>
-                <a:lnTo>
-                  <a:pt x="1505" y="2131"/>
-                </a:lnTo>
-                <a:lnTo>
-                  <a:pt x="1491" y="2133"/>
-                </a:lnTo>
-                <a:lnTo>
-                  <a:pt x="944" y="2133"/>
-                </a:lnTo>
-                <a:lnTo>
-                  <a:pt x="928" y="2131"/>
-                </a:lnTo>
-                <a:lnTo>
-                  <a:pt x="914" y="2123"/>
-                </a:lnTo>
-                <a:lnTo>
-                  <a:pt x="904" y="2113"/>
-                </a:lnTo>
-                <a:lnTo>
-                  <a:pt x="896" y="2099"/>
-                </a:lnTo>
-                <a:lnTo>
-                  <a:pt x="894" y="2083"/>
-                </a:lnTo>
-                <a:lnTo>
-                  <a:pt x="894" y="2034"/>
-                </a:lnTo>
-                <a:lnTo>
-                  <a:pt x="896" y="2018"/>
-                </a:lnTo>
-                <a:lnTo>
-                  <a:pt x="904" y="2004"/>
-                </a:lnTo>
-                <a:lnTo>
-                  <a:pt x="914" y="1994"/>
-                </a:lnTo>
-                <a:lnTo>
-                  <a:pt x="928" y="1986"/>
-                </a:lnTo>
-                <a:lnTo>
-                  <a:pt x="944" y="1984"/>
-                </a:lnTo>
-                <a:close/>
-                <a:moveTo>
-                  <a:pt x="769" y="1894"/>
-                </a:moveTo>
-                <a:lnTo>
-                  <a:pt x="783" y="1897"/>
-                </a:lnTo>
-                <a:lnTo>
-                  <a:pt x="795" y="1905"/>
-                </a:lnTo>
-                <a:lnTo>
-                  <a:pt x="805" y="1916"/>
-                </a:lnTo>
-                <a:lnTo>
-                  <a:pt x="810" y="1930"/>
-                </a:lnTo>
-                <a:lnTo>
-                  <a:pt x="810" y="1943"/>
-                </a:lnTo>
-                <a:lnTo>
-                  <a:pt x="807" y="1957"/>
-                </a:lnTo>
-                <a:lnTo>
-                  <a:pt x="800" y="1970"/>
-                </a:lnTo>
-                <a:lnTo>
-                  <a:pt x="616" y="2175"/>
-                </a:lnTo>
-                <a:lnTo>
-                  <a:pt x="606" y="2183"/>
-                </a:lnTo>
-                <a:lnTo>
-                  <a:pt x="594" y="2188"/>
-                </a:lnTo>
-                <a:lnTo>
-                  <a:pt x="581" y="2191"/>
-                </a:lnTo>
-                <a:lnTo>
-                  <a:pt x="567" y="2187"/>
-                </a:lnTo>
-                <a:lnTo>
-                  <a:pt x="553" y="2180"/>
-                </a:lnTo>
-                <a:lnTo>
-                  <a:pt x="439" y="2088"/>
-                </a:lnTo>
-                <a:lnTo>
-                  <a:pt x="430" y="2078"/>
-                </a:lnTo>
-                <a:lnTo>
-                  <a:pt x="423" y="2065"/>
-                </a:lnTo>
-                <a:lnTo>
-                  <a:pt x="422" y="2052"/>
-                </a:lnTo>
-                <a:lnTo>
-                  <a:pt x="425" y="2038"/>
-                </a:lnTo>
-                <a:lnTo>
-                  <a:pt x="432" y="2024"/>
-                </a:lnTo>
-                <a:lnTo>
-                  <a:pt x="442" y="2015"/>
-                </a:lnTo>
-                <a:lnTo>
-                  <a:pt x="456" y="2010"/>
-                </a:lnTo>
-                <a:lnTo>
-                  <a:pt x="470" y="2007"/>
-                </a:lnTo>
-                <a:lnTo>
-                  <a:pt x="484" y="2011"/>
-                </a:lnTo>
-                <a:lnTo>
-                  <a:pt x="496" y="2018"/>
-                </a:lnTo>
-                <a:lnTo>
-                  <a:pt x="576" y="2082"/>
-                </a:lnTo>
-                <a:lnTo>
-                  <a:pt x="731" y="1909"/>
-                </a:lnTo>
-                <a:lnTo>
-                  <a:pt x="742" y="1899"/>
-                </a:lnTo>
-                <a:lnTo>
-                  <a:pt x="755" y="1895"/>
-                </a:lnTo>
-                <a:lnTo>
-                  <a:pt x="769" y="1894"/>
-                </a:lnTo>
-                <a:close/>
-                <a:moveTo>
-                  <a:pt x="944" y="1588"/>
-                </a:moveTo>
-                <a:lnTo>
-                  <a:pt x="1738" y="1588"/>
-                </a:lnTo>
-                <a:lnTo>
-                  <a:pt x="1754" y="1590"/>
-                </a:lnTo>
-                <a:lnTo>
-                  <a:pt x="1768" y="1597"/>
-                </a:lnTo>
-                <a:lnTo>
-                  <a:pt x="1778" y="1608"/>
-                </a:lnTo>
-                <a:lnTo>
-                  <a:pt x="1786" y="1621"/>
-                </a:lnTo>
-                <a:lnTo>
-                  <a:pt x="1788" y="1637"/>
-                </a:lnTo>
-                <a:lnTo>
-                  <a:pt x="1788" y="1687"/>
-                </a:lnTo>
-                <a:lnTo>
-                  <a:pt x="1786" y="1702"/>
-                </a:lnTo>
-                <a:lnTo>
-                  <a:pt x="1778" y="1716"/>
-                </a:lnTo>
-                <a:lnTo>
-                  <a:pt x="1768" y="1727"/>
-                </a:lnTo>
-                <a:lnTo>
-                  <a:pt x="1754" y="1734"/>
-                </a:lnTo>
-                <a:lnTo>
-                  <a:pt x="1738" y="1736"/>
-                </a:lnTo>
-                <a:lnTo>
-                  <a:pt x="944" y="1736"/>
-                </a:lnTo>
-                <a:lnTo>
-                  <a:pt x="928" y="1734"/>
-                </a:lnTo>
-                <a:lnTo>
-                  <a:pt x="914" y="1727"/>
-                </a:lnTo>
-                <a:lnTo>
-                  <a:pt x="904" y="1716"/>
-                </a:lnTo>
-                <a:lnTo>
-                  <a:pt x="896" y="1702"/>
-                </a:lnTo>
-                <a:lnTo>
-                  <a:pt x="894" y="1687"/>
-                </a:lnTo>
-                <a:lnTo>
-                  <a:pt x="894" y="1637"/>
-                </a:lnTo>
-                <a:lnTo>
-                  <a:pt x="896" y="1621"/>
-                </a:lnTo>
-                <a:lnTo>
-                  <a:pt x="904" y="1608"/>
-                </a:lnTo>
-                <a:lnTo>
-                  <a:pt x="914" y="1597"/>
-                </a:lnTo>
-                <a:lnTo>
-                  <a:pt x="928" y="1590"/>
-                </a:lnTo>
-                <a:lnTo>
-                  <a:pt x="944" y="1588"/>
-                </a:lnTo>
-                <a:close/>
-                <a:moveTo>
-                  <a:pt x="769" y="1472"/>
-                </a:moveTo>
-                <a:lnTo>
-                  <a:pt x="783" y="1475"/>
-                </a:lnTo>
-                <a:lnTo>
-                  <a:pt x="795" y="1483"/>
-                </a:lnTo>
-                <a:lnTo>
-                  <a:pt x="805" y="1494"/>
-                </a:lnTo>
-                <a:lnTo>
-                  <a:pt x="810" y="1508"/>
-                </a:lnTo>
-                <a:lnTo>
-                  <a:pt x="810" y="1521"/>
-                </a:lnTo>
-                <a:lnTo>
-                  <a:pt x="807" y="1535"/>
-                </a:lnTo>
-                <a:lnTo>
-                  <a:pt x="800" y="1548"/>
-                </a:lnTo>
-                <a:lnTo>
-                  <a:pt x="616" y="1753"/>
-                </a:lnTo>
-                <a:lnTo>
-                  <a:pt x="606" y="1761"/>
-                </a:lnTo>
-                <a:lnTo>
-                  <a:pt x="594" y="1767"/>
-                </a:lnTo>
-                <a:lnTo>
-                  <a:pt x="581" y="1769"/>
-                </a:lnTo>
-                <a:lnTo>
-                  <a:pt x="567" y="1765"/>
-                </a:lnTo>
-                <a:lnTo>
-                  <a:pt x="553" y="1758"/>
-                </a:lnTo>
-                <a:lnTo>
-                  <a:pt x="439" y="1667"/>
-                </a:lnTo>
-                <a:lnTo>
-                  <a:pt x="430" y="1656"/>
-                </a:lnTo>
-                <a:lnTo>
-                  <a:pt x="423" y="1643"/>
-                </a:lnTo>
-                <a:lnTo>
-                  <a:pt x="422" y="1630"/>
-                </a:lnTo>
-                <a:lnTo>
-                  <a:pt x="425" y="1615"/>
-                </a:lnTo>
-                <a:lnTo>
-                  <a:pt x="432" y="1602"/>
-                </a:lnTo>
-                <a:lnTo>
-                  <a:pt x="442" y="1593"/>
-                </a:lnTo>
-                <a:lnTo>
-                  <a:pt x="456" y="1588"/>
-                </a:lnTo>
-                <a:lnTo>
-                  <a:pt x="470" y="1586"/>
-                </a:lnTo>
-                <a:lnTo>
-                  <a:pt x="484" y="1589"/>
-                </a:lnTo>
-                <a:lnTo>
-                  <a:pt x="496" y="1596"/>
-                </a:lnTo>
-                <a:lnTo>
-                  <a:pt x="576" y="1660"/>
-                </a:lnTo>
-                <a:lnTo>
-                  <a:pt x="731" y="1487"/>
-                </a:lnTo>
-                <a:lnTo>
-                  <a:pt x="742" y="1477"/>
-                </a:lnTo>
-                <a:lnTo>
-                  <a:pt x="755" y="1473"/>
-                </a:lnTo>
-                <a:lnTo>
-                  <a:pt x="769" y="1472"/>
-                </a:lnTo>
-                <a:close/>
-                <a:moveTo>
-                  <a:pt x="944" y="1140"/>
-                </a:moveTo>
-                <a:lnTo>
-                  <a:pt x="1738" y="1140"/>
-                </a:lnTo>
-                <a:lnTo>
-                  <a:pt x="1754" y="1144"/>
-                </a:lnTo>
-                <a:lnTo>
-                  <a:pt x="1768" y="1150"/>
-                </a:lnTo>
-                <a:lnTo>
-                  <a:pt x="1778" y="1162"/>
-                </a:lnTo>
-                <a:lnTo>
-                  <a:pt x="1786" y="1175"/>
-                </a:lnTo>
-                <a:lnTo>
-                  <a:pt x="1788" y="1190"/>
-                </a:lnTo>
-                <a:lnTo>
-                  <a:pt x="1788" y="1240"/>
-                </a:lnTo>
-                <a:lnTo>
-                  <a:pt x="1786" y="1255"/>
-                </a:lnTo>
-                <a:lnTo>
-                  <a:pt x="1778" y="1269"/>
-                </a:lnTo>
-                <a:lnTo>
-                  <a:pt x="1768" y="1280"/>
-                </a:lnTo>
-                <a:lnTo>
-                  <a:pt x="1754" y="1287"/>
-                </a:lnTo>
-                <a:lnTo>
-                  <a:pt x="1738" y="1290"/>
-                </a:lnTo>
-                <a:lnTo>
-                  <a:pt x="944" y="1290"/>
-                </a:lnTo>
-                <a:lnTo>
-                  <a:pt x="928" y="1287"/>
-                </a:lnTo>
-                <a:lnTo>
-                  <a:pt x="914" y="1280"/>
-                </a:lnTo>
-                <a:lnTo>
-                  <a:pt x="904" y="1269"/>
-                </a:lnTo>
-                <a:lnTo>
-                  <a:pt x="896" y="1255"/>
-                </a:lnTo>
-                <a:lnTo>
-                  <a:pt x="894" y="1240"/>
-                </a:lnTo>
-                <a:lnTo>
-                  <a:pt x="894" y="1190"/>
-                </a:lnTo>
-                <a:lnTo>
-                  <a:pt x="896" y="1175"/>
-                </a:lnTo>
-                <a:lnTo>
-                  <a:pt x="904" y="1162"/>
-                </a:lnTo>
-                <a:lnTo>
-                  <a:pt x="914" y="1150"/>
-                </a:lnTo>
-                <a:lnTo>
-                  <a:pt x="928" y="1144"/>
-                </a:lnTo>
-                <a:lnTo>
-                  <a:pt x="944" y="1140"/>
-                </a:lnTo>
-                <a:close/>
-                <a:moveTo>
-                  <a:pt x="769" y="1030"/>
-                </a:moveTo>
-                <a:lnTo>
-                  <a:pt x="783" y="1034"/>
-                </a:lnTo>
-                <a:lnTo>
-                  <a:pt x="795" y="1042"/>
-                </a:lnTo>
-                <a:lnTo>
-                  <a:pt x="805" y="1053"/>
-                </a:lnTo>
-                <a:lnTo>
-                  <a:pt x="810" y="1066"/>
-                </a:lnTo>
-                <a:lnTo>
-                  <a:pt x="810" y="1081"/>
-                </a:lnTo>
-                <a:lnTo>
-                  <a:pt x="807" y="1094"/>
-                </a:lnTo>
-                <a:lnTo>
-                  <a:pt x="800" y="1106"/>
-                </a:lnTo>
-                <a:lnTo>
-                  <a:pt x="616" y="1312"/>
-                </a:lnTo>
-                <a:lnTo>
-                  <a:pt x="606" y="1320"/>
-                </a:lnTo>
-                <a:lnTo>
-                  <a:pt x="594" y="1326"/>
-                </a:lnTo>
-                <a:lnTo>
-                  <a:pt x="581" y="1327"/>
-                </a:lnTo>
-                <a:lnTo>
-                  <a:pt x="567" y="1325"/>
-                </a:lnTo>
-                <a:lnTo>
-                  <a:pt x="553" y="1317"/>
-                </a:lnTo>
-                <a:lnTo>
-                  <a:pt x="439" y="1226"/>
-                </a:lnTo>
-                <a:lnTo>
-                  <a:pt x="430" y="1215"/>
-                </a:lnTo>
-                <a:lnTo>
-                  <a:pt x="423" y="1202"/>
-                </a:lnTo>
-                <a:lnTo>
-                  <a:pt x="422" y="1188"/>
-                </a:lnTo>
-                <a:lnTo>
-                  <a:pt x="425" y="1174"/>
-                </a:lnTo>
-                <a:lnTo>
-                  <a:pt x="432" y="1162"/>
-                </a:lnTo>
-                <a:lnTo>
-                  <a:pt x="442" y="1152"/>
-                </a:lnTo>
-                <a:lnTo>
-                  <a:pt x="456" y="1146"/>
-                </a:lnTo>
-                <a:lnTo>
-                  <a:pt x="470" y="1145"/>
-                </a:lnTo>
-                <a:lnTo>
-                  <a:pt x="484" y="1147"/>
-                </a:lnTo>
-                <a:lnTo>
-                  <a:pt x="496" y="1154"/>
-                </a:lnTo>
-                <a:lnTo>
-                  <a:pt x="576" y="1218"/>
-                </a:lnTo>
-                <a:lnTo>
-                  <a:pt x="731" y="1046"/>
-                </a:lnTo>
-                <a:lnTo>
-                  <a:pt x="742" y="1036"/>
-                </a:lnTo>
-                <a:lnTo>
-                  <a:pt x="755" y="1031"/>
-                </a:lnTo>
-                <a:lnTo>
-                  <a:pt x="769" y="1030"/>
-                </a:lnTo>
-                <a:close/>
-                <a:moveTo>
-                  <a:pt x="150" y="347"/>
-                </a:moveTo>
-                <a:lnTo>
-                  <a:pt x="552" y="347"/>
-                </a:lnTo>
-                <a:lnTo>
-                  <a:pt x="548" y="372"/>
-                </a:lnTo>
-                <a:lnTo>
-                  <a:pt x="547" y="399"/>
-                </a:lnTo>
-                <a:lnTo>
-                  <a:pt x="550" y="439"/>
-                </a:lnTo>
-                <a:lnTo>
-                  <a:pt x="559" y="477"/>
-                </a:lnTo>
-                <a:lnTo>
-                  <a:pt x="574" y="511"/>
-                </a:lnTo>
-                <a:lnTo>
-                  <a:pt x="594" y="544"/>
-                </a:lnTo>
-                <a:lnTo>
-                  <a:pt x="618" y="572"/>
-                </a:lnTo>
-                <a:lnTo>
-                  <a:pt x="648" y="598"/>
-                </a:lnTo>
-                <a:lnTo>
-                  <a:pt x="681" y="618"/>
-                </a:lnTo>
-                <a:lnTo>
-                  <a:pt x="715" y="632"/>
-                </a:lnTo>
-                <a:lnTo>
-                  <a:pt x="753" y="642"/>
-                </a:lnTo>
-                <a:lnTo>
-                  <a:pt x="793" y="645"/>
-                </a:lnTo>
-                <a:lnTo>
-                  <a:pt x="1442" y="645"/>
-                </a:lnTo>
-                <a:lnTo>
-                  <a:pt x="1482" y="642"/>
-                </a:lnTo>
-                <a:lnTo>
-                  <a:pt x="1520" y="632"/>
-                </a:lnTo>
-                <a:lnTo>
-                  <a:pt x="1555" y="618"/>
-                </a:lnTo>
-                <a:lnTo>
-                  <a:pt x="1588" y="597"/>
-                </a:lnTo>
-                <a:lnTo>
-                  <a:pt x="1616" y="572"/>
-                </a:lnTo>
-                <a:lnTo>
-                  <a:pt x="1641" y="543"/>
-                </a:lnTo>
-                <a:lnTo>
-                  <a:pt x="1661" y="510"/>
-                </a:lnTo>
-                <a:lnTo>
-                  <a:pt x="1676" y="475"/>
-                </a:lnTo>
-                <a:lnTo>
-                  <a:pt x="1686" y="436"/>
-                </a:lnTo>
-                <a:lnTo>
-                  <a:pt x="1689" y="396"/>
-                </a:lnTo>
-                <a:lnTo>
-                  <a:pt x="1688" y="371"/>
-                </a:lnTo>
-                <a:lnTo>
-                  <a:pt x="1683" y="347"/>
-                </a:lnTo>
-                <a:lnTo>
-                  <a:pt x="1987" y="347"/>
-                </a:lnTo>
-                <a:lnTo>
-                  <a:pt x="2029" y="349"/>
-                </a:lnTo>
-                <a:lnTo>
-                  <a:pt x="2067" y="356"/>
-                </a:lnTo>
-                <a:lnTo>
-                  <a:pt x="2101" y="366"/>
-                </a:lnTo>
-                <a:lnTo>
-                  <a:pt x="2132" y="379"/>
-                </a:lnTo>
-                <a:lnTo>
-                  <a:pt x="2159" y="396"/>
-                </a:lnTo>
-                <a:lnTo>
-                  <a:pt x="2182" y="416"/>
-                </a:lnTo>
-                <a:lnTo>
-                  <a:pt x="2201" y="438"/>
-                </a:lnTo>
-                <a:lnTo>
-                  <a:pt x="2215" y="462"/>
-                </a:lnTo>
-                <a:lnTo>
-                  <a:pt x="2226" y="488"/>
-                </a:lnTo>
-                <a:lnTo>
-                  <a:pt x="2233" y="517"/>
-                </a:lnTo>
-                <a:lnTo>
-                  <a:pt x="2235" y="546"/>
-                </a:lnTo>
-                <a:lnTo>
-                  <a:pt x="2235" y="2036"/>
-                </a:lnTo>
-                <a:lnTo>
-                  <a:pt x="2210" y="2035"/>
-                </a:lnTo>
-                <a:lnTo>
-                  <a:pt x="2186" y="2034"/>
-                </a:lnTo>
-                <a:lnTo>
-                  <a:pt x="2118" y="2037"/>
-                </a:lnTo>
-                <a:lnTo>
-                  <a:pt x="2051" y="2045"/>
-                </a:lnTo>
-                <a:lnTo>
-                  <a:pt x="1987" y="2060"/>
-                </a:lnTo>
-                <a:lnTo>
-                  <a:pt x="1987" y="893"/>
-                </a:lnTo>
-                <a:lnTo>
-                  <a:pt x="249" y="893"/>
-                </a:lnTo>
-                <a:lnTo>
-                  <a:pt x="249" y="2876"/>
-                </a:lnTo>
-                <a:lnTo>
-                  <a:pt x="1394" y="2876"/>
-                </a:lnTo>
-                <a:lnTo>
-                  <a:pt x="1400" y="2942"/>
-                </a:lnTo>
-                <a:lnTo>
-                  <a:pt x="1412" y="3005"/>
-                </a:lnTo>
-                <a:lnTo>
-                  <a:pt x="1429" y="3066"/>
-                </a:lnTo>
-                <a:lnTo>
-                  <a:pt x="1450" y="3125"/>
-                </a:lnTo>
-                <a:lnTo>
-                  <a:pt x="199" y="3125"/>
-                </a:lnTo>
-                <a:lnTo>
-                  <a:pt x="163" y="3122"/>
-                </a:lnTo>
-                <a:lnTo>
-                  <a:pt x="130" y="3112"/>
-                </a:lnTo>
-                <a:lnTo>
-                  <a:pt x="99" y="3097"/>
-                </a:lnTo>
-                <a:lnTo>
-                  <a:pt x="71" y="3079"/>
-                </a:lnTo>
-                <a:lnTo>
-                  <a:pt x="47" y="3054"/>
-                </a:lnTo>
-                <a:lnTo>
-                  <a:pt x="27" y="3027"/>
-                </a:lnTo>
-                <a:lnTo>
-                  <a:pt x="13" y="2995"/>
-                </a:lnTo>
-                <a:lnTo>
-                  <a:pt x="3" y="2962"/>
-                </a:lnTo>
-                <a:lnTo>
-                  <a:pt x="0" y="2926"/>
-                </a:lnTo>
-                <a:lnTo>
-                  <a:pt x="0" y="546"/>
-                </a:lnTo>
-                <a:lnTo>
-                  <a:pt x="3" y="513"/>
-                </a:lnTo>
-                <a:lnTo>
-                  <a:pt x="9" y="483"/>
-                </a:lnTo>
-                <a:lnTo>
-                  <a:pt x="21" y="455"/>
-                </a:lnTo>
-                <a:lnTo>
-                  <a:pt x="36" y="428"/>
-                </a:lnTo>
-                <a:lnTo>
-                  <a:pt x="53" y="405"/>
-                </a:lnTo>
-                <a:lnTo>
-                  <a:pt x="71" y="385"/>
-                </a:lnTo>
-                <a:lnTo>
-                  <a:pt x="91" y="369"/>
-                </a:lnTo>
-                <a:lnTo>
-                  <a:pt x="111" y="358"/>
-                </a:lnTo>
-                <a:lnTo>
-                  <a:pt x="131" y="349"/>
-                </a:lnTo>
-                <a:lnTo>
-                  <a:pt x="150" y="347"/>
-                </a:lnTo>
-                <a:close/>
-                <a:moveTo>
-                  <a:pt x="1118" y="99"/>
-                </a:moveTo>
-                <a:lnTo>
-                  <a:pt x="1098" y="102"/>
-                </a:lnTo>
-                <a:lnTo>
-                  <a:pt x="1080" y="109"/>
-                </a:lnTo>
-                <a:lnTo>
-                  <a:pt x="1065" y="121"/>
-                </a:lnTo>
-                <a:lnTo>
-                  <a:pt x="1053" y="136"/>
-                </a:lnTo>
-                <a:lnTo>
-                  <a:pt x="1046" y="154"/>
-                </a:lnTo>
-                <a:lnTo>
-                  <a:pt x="1043" y="174"/>
-                </a:lnTo>
-                <a:lnTo>
-                  <a:pt x="1046" y="194"/>
-                </a:lnTo>
-                <a:lnTo>
-                  <a:pt x="1053" y="211"/>
-                </a:lnTo>
-                <a:lnTo>
-                  <a:pt x="1065" y="226"/>
-                </a:lnTo>
-                <a:lnTo>
-                  <a:pt x="1080" y="238"/>
-                </a:lnTo>
-                <a:lnTo>
-                  <a:pt x="1098" y="245"/>
-                </a:lnTo>
-                <a:lnTo>
-                  <a:pt x="1118" y="248"/>
-                </a:lnTo>
-                <a:lnTo>
-                  <a:pt x="1138" y="245"/>
-                </a:lnTo>
-                <a:lnTo>
-                  <a:pt x="1156" y="238"/>
-                </a:lnTo>
-                <a:lnTo>
-                  <a:pt x="1170" y="226"/>
-                </a:lnTo>
-                <a:lnTo>
-                  <a:pt x="1182" y="211"/>
-                </a:lnTo>
-                <a:lnTo>
-                  <a:pt x="1189" y="194"/>
-                </a:lnTo>
-                <a:lnTo>
-                  <a:pt x="1193" y="174"/>
-                </a:lnTo>
-                <a:lnTo>
-                  <a:pt x="1189" y="154"/>
-                </a:lnTo>
-                <a:lnTo>
-                  <a:pt x="1182" y="136"/>
-                </a:lnTo>
-                <a:lnTo>
-                  <a:pt x="1170" y="121"/>
-                </a:lnTo>
-                <a:lnTo>
-                  <a:pt x="1156" y="109"/>
-                </a:lnTo>
-                <a:lnTo>
-                  <a:pt x="1138" y="102"/>
-                </a:lnTo>
-                <a:lnTo>
-                  <a:pt x="1118" y="99"/>
-                </a:lnTo>
-                <a:close/>
-                <a:moveTo>
-                  <a:pt x="1116" y="0"/>
-                </a:moveTo>
-                <a:lnTo>
-                  <a:pt x="1120" y="0"/>
-                </a:lnTo>
-                <a:lnTo>
-                  <a:pt x="1150" y="3"/>
-                </a:lnTo>
-                <a:lnTo>
-                  <a:pt x="1180" y="11"/>
-                </a:lnTo>
-                <a:lnTo>
-                  <a:pt x="1206" y="23"/>
-                </a:lnTo>
-                <a:lnTo>
-                  <a:pt x="1230" y="40"/>
-                </a:lnTo>
-                <a:lnTo>
-                  <a:pt x="1252" y="61"/>
-                </a:lnTo>
-                <a:lnTo>
-                  <a:pt x="1268" y="85"/>
-                </a:lnTo>
-                <a:lnTo>
-                  <a:pt x="1281" y="112"/>
-                </a:lnTo>
-                <a:lnTo>
-                  <a:pt x="1288" y="141"/>
-                </a:lnTo>
-                <a:lnTo>
-                  <a:pt x="1292" y="171"/>
-                </a:lnTo>
-                <a:lnTo>
-                  <a:pt x="1292" y="174"/>
-                </a:lnTo>
-                <a:lnTo>
-                  <a:pt x="1294" y="194"/>
-                </a:lnTo>
-                <a:lnTo>
-                  <a:pt x="1302" y="211"/>
-                </a:lnTo>
-                <a:lnTo>
-                  <a:pt x="1314" y="226"/>
-                </a:lnTo>
-                <a:lnTo>
-                  <a:pt x="1328" y="238"/>
-                </a:lnTo>
-                <a:lnTo>
-                  <a:pt x="1345" y="245"/>
-                </a:lnTo>
-                <a:lnTo>
-                  <a:pt x="1365" y="248"/>
-                </a:lnTo>
-                <a:lnTo>
-                  <a:pt x="1442" y="248"/>
-                </a:lnTo>
-                <a:lnTo>
-                  <a:pt x="1472" y="251"/>
-                </a:lnTo>
-                <a:lnTo>
-                  <a:pt x="1499" y="260"/>
-                </a:lnTo>
-                <a:lnTo>
-                  <a:pt x="1524" y="274"/>
-                </a:lnTo>
-                <a:lnTo>
-                  <a:pt x="1547" y="291"/>
-                </a:lnTo>
-                <a:lnTo>
-                  <a:pt x="1564" y="312"/>
-                </a:lnTo>
-                <a:lnTo>
-                  <a:pt x="1578" y="338"/>
-                </a:lnTo>
-                <a:lnTo>
-                  <a:pt x="1587" y="366"/>
-                </a:lnTo>
-                <a:lnTo>
-                  <a:pt x="1590" y="396"/>
-                </a:lnTo>
-                <a:lnTo>
-                  <a:pt x="1590" y="399"/>
-                </a:lnTo>
-                <a:lnTo>
-                  <a:pt x="1587" y="428"/>
-                </a:lnTo>
-                <a:lnTo>
-                  <a:pt x="1578" y="456"/>
-                </a:lnTo>
-                <a:lnTo>
-                  <a:pt x="1564" y="481"/>
-                </a:lnTo>
-                <a:lnTo>
-                  <a:pt x="1547" y="503"/>
-                </a:lnTo>
-                <a:lnTo>
-                  <a:pt x="1524" y="521"/>
-                </a:lnTo>
-                <a:lnTo>
-                  <a:pt x="1499" y="534"/>
-                </a:lnTo>
-                <a:lnTo>
-                  <a:pt x="1472" y="543"/>
-                </a:lnTo>
-                <a:lnTo>
-                  <a:pt x="1442" y="546"/>
-                </a:lnTo>
-                <a:lnTo>
-                  <a:pt x="793" y="546"/>
-                </a:lnTo>
-                <a:lnTo>
-                  <a:pt x="764" y="543"/>
-                </a:lnTo>
-                <a:lnTo>
-                  <a:pt x="736" y="534"/>
-                </a:lnTo>
-                <a:lnTo>
-                  <a:pt x="711" y="521"/>
-                </a:lnTo>
-                <a:lnTo>
-                  <a:pt x="689" y="503"/>
-                </a:lnTo>
-                <a:lnTo>
-                  <a:pt x="671" y="481"/>
-                </a:lnTo>
-                <a:lnTo>
-                  <a:pt x="657" y="456"/>
-                </a:lnTo>
-                <a:lnTo>
-                  <a:pt x="649" y="428"/>
-                </a:lnTo>
-                <a:lnTo>
-                  <a:pt x="646" y="399"/>
-                </a:lnTo>
-                <a:lnTo>
-                  <a:pt x="646" y="396"/>
-                </a:lnTo>
-                <a:lnTo>
-                  <a:pt x="649" y="366"/>
-                </a:lnTo>
-                <a:lnTo>
-                  <a:pt x="657" y="338"/>
-                </a:lnTo>
-                <a:lnTo>
-                  <a:pt x="671" y="312"/>
-                </a:lnTo>
-                <a:lnTo>
-                  <a:pt x="689" y="291"/>
-                </a:lnTo>
-                <a:lnTo>
-                  <a:pt x="711" y="274"/>
-                </a:lnTo>
-                <a:lnTo>
-                  <a:pt x="736" y="260"/>
-                </a:lnTo>
-                <a:lnTo>
-                  <a:pt x="764" y="251"/>
-                </a:lnTo>
-                <a:lnTo>
-                  <a:pt x="793" y="248"/>
-                </a:lnTo>
-                <a:lnTo>
-                  <a:pt x="870" y="248"/>
-                </a:lnTo>
-                <a:lnTo>
-                  <a:pt x="889" y="245"/>
-                </a:lnTo>
-                <a:lnTo>
-                  <a:pt x="907" y="238"/>
-                </a:lnTo>
-                <a:lnTo>
-                  <a:pt x="922" y="226"/>
-                </a:lnTo>
-                <a:lnTo>
-                  <a:pt x="933" y="211"/>
-                </a:lnTo>
-                <a:lnTo>
-                  <a:pt x="941" y="194"/>
-                </a:lnTo>
-                <a:lnTo>
-                  <a:pt x="944" y="174"/>
-                </a:lnTo>
-                <a:lnTo>
-                  <a:pt x="944" y="171"/>
-                </a:lnTo>
-                <a:lnTo>
-                  <a:pt x="947" y="141"/>
-                </a:lnTo>
-                <a:lnTo>
-                  <a:pt x="954" y="112"/>
-                </a:lnTo>
-                <a:lnTo>
-                  <a:pt x="967" y="85"/>
-                </a:lnTo>
-                <a:lnTo>
-                  <a:pt x="984" y="61"/>
-                </a:lnTo>
-                <a:lnTo>
-                  <a:pt x="1005" y="40"/>
-                </a:lnTo>
-                <a:lnTo>
-                  <a:pt x="1029" y="23"/>
-                </a:lnTo>
-                <a:lnTo>
-                  <a:pt x="1056" y="11"/>
-                </a:lnTo>
-                <a:lnTo>
-                  <a:pt x="1085" y="3"/>
-                </a:lnTo>
-                <a:lnTo>
-                  <a:pt x="1116" y="0"/>
-                </a:lnTo>
-                <a:close/>
-              </a:path>
-            </a:pathLst>
-          </a:custGeom>
-          <a:solidFill>
-            <a:schemeClr val="bg1"/>
-          </a:solidFill>
-          <a:ln w="0">
-            <a:noFill/>
-            <a:prstDash val="solid"/>
-            <a:round/>
-          </a:ln>
-        </p:spPr>
-        <p:txBody>
-          <a:bodyPr vert="horz" wrap="square" lIns="91440" tIns="45720" rIns="91440" bIns="45720" anchor="t" anchorCtr="0">
-            <a:prstTxWarp prst="textNoShape">
-              <a:avLst/>
-            </a:prstTxWarp>
-          </a:bodyPr>
-          <a:lstStyle/>
-          <a:p>
-            <a:pPr lvl="0">
-              <a:defRPr/>
-            </a:pPr>
-            <a:endParaRPr lang="ko-KR" altLang="en-US">
-              <a:solidFill>
-                <a:prstClr val="white"/>
-              </a:solidFill>
-            </a:endParaRPr>
-          </a:p>
-        </p:txBody>
-      </p:sp>
       <p:pic>
         <p:nvPicPr>
           <p:cNvPr id="90" name=""/>
@@ -36723,8 +35884,8 @@
         </p:blipFill>
         <p:spPr>
           <a:xfrm>
-            <a:off x="2309891" y="2452218"/>
-            <a:ext cx="3190718" cy="1595359"/>
+            <a:off x="3091641" y="5281081"/>
+            <a:ext cx="2557125" cy="1278562"/>
           </a:xfrm>
           <a:prstGeom prst="rect">
             <a:avLst/>
@@ -36734,52 +35895,36 @@
           </a:ln>
         </p:spPr>
       </p:pic>
-      <p:pic>
-        <p:nvPicPr>
-          <p:cNvPr id="91" name=""/>
-          <p:cNvPicPr>
-            <a:picLocks noChangeAspect="1"/>
-          </p:cNvPicPr>
-          <p:nvPr/>
-        </p:nvPicPr>
-        <p:blipFill rotWithShape="1">
-          <a:blip r:embed="rId3"/>
-          <a:stretch>
-            <a:fillRect/>
-          </a:stretch>
-        </p:blipFill>
-        <p:spPr>
-          <a:xfrm>
-            <a:off x="6693140" y="2362677"/>
-            <a:ext cx="3512821" cy="1510695"/>
-          </a:xfrm>
-          <a:prstGeom prst="rect">
-            <a:avLst/>
-          </a:prstGeom>
-        </p:spPr>
-      </p:pic>
       <p:sp>
         <p:nvSpPr>
-          <p:cNvPr id="96" name=""/>
+          <p:cNvPr id="99" name="양쪽 모서리가 둥근 사각형 5"/>
           <p:cNvSpPr/>
           <p:nvPr/>
         </p:nvSpPr>
         <p:spPr>
-          <a:xfrm rot="5400000">
-            <a:off x="5482167" y="3828747"/>
-            <a:ext cx="1227665" cy="820056"/>
+          <a:xfrm>
+            <a:off x="464457" y="1320801"/>
+            <a:ext cx="11350172" cy="5537200"/>
           </a:xfrm>
-          <a:prstGeom prst="notchedRightArrow">
+          <a:prstGeom prst="round2SameRect">
             <a:avLst>
-              <a:gd name="adj1" fmla="val 50000"/>
-              <a:gd name="adj2" fmla="val 50000"/>
+              <a:gd name="adj1" fmla="val 6572"/>
+              <a:gd name="adj2" fmla="val 0"/>
             </a:avLst>
           </a:prstGeom>
+          <a:solidFill>
+            <a:schemeClr val="bg1"/>
+          </a:solidFill>
+          <a:ln w="22225">
+            <a:solidFill>
+              <a:schemeClr val="bg1"/>
+            </a:solidFill>
+          </a:ln>
         </p:spPr>
         <p:style>
           <a:lnRef idx="2">
             <a:schemeClr val="accent1">
-              <a:shade val="20000"/>
+              <a:shade val="50000"/>
             </a:schemeClr>
           </a:lnRef>
           <a:fillRef idx="1">
@@ -36794,144 +35939,15 @@
         </p:style>
         <p:txBody>
           <a:bodyPr anchor="ctr"/>
+          <a:lstStyle/>
           <a:p>
             <a:pPr algn="ctr">
               <a:defRPr/>
             </a:pPr>
-            <a:endParaRPr lang="ko-KR" altLang="en-US"/>
-          </a:p>
-        </p:txBody>
-      </p:sp>
-      <p:sp>
-        <p:nvSpPr>
-          <p:cNvPr id="97" name=""/>
-          <p:cNvSpPr txBox="1"/>
-          <p:nvPr/>
-        </p:nvSpPr>
-        <p:spPr>
-          <a:xfrm>
-            <a:off x="5000625" y="5513915"/>
-            <a:ext cx="2190749" cy="494455"/>
-          </a:xfrm>
-          <a:prstGeom prst="rect">
-            <a:avLst/>
-          </a:prstGeom>
-        </p:spPr>
-        <p:txBody>
-          <a:bodyPr wrap="square">
-            <a:spAutoFit/>
-          </a:bodyPr>
-          <a:p>
-            <a:pPr algn="ctr">
-              <a:defRPr/>
-            </a:pPr>
-            <a:r>
-              <a:rPr lang="en-US" altLang="ko-KR" sz="2700" b="1">
-                <a:latin typeface="나눔스퀘어라운드 ExtraBold"/>
-                <a:ea typeface="나눔스퀘어라운드 ExtraBold"/>
-              </a:rPr>
-              <a:t>Crawler</a:t>
-            </a:r>
-            <a:endParaRPr lang="en-US" altLang="ko-KR" sz="2700" b="1">
-              <a:latin typeface="나눔스퀘어라운드 ExtraBold"/>
-              <a:ea typeface="나눔스퀘어라운드 ExtraBold"/>
-            </a:endParaRPr>
-          </a:p>
-        </p:txBody>
-      </p:sp>
-      <p:sp>
-        <p:nvSpPr>
-          <p:cNvPr id="98" name=""/>
-          <p:cNvSpPr/>
-          <p:nvPr/>
-        </p:nvSpPr>
-        <p:spPr>
-          <a:xfrm>
-            <a:off x="2421365" y="3429000"/>
-            <a:ext cx="7421136" cy="814917"/>
-          </a:xfrm>
-          <a:prstGeom prst="roundRect">
-            <a:avLst>
-              <a:gd name="adj" fmla="val 16667"/>
-            </a:avLst>
-          </a:prstGeom>
-          <a:solidFill>
-            <a:schemeClr val="lt1"/>
-          </a:solidFill>
-          <a:ln>
-            <a:solidFill>
-              <a:schemeClr val="dk1"/>
-            </a:solidFill>
-          </a:ln>
-        </p:spPr>
-        <p:style>
-          <a:lnRef idx="2">
-            <a:schemeClr val="accent1">
-              <a:shade val="20000"/>
-            </a:schemeClr>
-          </a:lnRef>
-          <a:fillRef idx="1">
-            <a:schemeClr val="accent1"/>
-          </a:fillRef>
-          <a:effectRef idx="0">
-            <a:schemeClr val="accent1"/>
-          </a:effectRef>
-          <a:fontRef idx="minor">
-            <a:schemeClr val="lt1"/>
-          </a:fontRef>
-        </p:style>
-        <p:txBody>
-          <a:bodyPr anchor="ctr"/>
-          <a:p>
-            <a:pPr algn="ctr">
-              <a:defRPr/>
-            </a:pPr>
-            <a:r>
-              <a:rPr lang="ko-KR" altLang="en-US" sz="2400">
-                <a:solidFill>
-                  <a:srgbClr val="f25c7a"/>
-                </a:solidFill>
-                <a:latin typeface="나눔스퀘어라운드 Bold"/>
-                <a:ea typeface="나눔스퀘어라운드 Bold"/>
-              </a:rPr>
-              <a:t>약 </a:t>
-            </a:r>
-            <a:r>
-              <a:rPr lang="en-US" altLang="ko-KR" sz="2400">
-                <a:solidFill>
-                  <a:srgbClr val="f25c7a"/>
-                </a:solidFill>
-                <a:latin typeface="나눔스퀘어라운드 Bold"/>
-                <a:ea typeface="나눔스퀘어라운드 Bold"/>
-              </a:rPr>
-              <a:t>“20000</a:t>
-            </a:r>
-            <a:r>
-              <a:rPr lang="ko-KR" altLang="en-US" sz="2400">
-                <a:solidFill>
-                  <a:srgbClr val="f25c7a"/>
-                </a:solidFill>
-                <a:latin typeface="나눔스퀘어라운드 Bold"/>
-                <a:ea typeface="나눔스퀘어라운드 Bold"/>
-              </a:rPr>
-              <a:t>만건의 리뷰 및 자료를 크롤링 성공</a:t>
-            </a:r>
-            <a:r>
-              <a:rPr lang="en-US" altLang="ko-KR" sz="2400">
-                <a:solidFill>
-                  <a:srgbClr val="f25c7a"/>
-                </a:solidFill>
-                <a:latin typeface="나눔스퀘어라운드 Bold"/>
-                <a:ea typeface="나눔스퀘어라운드 Bold"/>
-              </a:rPr>
-              <a:t>”</a:t>
-            </a:r>
-            <a:endParaRPr lang="en-US" altLang="ko-KR" sz="2400">
+            <a:endParaRPr lang="ko-KR" altLang="en-US">
               <a:solidFill>
-                <a:srgbClr val="f25c7a"/>
+                <a:prstClr val="white"/>
               </a:solidFill>
-              <a:latin typeface="나눔스퀘어라운드 Bold"/>
-              <a:ea typeface="나눔스퀘어라운드 Bold"/>
             </a:endParaRPr>
           </a:p>
         </p:txBody>
@@ -36949,13 +35965,6 @@
       <p:transition/>
     </mc:Fallback>
   </mc:AlternateContent>
-  <p:timing>
-    <p:tnLst>
-      <p:par>
-        <p:cTn id="1" dur="indefinite" restart="never" nodeType="tmRoot"/>
-      </p:par>
-    </p:tnLst>
-  </p:timing>
 </p:sld>
 </file>
 
@@ -37060,12 +36069,12 @@
                 <a:t>How to make TRAS </a:t>
               </a:r>
               <a:r>
-                <a:rPr lang="en-US" altLang="ko-KR" sz="1700" b="1" kern="0">
+                <a:rPr lang="en-US" altLang="ko-KR" sz="1600" b="1" kern="0">
                   <a:solidFill>
-                    <a:schemeClr val="lt1"/>
+                    <a:srgbClr val="f2f2f2"/>
                   </a:solidFill>
-                  <a:latin typeface="나눔스퀘어라운드 ExtraBold"/>
-                  <a:ea typeface="나눔스퀘어라운드 ExtraBold"/>
+                  <a:latin typeface="나눔스퀘어라운드 Regular"/>
+                  <a:ea typeface="나눔스퀘어라운드 Regular"/>
                 </a:rPr>
                 <a:t>Text Mining</a:t>
               </a:r>
@@ -39438,12 +38447,12 @@
                 <a:t>How to make TRAS </a:t>
               </a:r>
               <a:r>
-                <a:rPr lang="en-US" altLang="ko-KR" sz="1700" b="1" kern="0">
+                <a:rPr lang="en-US" altLang="ko-KR" sz="1600" b="1" kern="0">
                   <a:solidFill>
-                    <a:schemeClr val="lt1"/>
+                    <a:srgbClr val="f2f2f2"/>
                   </a:solidFill>
-                  <a:latin typeface="나눔스퀘어라운드 ExtraBold"/>
-                  <a:ea typeface="나눔스퀘어라운드 ExtraBold"/>
+                  <a:latin typeface="나눔스퀘어라운드 Regular"/>
+                  <a:ea typeface="나눔스퀘어라운드 Regular"/>
                 </a:rPr>
                 <a:t>Web &amp; Database</a:t>
               </a:r>
@@ -41708,8 +40717,8 @@
         </p:blipFill>
         <p:spPr>
           <a:xfrm>
-            <a:off x="7059084" y="1228301"/>
-            <a:ext cx="2751666" cy="2751666"/>
+            <a:off x="2268566" y="2395090"/>
+            <a:ext cx="2067820" cy="2067820"/>
           </a:xfrm>
           <a:prstGeom prst="rect">
             <a:avLst/>
@@ -41732,8 +40741,8 @@
         </p:blipFill>
         <p:spPr>
           <a:xfrm>
-            <a:off x="3144357" y="1779270"/>
-            <a:ext cx="1649730" cy="1649730"/>
+            <a:off x="7928239" y="2809131"/>
+            <a:ext cx="1239738" cy="1239738"/>
           </a:xfrm>
           <a:prstGeom prst="rect">
             <a:avLst/>
@@ -41756,8 +40765,8 @@
         </p:blipFill>
         <p:spPr>
           <a:xfrm>
-            <a:off x="2818034" y="5230149"/>
-            <a:ext cx="2302374" cy="1627850"/>
+            <a:off x="2268566" y="5360534"/>
+            <a:ext cx="1730186" cy="1223295"/>
           </a:xfrm>
           <a:prstGeom prst="rect">
             <a:avLst/>
@@ -41780,8 +40789,8 @@
         </p:blipFill>
         <p:spPr>
           <a:xfrm>
-            <a:off x="5132916" y="3639672"/>
-            <a:ext cx="1926167" cy="1444625"/>
+            <a:off x="5372262" y="4048869"/>
+            <a:ext cx="1447474" cy="1085605"/>
           </a:xfrm>
           <a:prstGeom prst="rect">
             <a:avLst/>
@@ -41804,8 +40813,8 @@
         </p:blipFill>
         <p:spPr>
           <a:xfrm>
-            <a:off x="6987113" y="5347391"/>
-            <a:ext cx="2823636" cy="1364757"/>
+            <a:off x="7487156" y="5459388"/>
+            <a:ext cx="2121904" cy="1025586"/>
           </a:xfrm>
           <a:prstGeom prst="rect">
             <a:avLst/>
@@ -42312,133 +41321,164 @@
           </p:txBody>
         </p:sp>
       </p:grpSp>
+      <p:pic>
+        <p:nvPicPr>
+          <p:cNvPr id="72" name=""/>
+          <p:cNvPicPr>
+            <a:picLocks noChangeAspect="1"/>
+          </p:cNvPicPr>
+          <p:nvPr/>
+        </p:nvPicPr>
+        <p:blipFill rotWithShape="1">
+          <a:blip r:embed="rId2"/>
+          <a:stretch>
+            <a:fillRect/>
+          </a:stretch>
+        </p:blipFill>
+        <p:spPr>
+          <a:xfrm>
+            <a:off x="5448605" y="3429000"/>
+            <a:ext cx="1294790" cy="1294790"/>
+          </a:xfrm>
+          <a:prstGeom prst="rect">
+            <a:avLst/>
+          </a:prstGeom>
+        </p:spPr>
+      </p:pic>
       <p:sp>
         <p:nvSpPr>
-          <p:cNvPr id="63" name="자유형 62"/>
+          <p:cNvPr id="73" name=""/>
+          <p:cNvSpPr txBox="1"/>
+          <p:nvPr/>
+        </p:nvSpPr>
+        <p:spPr>
+          <a:xfrm>
+            <a:off x="5140477" y="4926990"/>
+            <a:ext cx="1911045" cy="338430"/>
+          </a:xfrm>
+          <a:prstGeom prst="rect">
+            <a:avLst/>
+          </a:prstGeom>
+        </p:spPr>
+        <p:txBody>
+          <a:bodyPr wrap="square">
+            <a:spAutoFit/>
+          </a:bodyPr>
+          <a:p>
+            <a:pPr algn="ctr">
+              <a:defRPr/>
+            </a:pPr>
+            <a:r>
+              <a:rPr lang="en-US" altLang="ko-KR" sz="1600">
+                <a:latin typeface="나눔스퀘어 ExtraBold"/>
+                <a:ea typeface="나눔스퀘어 ExtraBold"/>
+              </a:rPr>
+              <a:t>“</a:t>
+            </a:r>
+            <a:r>
+              <a:rPr lang="ko-KR" altLang="en-US" sz="1600">
+                <a:latin typeface="나눔스퀘어 ExtraBold"/>
+                <a:ea typeface="나눔스퀘어 ExtraBold"/>
+              </a:rPr>
+              <a:t>모듈화된 시스템</a:t>
+            </a:r>
+            <a:r>
+              <a:rPr lang="en-US" altLang="ko-KR" sz="1600">
+                <a:latin typeface="나눔스퀘어 ExtraBold"/>
+                <a:ea typeface="나눔스퀘어 ExtraBold"/>
+              </a:rPr>
+              <a:t>”</a:t>
+            </a:r>
+            <a:endParaRPr lang="en-US" altLang="ko-KR" sz="1600">
+              <a:latin typeface="나눔스퀘어 ExtraBold"/>
+              <a:ea typeface="나눔스퀘어 ExtraBold"/>
+            </a:endParaRPr>
+          </a:p>
+        </p:txBody>
+      </p:sp>
+      <p:pic>
+        <p:nvPicPr>
+          <p:cNvPr id="74" name=""/>
+          <p:cNvPicPr>
+            <a:picLocks noChangeAspect="1"/>
+          </p:cNvPicPr>
+          <p:nvPr/>
+        </p:nvPicPr>
+        <p:blipFill rotWithShape="1">
+          <a:blip r:embed="rId3"/>
+          <a:stretch>
+            <a:fillRect/>
+          </a:stretch>
+        </p:blipFill>
+        <p:spPr>
+          <a:xfrm>
+            <a:off x="2941268" y="1035738"/>
+            <a:ext cx="11544305" cy="6488035"/>
+          </a:xfrm>
+          <a:prstGeom prst="rect">
+            <a:avLst/>
+          </a:prstGeom>
+        </p:spPr>
+      </p:pic>
+      <p:sp>
+        <p:nvSpPr>
+          <p:cNvPr id="75" name=""/>
+          <p:cNvSpPr txBox="1"/>
+          <p:nvPr/>
+        </p:nvSpPr>
+        <p:spPr>
+          <a:xfrm>
+            <a:off x="7265013" y="5113020"/>
+            <a:ext cx="3749498" cy="361950"/>
+          </a:xfrm>
+          <a:prstGeom prst="rect">
+            <a:avLst/>
+          </a:prstGeom>
+        </p:spPr>
+        <p:txBody>
+          <a:bodyPr wrap="square">
+            <a:spAutoFit/>
+          </a:bodyPr>
+          <a:p>
+            <a:pPr algn="ctr">
+              <a:defRPr/>
+            </a:pPr>
+            <a:r>
+              <a:rPr lang="en-US" altLang="ko-KR">
+                <a:latin typeface="나눔스퀘어라운드 ExtraBold"/>
+                <a:ea typeface="나눔스퀘어라운드 ExtraBold"/>
+              </a:rPr>
+              <a:t>“TRAS IN ANOTHER VERSION”</a:t>
+            </a:r>
+            <a:endParaRPr lang="en-US" altLang="ko-KR">
+              <a:latin typeface="나눔스퀘어라운드 ExtraBold"/>
+              <a:ea typeface="나눔스퀘어라운드 ExtraBold"/>
+            </a:endParaRPr>
+          </a:p>
+        </p:txBody>
+      </p:sp>
+      <p:sp>
+        <p:nvSpPr>
+          <p:cNvPr id="76" name=""/>
           <p:cNvSpPr/>
           <p:nvPr/>
         </p:nvSpPr>
         <p:spPr>
-          <a:xfrm rot="5400000" flipH="1">
-            <a:off x="3985730" y="1764630"/>
-            <a:ext cx="2189213" cy="2906447"/>
+          <a:xfrm>
+            <a:off x="5509846" y="3651097"/>
+            <a:ext cx="1172307" cy="850595"/>
           </a:xfrm>
-          <a:custGeom>
-            <a:avLst/>
-            <a:gdLst>
-              <a:gd name="connsiteX0" fmla="*/ 2189213 w 2189213"/>
-              <a:gd name="connsiteY0" fmla="*/ 547303 h 2906447"/>
-              <a:gd name="connsiteX1" fmla="*/ 1641910 w 2189213"/>
-              <a:gd name="connsiteY1" fmla="*/ 0 h 2906447"/>
-              <a:gd name="connsiteX2" fmla="*/ 1641910 w 2189213"/>
-              <a:gd name="connsiteY2" fmla="*/ 273652 h 2906447"/>
-              <a:gd name="connsiteX3" fmla="*/ 957781 w 2189213"/>
-              <a:gd name="connsiteY3" fmla="*/ 273651 h 2906447"/>
-              <a:gd name="connsiteX4" fmla="*/ 0 w 2189213"/>
-              <a:gd name="connsiteY4" fmla="*/ 1231432 h 2906447"/>
-              <a:gd name="connsiteX5" fmla="*/ 0 w 2189213"/>
-              <a:gd name="connsiteY5" fmla="*/ 2906447 h 2906447"/>
-              <a:gd name="connsiteX6" fmla="*/ 547303 w 2189213"/>
-              <a:gd name="connsiteY6" fmla="*/ 2359144 h 2906447"/>
-              <a:gd name="connsiteX7" fmla="*/ 547304 w 2189213"/>
-              <a:gd name="connsiteY7" fmla="*/ 1231432 h 2906447"/>
-              <a:gd name="connsiteX8" fmla="*/ 957781 w 2189213"/>
-              <a:gd name="connsiteY8" fmla="*/ 820955 h 2906447"/>
-              <a:gd name="connsiteX9" fmla="*/ 1641910 w 2189213"/>
-              <a:gd name="connsiteY9" fmla="*/ 820955 h 2906447"/>
-              <a:gd name="connsiteX10" fmla="*/ 1641910 w 2189213"/>
-              <a:gd name="connsiteY10" fmla="*/ 1094607 h 2906447"/>
-            </a:gdLst>
-            <a:cxnLst>
-              <a:cxn ang="0">
-                <a:pos x="connsiteX0" y="connsiteY0"/>
-              </a:cxn>
-              <a:cxn ang="0">
-                <a:pos x="connsiteX1" y="connsiteY1"/>
-              </a:cxn>
-              <a:cxn ang="0">
-                <a:pos x="connsiteX2" y="connsiteY2"/>
-              </a:cxn>
-              <a:cxn ang="0">
-                <a:pos x="connsiteX3" y="connsiteY3"/>
-              </a:cxn>
-              <a:cxn ang="0">
-                <a:pos x="connsiteX4" y="connsiteY4"/>
-              </a:cxn>
-              <a:cxn ang="0">
-                <a:pos x="connsiteX5" y="connsiteY5"/>
-              </a:cxn>
-              <a:cxn ang="0">
-                <a:pos x="connsiteX6" y="connsiteY6"/>
-              </a:cxn>
-              <a:cxn ang="0">
-                <a:pos x="connsiteX7" y="connsiteY7"/>
-              </a:cxn>
-              <a:cxn ang="0">
-                <a:pos x="connsiteX8" y="connsiteY8"/>
-              </a:cxn>
-              <a:cxn ang="0">
-                <a:pos x="connsiteX9" y="connsiteY9"/>
-              </a:cxn>
-              <a:cxn ang="0">
-                <a:pos x="connsiteX10" y="connsiteY10"/>
-              </a:cxn>
-            </a:cxnLst>
-            <a:rect l="l" t="t" r="r" b="b"/>
-            <a:pathLst>
-              <a:path w="2189213" h="2906447">
-                <a:moveTo>
-                  <a:pt x="2189213" y="547303"/>
-                </a:moveTo>
-                <a:lnTo>
-                  <a:pt x="1641910" y="0"/>
-                </a:lnTo>
-                <a:lnTo>
-                  <a:pt x="1641910" y="273652"/>
-                </a:lnTo>
-                <a:lnTo>
-                  <a:pt x="957781" y="273651"/>
-                </a:lnTo>
-                <a:cubicBezTo>
-                  <a:pt x="428813" y="273651"/>
-                  <a:pt x="0" y="702464"/>
-                  <a:pt x="0" y="1231432"/>
-                </a:cubicBezTo>
-                <a:lnTo>
-                  <a:pt x="0" y="2906447"/>
-                </a:lnTo>
-                <a:lnTo>
-                  <a:pt x="547303" y="2359144"/>
-                </a:lnTo>
-                <a:lnTo>
-                  <a:pt x="547304" y="1231432"/>
-                </a:lnTo>
-                <a:cubicBezTo>
-                  <a:pt x="547304" y="1004732"/>
-                  <a:pt x="731081" y="820955"/>
-                  <a:pt x="957781" y="820955"/>
-                </a:cubicBezTo>
-                <a:lnTo>
-                  <a:pt x="1641910" y="820955"/>
-                </a:lnTo>
-                <a:lnTo>
-                  <a:pt x="1641910" y="1094607"/>
-                </a:lnTo>
-                <a:close/>
-              </a:path>
-            </a:pathLst>
-          </a:custGeom>
-          <a:solidFill>
-            <a:srgbClr val="132742"/>
-          </a:solidFill>
-          <a:ln>
-            <a:noFill/>
-          </a:ln>
+          <a:prstGeom prst="stripedRightArrow">
+            <a:avLst>
+              <a:gd name="adj1" fmla="val 50000"/>
+              <a:gd name="adj2" fmla="val 50000"/>
+            </a:avLst>
+          </a:prstGeom>
         </p:spPr>
         <p:style>
           <a:lnRef idx="2">
             <a:schemeClr val="accent1">
-              <a:shade val="50000"/>
+              <a:shade val="20000"/>
             </a:schemeClr>
           </a:lnRef>
           <a:fillRef idx="1">
@@ -42453,551 +41493,11 @@
         </p:style>
         <p:txBody>
           <a:bodyPr anchor="ctr"/>
-          <a:lstStyle/>
           <a:p>
             <a:pPr algn="ctr">
               <a:defRPr/>
             </a:pPr>
-            <a:endParaRPr lang="ko-KR" altLang="en-US">
-              <a:solidFill>
-                <a:prstClr val="black"/>
-              </a:solidFill>
-            </a:endParaRPr>
-          </a:p>
-        </p:txBody>
-      </p:sp>
-      <p:cxnSp>
-        <p:nvCxnSpPr>
-          <p:cNvPr id="64" name="직선 연결선 63"/>
-          <p:cNvCxnSpPr>
-            <a:stCxn id="63" idx="5"/>
-          </p:cNvCxnSpPr>
-          <p:nvPr/>
-        </p:nvCxnSpPr>
-        <p:spPr>
-          <a:xfrm flipH="1">
-            <a:off x="464151" y="4312460"/>
-            <a:ext cx="3162962" cy="0"/>
-          </a:xfrm>
-          <a:prstGeom prst="line">
-            <a:avLst/>
-          </a:prstGeom>
-          <a:ln>
-            <a:solidFill>
-              <a:srgbClr val="132742"/>
-            </a:solidFill>
-          </a:ln>
-        </p:spPr>
-        <p:style>
-          <a:lnRef idx="1">
-            <a:schemeClr val="accent1"/>
-          </a:lnRef>
-          <a:fillRef idx="0">
-            <a:schemeClr val="accent1"/>
-          </a:fillRef>
-          <a:effectRef idx="0">
-            <a:schemeClr val="accent1"/>
-          </a:effectRef>
-          <a:fontRef idx="minor">
-            <a:schemeClr val="tx1"/>
-          </a:fontRef>
-        </p:style>
-      </p:cxnSp>
-      <p:grpSp>
-        <p:nvGrpSpPr>
-          <p:cNvPr id="65" name="그룹 64"/>
-          <p:cNvGrpSpPr/>
-          <p:nvPr/>
-        </p:nvGrpSpPr>
-        <p:grpSpPr>
-          <a:xfrm rot="0" flipH="1" flipV="1">
-            <a:off x="5682028" y="3713785"/>
-            <a:ext cx="6131930" cy="2189213"/>
-            <a:chOff x="2738667" y="2461392"/>
-            <a:chExt cx="6131930" cy="2189213"/>
-          </a:xfrm>
-        </p:grpSpPr>
-        <p:sp>
-          <p:nvSpPr>
-            <p:cNvPr id="66" name="자유형 65"/>
-            <p:cNvSpPr/>
-            <p:nvPr/>
-          </p:nvSpPr>
-          <p:spPr>
-            <a:xfrm rot="5400000" flipH="1">
-              <a:off x="6322767" y="2102775"/>
-              <a:ext cx="2189213" cy="2906447"/>
-            </a:xfrm>
-            <a:custGeom>
-              <a:avLst/>
-              <a:gdLst>
-                <a:gd name="connsiteX0" fmla="*/ 2189213 w 2189213"/>
-                <a:gd name="connsiteY0" fmla="*/ 547303 h 2906447"/>
-                <a:gd name="connsiteX1" fmla="*/ 1641910 w 2189213"/>
-                <a:gd name="connsiteY1" fmla="*/ 0 h 2906447"/>
-                <a:gd name="connsiteX2" fmla="*/ 1641910 w 2189213"/>
-                <a:gd name="connsiteY2" fmla="*/ 273652 h 2906447"/>
-                <a:gd name="connsiteX3" fmla="*/ 957781 w 2189213"/>
-                <a:gd name="connsiteY3" fmla="*/ 273651 h 2906447"/>
-                <a:gd name="connsiteX4" fmla="*/ 0 w 2189213"/>
-                <a:gd name="connsiteY4" fmla="*/ 1231432 h 2906447"/>
-                <a:gd name="connsiteX5" fmla="*/ 0 w 2189213"/>
-                <a:gd name="connsiteY5" fmla="*/ 2906447 h 2906447"/>
-                <a:gd name="connsiteX6" fmla="*/ 547303 w 2189213"/>
-                <a:gd name="connsiteY6" fmla="*/ 2359144 h 2906447"/>
-                <a:gd name="connsiteX7" fmla="*/ 547304 w 2189213"/>
-                <a:gd name="connsiteY7" fmla="*/ 1231432 h 2906447"/>
-                <a:gd name="connsiteX8" fmla="*/ 957781 w 2189213"/>
-                <a:gd name="connsiteY8" fmla="*/ 820955 h 2906447"/>
-                <a:gd name="connsiteX9" fmla="*/ 1641910 w 2189213"/>
-                <a:gd name="connsiteY9" fmla="*/ 820955 h 2906447"/>
-                <a:gd name="connsiteX10" fmla="*/ 1641910 w 2189213"/>
-                <a:gd name="connsiteY10" fmla="*/ 1094607 h 2906447"/>
-              </a:gdLst>
-              <a:cxnLst>
-                <a:cxn ang="0">
-                  <a:pos x="connsiteX0" y="connsiteY0"/>
-                </a:cxn>
-                <a:cxn ang="0">
-                  <a:pos x="connsiteX1" y="connsiteY1"/>
-                </a:cxn>
-                <a:cxn ang="0">
-                  <a:pos x="connsiteX2" y="connsiteY2"/>
-                </a:cxn>
-                <a:cxn ang="0">
-                  <a:pos x="connsiteX3" y="connsiteY3"/>
-                </a:cxn>
-                <a:cxn ang="0">
-                  <a:pos x="connsiteX4" y="connsiteY4"/>
-                </a:cxn>
-                <a:cxn ang="0">
-                  <a:pos x="connsiteX5" y="connsiteY5"/>
-                </a:cxn>
-                <a:cxn ang="0">
-                  <a:pos x="connsiteX6" y="connsiteY6"/>
-                </a:cxn>
-                <a:cxn ang="0">
-                  <a:pos x="connsiteX7" y="connsiteY7"/>
-                </a:cxn>
-                <a:cxn ang="0">
-                  <a:pos x="connsiteX8" y="connsiteY8"/>
-                </a:cxn>
-                <a:cxn ang="0">
-                  <a:pos x="connsiteX9" y="connsiteY9"/>
-                </a:cxn>
-                <a:cxn ang="0">
-                  <a:pos x="connsiteX10" y="connsiteY10"/>
-                </a:cxn>
-              </a:cxnLst>
-              <a:rect l="l" t="t" r="r" b="b"/>
-              <a:pathLst>
-                <a:path w="2189213" h="2906447">
-                  <a:moveTo>
-                    <a:pt x="2189213" y="547303"/>
-                  </a:moveTo>
-                  <a:lnTo>
-                    <a:pt x="1641910" y="0"/>
-                  </a:lnTo>
-                  <a:lnTo>
-                    <a:pt x="1641910" y="273652"/>
-                  </a:lnTo>
-                  <a:lnTo>
-                    <a:pt x="957781" y="273651"/>
-                  </a:lnTo>
-                  <a:cubicBezTo>
-                    <a:pt x="428813" y="273651"/>
-                    <a:pt x="0" y="702464"/>
-                    <a:pt x="0" y="1231432"/>
-                  </a:cubicBezTo>
-                  <a:lnTo>
-                    <a:pt x="0" y="2906447"/>
-                  </a:lnTo>
-                  <a:lnTo>
-                    <a:pt x="547303" y="2359144"/>
-                  </a:lnTo>
-                  <a:lnTo>
-                    <a:pt x="547304" y="1231432"/>
-                  </a:lnTo>
-                  <a:cubicBezTo>
-                    <a:pt x="547304" y="1004732"/>
-                    <a:pt x="731081" y="820955"/>
-                    <a:pt x="957781" y="820955"/>
-                  </a:cubicBezTo>
-                  <a:lnTo>
-                    <a:pt x="1641910" y="820955"/>
-                  </a:lnTo>
-                  <a:lnTo>
-                    <a:pt x="1641910" y="1094607"/>
-                  </a:lnTo>
-                  <a:close/>
-                </a:path>
-              </a:pathLst>
-            </a:custGeom>
-            <a:solidFill>
-              <a:srgbClr val="ffb5b6"/>
-            </a:solidFill>
-            <a:ln>
-              <a:noFill/>
-            </a:ln>
-          </p:spPr>
-          <p:style>
-            <a:lnRef idx="2">
-              <a:schemeClr val="accent1">
-                <a:shade val="50000"/>
-              </a:schemeClr>
-            </a:lnRef>
-            <a:fillRef idx="1">
-              <a:schemeClr val="accent1"/>
-            </a:fillRef>
-            <a:effectRef idx="0">
-              <a:schemeClr val="accent1"/>
-            </a:effectRef>
-            <a:fontRef idx="minor">
-              <a:schemeClr val="lt1"/>
-            </a:fontRef>
-          </p:style>
-          <p:txBody>
-            <a:bodyPr anchor="ctr"/>
-            <a:lstStyle/>
-            <a:p>
-              <a:pPr algn="ctr">
-                <a:defRPr/>
-              </a:pPr>
-              <a:endParaRPr lang="ko-KR" altLang="en-US">
-                <a:solidFill>
-                  <a:prstClr val="black"/>
-                </a:solidFill>
-              </a:endParaRPr>
-            </a:p>
-          </p:txBody>
-        </p:sp>
-        <p:cxnSp>
-          <p:nvCxnSpPr>
-            <p:cNvPr id="67" name="직선 연결선 66"/>
-            <p:cNvCxnSpPr/>
-            <p:nvPr/>
-          </p:nvCxnSpPr>
-          <p:spPr>
-            <a:xfrm flipH="1">
-              <a:off x="2738667" y="4650605"/>
-              <a:ext cx="3225483" cy="0"/>
-            </a:xfrm>
-            <a:prstGeom prst="line">
-              <a:avLst/>
-            </a:prstGeom>
-            <a:ln>
-              <a:solidFill>
-                <a:srgbClr val="ffb5b6"/>
-              </a:solidFill>
-            </a:ln>
-          </p:spPr>
-          <p:style>
-            <a:lnRef idx="1">
-              <a:schemeClr val="accent1"/>
-            </a:lnRef>
-            <a:fillRef idx="0">
-              <a:schemeClr val="accent1"/>
-            </a:fillRef>
-            <a:effectRef idx="0">
-              <a:schemeClr val="accent1"/>
-            </a:effectRef>
-            <a:fontRef idx="minor">
-              <a:schemeClr val="tx1"/>
-            </a:fontRef>
-          </p:style>
-        </p:cxnSp>
-      </p:grpSp>
-      <p:sp>
-        <p:nvSpPr>
-          <p:cNvPr id="68" name="직사각형 67"/>
-          <p:cNvSpPr/>
-          <p:nvPr/>
-        </p:nvSpPr>
-        <p:spPr>
-          <a:xfrm>
-            <a:off x="8574216" y="2648868"/>
-            <a:ext cx="1627000" cy="902052"/>
-          </a:xfrm>
-          <a:prstGeom prst="rect">
-            <a:avLst/>
-          </a:prstGeom>
-        </p:spPr>
-        <p:txBody>
-          <a:bodyPr wrap="square">
-            <a:spAutoFit/>
-          </a:bodyPr>
-          <a:lstStyle/>
-          <a:p>
-            <a:pPr algn="ctr">
-              <a:defRPr/>
-            </a:pPr>
-            <a:r>
-              <a:rPr lang="en-US" altLang="ko-KR" sz="5400" b="1">
-                <a:solidFill>
-                  <a:srgbClr val="ffb5b6"/>
-                </a:solidFill>
-              </a:rPr>
-              <a:t>32</a:t>
-            </a:r>
-            <a:r>
-              <a:rPr lang="en-US" altLang="ko-KR" sz="2000">
-                <a:solidFill>
-                  <a:srgbClr val="ffb5b6"/>
-                </a:solidFill>
-              </a:rPr>
-              <a:t>%</a:t>
-            </a:r>
-            <a:endParaRPr lang="en-US" altLang="ko-KR" sz="1600" b="1">
-              <a:solidFill>
-                <a:srgbClr val="ffb5b6"/>
-              </a:solidFill>
-            </a:endParaRPr>
-          </a:p>
-        </p:txBody>
-      </p:sp>
-      <p:sp>
-        <p:nvSpPr>
-          <p:cNvPr id="69" name="직사각형 68"/>
-          <p:cNvSpPr/>
-          <p:nvPr/>
-        </p:nvSpPr>
-        <p:spPr>
-          <a:xfrm>
-            <a:off x="2280594" y="4479268"/>
-            <a:ext cx="1627000" cy="909977"/>
-          </a:xfrm>
-          <a:prstGeom prst="rect">
-            <a:avLst/>
-          </a:prstGeom>
-        </p:spPr>
-        <p:txBody>
-          <a:bodyPr wrap="square">
-            <a:spAutoFit/>
-          </a:bodyPr>
-          <a:lstStyle/>
-          <a:p>
-            <a:pPr algn="ctr">
-              <a:defRPr/>
-            </a:pPr>
-            <a:r>
-              <a:rPr lang="en-US" altLang="ko-KR" sz="5400" b="1">
-                <a:solidFill>
-                  <a:srgbClr val="132742"/>
-                </a:solidFill>
-              </a:rPr>
-              <a:t>75</a:t>
-            </a:r>
-            <a:r>
-              <a:rPr lang="en-US" altLang="ko-KR" sz="2000">
-                <a:solidFill>
-                  <a:srgbClr val="132742"/>
-                </a:solidFill>
-              </a:rPr>
-              <a:t>%</a:t>
-            </a:r>
-            <a:endParaRPr lang="en-US" altLang="ko-KR" sz="1600" b="1">
-              <a:solidFill>
-                <a:srgbClr val="132742"/>
-              </a:solidFill>
-            </a:endParaRPr>
-          </a:p>
-        </p:txBody>
-      </p:sp>
-      <p:sp>
-        <p:nvSpPr>
-          <p:cNvPr id="70" name="직사각형 69"/>
-          <p:cNvSpPr/>
-          <p:nvPr/>
-        </p:nvSpPr>
-        <p:spPr>
-          <a:xfrm>
-            <a:off x="8720821" y="3996960"/>
-            <a:ext cx="2960791" cy="1230360"/>
-          </a:xfrm>
-          <a:prstGeom prst="rect">
-            <a:avLst/>
-          </a:prstGeom>
-        </p:spPr>
-        <p:txBody>
-          <a:bodyPr wrap="square">
-            <a:spAutoFit/>
-          </a:bodyPr>
-          <a:lstStyle/>
-          <a:p>
-            <a:pPr>
-              <a:lnSpc>
-                <a:spcPct val="150000"/>
-              </a:lnSpc>
-              <a:defRPr/>
-            </a:pPr>
-            <a:r>
-              <a:rPr lang="en-US" altLang="ko-KR" sz="1600" b="1">
-                <a:solidFill>
-                  <a:srgbClr val="ffb5b6"/>
-                </a:solidFill>
-              </a:rPr>
-              <a:t>Factor of Failure</a:t>
-            </a:r>
-            <a:endParaRPr lang="en-US" altLang="ko-KR" sz="1600" b="1">
-              <a:solidFill>
-                <a:srgbClr val="ffb5b6"/>
-              </a:solidFill>
-            </a:endParaRPr>
-          </a:p>
-          <a:p>
-            <a:pPr>
-              <a:lnSpc>
-                <a:spcPct val="150000"/>
-              </a:lnSpc>
-              <a:defRPr/>
-            </a:pPr>
-            <a:r>
-              <a:rPr lang="ko-KR" altLang="en-US" sz="1400">
-                <a:solidFill>
-                  <a:prstClr val="black">
-                    <a:lumMod val="65000"/>
-                    <a:lumOff val="35000"/>
-                  </a:prstClr>
-                </a:solidFill>
-              </a:rPr>
-              <a:t>컨텐츠에 대한 내용을 적어요</a:t>
-            </a:r>
-            <a:endParaRPr lang="ko-KR" altLang="en-US" sz="1400">
-              <a:solidFill>
-                <a:prstClr val="black">
-                  <a:lumMod val="65000"/>
-                  <a:lumOff val="35000"/>
-                </a:prstClr>
-              </a:solidFill>
-            </a:endParaRPr>
-          </a:p>
-          <a:p>
-            <a:pPr>
-              <a:lnSpc>
-                <a:spcPct val="150000"/>
-              </a:lnSpc>
-              <a:defRPr/>
-            </a:pPr>
-            <a:r>
-              <a:rPr lang="ko-KR" altLang="en-US" sz="1000">
-                <a:solidFill>
-                  <a:prstClr val="black">
-                    <a:lumMod val="65000"/>
-                    <a:lumOff val="35000"/>
-                  </a:prstClr>
-                </a:solidFill>
-              </a:rPr>
-              <a:t>Enjoy your stylish business and campus life with BIZCAM </a:t>
-            </a:r>
-            <a:endParaRPr lang="ko-KR" altLang="en-US" sz="1000">
-              <a:solidFill>
-                <a:prstClr val="black">
-                  <a:lumMod val="65000"/>
-                  <a:lumOff val="35000"/>
-                </a:prstClr>
-              </a:solidFill>
-            </a:endParaRPr>
-          </a:p>
-        </p:txBody>
-      </p:sp>
-      <p:sp>
-        <p:nvSpPr>
-          <p:cNvPr id="71" name="직사각형 70"/>
-          <p:cNvSpPr/>
-          <p:nvPr/>
-        </p:nvSpPr>
-        <p:spPr>
-          <a:xfrm>
-            <a:off x="576805" y="2648868"/>
-            <a:ext cx="3130125" cy="1273527"/>
-          </a:xfrm>
-          <a:prstGeom prst="rect">
-            <a:avLst/>
-          </a:prstGeom>
-        </p:spPr>
-        <p:txBody>
-          <a:bodyPr wrap="square">
-            <a:spAutoFit/>
-          </a:bodyPr>
-          <a:lstStyle/>
-          <a:p>
-            <a:pPr algn="r">
-              <a:lnSpc>
-                <a:spcPct val="150000"/>
-              </a:lnSpc>
-              <a:defRPr/>
-            </a:pPr>
-            <a:r>
-              <a:rPr lang="en-US" altLang="ko-KR" b="1">
-                <a:solidFill>
-                  <a:srgbClr val="132742"/>
-                </a:solidFill>
-                <a:latin typeface="나눔스퀘어라운드 ExtraBold"/>
-                <a:ea typeface="나눔스퀘어라운드 ExtraBold"/>
-              </a:rPr>
-              <a:t>Factor of Success</a:t>
-            </a:r>
-            <a:endParaRPr lang="en-US" altLang="ko-KR" sz="1600" b="1">
-              <a:solidFill>
-                <a:srgbClr val="132742"/>
-              </a:solidFill>
-            </a:endParaRPr>
-          </a:p>
-          <a:p>
-            <a:pPr algn="r">
-              <a:lnSpc>
-                <a:spcPct val="150000"/>
-              </a:lnSpc>
-              <a:defRPr/>
-            </a:pPr>
-            <a:r>
-              <a:rPr lang="ko-KR" altLang="en-US" sz="1400">
-                <a:solidFill>
-                  <a:prstClr val="black">
-                    <a:lumMod val="65000"/>
-                    <a:lumOff val="35000"/>
-                  </a:prstClr>
-                </a:solidFill>
-                <a:latin typeface="나눔스퀘어라운드 Bold"/>
-                <a:ea typeface="나눔스퀘어라운드 Bold"/>
-              </a:rPr>
-              <a:t>컨텐츠에 대한 내용을 적어요</a:t>
-            </a:r>
-            <a:endParaRPr lang="ko-KR" altLang="en-US" sz="1400">
-              <a:solidFill>
-                <a:prstClr val="black">
-                  <a:lumMod val="65000"/>
-                  <a:lumOff val="35000"/>
-                </a:prstClr>
-              </a:solidFill>
-            </a:endParaRPr>
-          </a:p>
-          <a:p>
-            <a:pPr algn="r">
-              <a:lnSpc>
-                <a:spcPct val="150000"/>
-              </a:lnSpc>
-              <a:defRPr/>
-            </a:pPr>
-            <a:r>
-              <a:rPr lang="ko-KR" altLang="en-US" sz="1000">
-                <a:solidFill>
-                  <a:prstClr val="black">
-                    <a:lumMod val="65000"/>
-                    <a:lumOff val="35000"/>
-                  </a:prstClr>
-                </a:solidFill>
-              </a:rPr>
-              <a:t>Enjoy your stylish business and campus life with BIZCAM </a:t>
-            </a:r>
-            <a:endParaRPr lang="ko-KR" altLang="en-US" sz="1000">
-              <a:solidFill>
-                <a:prstClr val="black">
-                  <a:lumMod val="65000"/>
-                  <a:lumOff val="35000"/>
-                </a:prstClr>
-              </a:solidFill>
-            </a:endParaRPr>
+            <a:endParaRPr lang="en-US" altLang="ko-KR"/>
           </a:p>
         </p:txBody>
       </p:sp>
@@ -43017,9 +41517,311 @@
   <p:timing>
     <p:tnLst>
       <p:par>
-        <p:cTn id="1" dur="indefinite" restart="never" nodeType="tmRoot"/>
+        <p:cTn id="1" dur="indefinite" restart="never" nodeType="tmRoot">
+          <p:childTnLst>
+            <p:seq concurrent="1" nextAc="seek">
+              <p:cTn id="2" dur="indefinite" nodeType="mainSeq">
+                <p:childTnLst>
+                  <p:par>
+                    <p:cTn id="3" fill="hold">
+                      <p:stCondLst>
+                        <p:cond delay="indefinite"/>
+                      </p:stCondLst>
+                      <p:childTnLst>
+                        <p:par>
+                          <p:cTn id="4" fill="hold">
+                            <p:stCondLst>
+                              <p:cond delay="0"/>
+                            </p:stCondLst>
+                            <p:childTnLst>
+                              <p:par>
+                                <p:cTn id="5" presetID="22" presetClass="entr" presetSubtype="4" fill="hold" nodeType="clickEffect">
+                                  <p:stCondLst>
+                                    <p:cond delay="0"/>
+                                  </p:stCondLst>
+                                  <p:childTnLst>
+                                    <p:set>
+                                      <p:cBhvr>
+                                        <p:cTn id="6" dur="1" fill="hold">
+                                          <p:stCondLst>
+                                            <p:cond delay="0"/>
+                                          </p:stCondLst>
+                                        </p:cTn>
+                                        <p:tgtEl>
+                                          <p:spTgt spid="72"/>
+                                        </p:tgtEl>
+                                        <p:attrNameLst>
+                                          <p:attrName>style.visibility</p:attrName>
+                                        </p:attrNameLst>
+                                      </p:cBhvr>
+                                      <p:to>
+                                        <p:strVal val="visible"/>
+                                      </p:to>
+                                    </p:set>
+                                    <p:animEffect transition="in" filter="wipe(down)">
+                                      <p:cBhvr>
+                                        <p:cTn id="7" dur="500"/>
+                                        <p:tgtEl>
+                                          <p:spTgt spid="72"/>
+                                        </p:tgtEl>
+                                      </p:cBhvr>
+                                    </p:animEffect>
+                                  </p:childTnLst>
+                                </p:cTn>
+                              </p:par>
+                              <p:par>
+                                <p:cTn id="8" presetID="22" presetClass="entr" presetSubtype="4" fill="hold" grpId="0" nodeType="withEffect">
+                                  <p:stCondLst>
+                                    <p:cond delay="0"/>
+                                  </p:stCondLst>
+                                  <p:childTnLst>
+                                    <p:set>
+                                      <p:cBhvr>
+                                        <p:cTn id="9" dur="1" fill="hold">
+                                          <p:stCondLst>
+                                            <p:cond delay="0"/>
+                                          </p:stCondLst>
+                                        </p:cTn>
+                                        <p:tgtEl>
+                                          <p:spTgt spid="73"/>
+                                        </p:tgtEl>
+                                        <p:attrNameLst>
+                                          <p:attrName>style.visibility</p:attrName>
+                                        </p:attrNameLst>
+                                      </p:cBhvr>
+                                      <p:to>
+                                        <p:strVal val="visible"/>
+                                      </p:to>
+                                    </p:set>
+                                    <p:animEffect transition="in" filter="wipe(down)">
+                                      <p:cBhvr>
+                                        <p:cTn id="10" dur="500"/>
+                                        <p:tgtEl>
+                                          <p:spTgt spid="73"/>
+                                        </p:tgtEl>
+                                      </p:cBhvr>
+                                    </p:animEffect>
+                                  </p:childTnLst>
+                                </p:cTn>
+                              </p:par>
+                            </p:childTnLst>
+                          </p:cTn>
+                        </p:par>
+                      </p:childTnLst>
+                    </p:cTn>
+                  </p:par>
+                  <p:par>
+                    <p:cTn id="11" fill="hold">
+                      <p:stCondLst>
+                        <p:cond delay="indefinite"/>
+                      </p:stCondLst>
+                      <p:childTnLst>
+                        <p:par>
+                          <p:cTn id="12" fill="hold">
+                            <p:stCondLst>
+                              <p:cond delay="0"/>
+                            </p:stCondLst>
+                            <p:childTnLst>
+                              <p:par>
+                                <p:cTn id="13" presetID="35" presetClass="path" presetSubtype="0" accel="50000" decel="50000" fill="hold" nodeType="clickEffect">
+                                  <p:stCondLst>
+                                    <p:cond delay="0"/>
+                                  </p:stCondLst>
+                                  <p:childTnLst>
+                                    <p:animMotion origin="layout" path="M 0 0  L -0.25 0  E" pathEditMode="relative" ptsTypes="">
+                                      <p:cBhvr>
+                                        <p:cTn id="14" dur="1000" fill="hold"/>
+                                        <p:tgtEl>
+                                          <p:spTgt spid="72"/>
+                                        </p:tgtEl>
+                                        <p:attrNameLst>
+                                          <p:attrName>ppt_x</p:attrName>
+                                          <p:attrName>ppt_y</p:attrName>
+                                        </p:attrNameLst>
+                                      </p:cBhvr>
+                                    </p:animMotion>
+                                  </p:childTnLst>
+                                </p:cTn>
+                              </p:par>
+                              <p:par>
+                                <p:cTn id="15" presetID="35" presetClass="path" presetSubtype="0" accel="50000" decel="50000" fill="hold" grpId="1" nodeType="withEffect">
+                                  <p:stCondLst>
+                                    <p:cond delay="0"/>
+                                  </p:stCondLst>
+                                  <p:childTnLst>
+                                    <p:animMotion origin="layout" path="M 0 0  L -0.25 0  E" pathEditMode="relative" ptsTypes="">
+                                      <p:cBhvr>
+                                        <p:cTn id="16" dur="1000" fill="hold"/>
+                                        <p:tgtEl>
+                                          <p:spTgt spid="73"/>
+                                        </p:tgtEl>
+                                        <p:attrNameLst>
+                                          <p:attrName>ppt_x</p:attrName>
+                                          <p:attrName>ppt_y</p:attrName>
+                                        </p:attrNameLst>
+                                      </p:cBhvr>
+                                    </p:animMotion>
+                                  </p:childTnLst>
+                                </p:cTn>
+                              </p:par>
+                            </p:childTnLst>
+                          </p:cTn>
+                        </p:par>
+                      </p:childTnLst>
+                    </p:cTn>
+                  </p:par>
+                  <p:par>
+                    <p:cTn id="17" fill="hold">
+                      <p:stCondLst>
+                        <p:cond delay="indefinite"/>
+                      </p:stCondLst>
+                      <p:childTnLst>
+                        <p:par>
+                          <p:cTn id="18" fill="hold">
+                            <p:stCondLst>
+                              <p:cond delay="0"/>
+                            </p:stCondLst>
+                            <p:childTnLst>
+                              <p:par>
+                                <p:cTn id="19" presetID="22" presetClass="entr" presetSubtype="8" fill="hold" grpId="2" nodeType="clickEffect">
+                                  <p:stCondLst>
+                                    <p:cond delay="0"/>
+                                  </p:stCondLst>
+                                  <p:childTnLst>
+                                    <p:set>
+                                      <p:cBhvr>
+                                        <p:cTn id="20" dur="1" fill="hold">
+                                          <p:stCondLst>
+                                            <p:cond delay="0"/>
+                                          </p:stCondLst>
+                                        </p:cTn>
+                                        <p:tgtEl>
+                                          <p:spTgt spid="76"/>
+                                        </p:tgtEl>
+                                        <p:attrNameLst>
+                                          <p:attrName>style.visibility</p:attrName>
+                                        </p:attrNameLst>
+                                      </p:cBhvr>
+                                      <p:to>
+                                        <p:strVal val="visible"/>
+                                      </p:to>
+                                    </p:set>
+                                    <p:animEffect transition="in" filter="wipe(left)">
+                                      <p:cBhvr>
+                                        <p:cTn id="21" dur="500"/>
+                                        <p:tgtEl>
+                                          <p:spTgt spid="76"/>
+                                        </p:tgtEl>
+                                      </p:cBhvr>
+                                    </p:animEffect>
+                                  </p:childTnLst>
+                                </p:cTn>
+                              </p:par>
+                            </p:childTnLst>
+                          </p:cTn>
+                        </p:par>
+                      </p:childTnLst>
+                    </p:cTn>
+                  </p:par>
+                  <p:par>
+                    <p:cTn id="22" fill="hold">
+                      <p:stCondLst>
+                        <p:cond delay="indefinite"/>
+                      </p:stCondLst>
+                      <p:childTnLst>
+                        <p:par>
+                          <p:cTn id="23" fill="hold">
+                            <p:stCondLst>
+                              <p:cond delay="0"/>
+                            </p:stCondLst>
+                            <p:childTnLst>
+                              <p:par>
+                                <p:cTn id="24" presetID="1" presetClass="entr" presetSubtype="0" fill="hold" nodeType="clickEffect">
+                                  <p:stCondLst>
+                                    <p:cond delay="0"/>
+                                  </p:stCondLst>
+                                  <p:childTnLst>
+                                    <p:set>
+                                      <p:cBhvr>
+                                        <p:cTn id="25" dur="1" fill="hold">
+                                          <p:stCondLst>
+                                            <p:cond delay="0"/>
+                                          </p:stCondLst>
+                                        </p:cTn>
+                                        <p:tgtEl>
+                                          <p:spTgt spid="74"/>
+                                        </p:tgtEl>
+                                        <p:attrNameLst>
+                                          <p:attrName>style.visibility</p:attrName>
+                                        </p:attrNameLst>
+                                      </p:cBhvr>
+                                      <p:to>
+                                        <p:strVal val="visible"/>
+                                      </p:to>
+                                    </p:set>
+                                  </p:childTnLst>
+                                </p:cTn>
+                              </p:par>
+                              <p:par>
+                                <p:cTn id="26" presetID="1" presetClass="entr" presetSubtype="0" fill="hold" grpId="3" nodeType="withEffect">
+                                  <p:stCondLst>
+                                    <p:cond delay="0"/>
+                                  </p:stCondLst>
+                                  <p:childTnLst>
+                                    <p:set>
+                                      <p:cBhvr>
+                                        <p:cTn id="27" dur="1" fill="hold">
+                                          <p:stCondLst>
+                                            <p:cond delay="0"/>
+                                          </p:stCondLst>
+                                        </p:cTn>
+                                        <p:tgtEl>
+                                          <p:spTgt spid="75"/>
+                                        </p:tgtEl>
+                                        <p:attrNameLst>
+                                          <p:attrName>style.visibility</p:attrName>
+                                        </p:attrNameLst>
+                                      </p:cBhvr>
+                                      <p:to>
+                                        <p:strVal val="visible"/>
+                                      </p:to>
+                                    </p:set>
+                                  </p:childTnLst>
+                                </p:cTn>
+                              </p:par>
+                            </p:childTnLst>
+                          </p:cTn>
+                        </p:par>
+                      </p:childTnLst>
+                    </p:cTn>
+                  </p:par>
+                </p:childTnLst>
+              </p:cTn>
+              <p:prevCondLst>
+                <p:cond evt="onPrev" delay="0">
+                  <p:tgtEl>
+                    <p:sldTgt/>
+                  </p:tgtEl>
+                </p:cond>
+              </p:prevCondLst>
+              <p:nextCondLst>
+                <p:cond evt="onNext" delay="0">
+                  <p:tgtEl>
+                    <p:sldTgt/>
+                  </p:tgtEl>
+                </p:cond>
+              </p:nextCondLst>
+            </p:seq>
+          </p:childTnLst>
+        </p:cTn>
       </p:par>
     </p:tnLst>
+    <p:bldLst>
+      <p:bldP spid="73" grpId="0" animBg="1"/>
+      <p:bldP spid="73" grpId="1" animBg="1"/>
+      <p:bldP spid="76" grpId="2" animBg="1"/>
+      <p:bldP spid="75" grpId="3" animBg="1"/>
+    </p:bldLst>
   </p:timing>
 </p:sld>
 </file>
